--- a/Wirings.pptx
+++ b/Wirings.pptx
@@ -7812,6 +7812,112 @@
           </a:fontRef>
         </p:style>
       </p:cxnSp>
+      <p:sp>
+        <p:nvSpPr>
+          <p:cNvPr id="2" name="TextBox 1">
+            <a:extLst>
+              <a:ext uri="{FF2B5EF4-FFF2-40B4-BE49-F238E27FC236}">
+                <a16:creationId xmlns:a16="http://schemas.microsoft.com/office/drawing/2014/main" id="{982A6296-6EE0-2F8C-D3E6-F4048B918947}"/>
+              </a:ext>
+            </a:extLst>
+          </p:cNvPr>
+          <p:cNvSpPr txBox="1"/>
+          <p:nvPr/>
+        </p:nvSpPr>
+        <p:spPr>
+          <a:xfrm>
+            <a:off x="8187276" y="3361160"/>
+            <a:ext cx="532015" cy="923330"/>
+          </a:xfrm>
+          <a:prstGeom prst="rect">
+            <a:avLst/>
+          </a:prstGeom>
+          <a:solidFill>
+            <a:schemeClr val="tx1">
+              <a:alpha val="29000"/>
+            </a:schemeClr>
+          </a:solidFill>
+        </p:spPr>
+        <p:txBody>
+          <a:bodyPr wrap="square" rtlCol="0">
+            <a:spAutoFit/>
+          </a:bodyPr>
+          <a:lstStyle/>
+          <a:p>
+            <a:r>
+              <a:rPr lang="fr-FR" altLang="ko-KR" sz="5400" b="1" dirty="0">
+                <a:solidFill>
+                  <a:schemeClr val="bg1"/>
+                </a:solidFill>
+                <a:latin typeface="Calibri" panose="020F0502020204030204" pitchFamily="34" charset="0"/>
+                <a:ea typeface="Calibri" panose="020F0502020204030204" pitchFamily="34" charset="0"/>
+                <a:cs typeface="Calibri" panose="020F0502020204030204" pitchFamily="34" charset="0"/>
+              </a:rPr>
+              <a:t>A</a:t>
+            </a:r>
+            <a:endParaRPr lang="ko-KR" altLang="en-US" sz="5400" b="1" dirty="0">
+              <a:solidFill>
+                <a:schemeClr val="bg1"/>
+              </a:solidFill>
+              <a:latin typeface="Calibri" panose="020F0502020204030204" pitchFamily="34" charset="0"/>
+              <a:cs typeface="Calibri" panose="020F0502020204030204" pitchFamily="34" charset="0"/>
+            </a:endParaRPr>
+          </a:p>
+        </p:txBody>
+      </p:sp>
+      <p:sp>
+        <p:nvSpPr>
+          <p:cNvPr id="18" name="TextBox 17">
+            <a:extLst>
+              <a:ext uri="{FF2B5EF4-FFF2-40B4-BE49-F238E27FC236}">
+                <a16:creationId xmlns:a16="http://schemas.microsoft.com/office/drawing/2014/main" id="{09D7B525-FD9D-36A7-A8ED-F51B8D52203E}"/>
+              </a:ext>
+            </a:extLst>
+          </p:cNvPr>
+          <p:cNvSpPr txBox="1"/>
+          <p:nvPr/>
+        </p:nvSpPr>
+        <p:spPr>
+          <a:xfrm>
+            <a:off x="8132700" y="1467723"/>
+            <a:ext cx="532015" cy="923330"/>
+          </a:xfrm>
+          <a:prstGeom prst="rect">
+            <a:avLst/>
+          </a:prstGeom>
+          <a:solidFill>
+            <a:schemeClr val="tx1">
+              <a:alpha val="29000"/>
+            </a:schemeClr>
+          </a:solidFill>
+        </p:spPr>
+        <p:txBody>
+          <a:bodyPr wrap="square" rtlCol="0">
+            <a:spAutoFit/>
+          </a:bodyPr>
+          <a:lstStyle/>
+          <a:p>
+            <a:r>
+              <a:rPr lang="fr-FR" altLang="ko-KR" sz="5400" b="1" dirty="0">
+                <a:solidFill>
+                  <a:schemeClr val="bg1"/>
+                </a:solidFill>
+                <a:latin typeface="Calibri" panose="020F0502020204030204" pitchFamily="34" charset="0"/>
+                <a:ea typeface="Calibri" panose="020F0502020204030204" pitchFamily="34" charset="0"/>
+                <a:cs typeface="Calibri" panose="020F0502020204030204" pitchFamily="34" charset="0"/>
+              </a:rPr>
+              <a:t>B</a:t>
+            </a:r>
+            <a:endParaRPr lang="ko-KR" altLang="en-US" sz="5400" b="1" dirty="0">
+              <a:solidFill>
+                <a:schemeClr val="bg1"/>
+              </a:solidFill>
+              <a:latin typeface="Calibri" panose="020F0502020204030204" pitchFamily="34" charset="0"/>
+              <a:cs typeface="Calibri" panose="020F0502020204030204" pitchFamily="34" charset="0"/>
+            </a:endParaRPr>
+          </a:p>
+        </p:txBody>
+      </p:sp>
     </p:spTree>
     <p:extLst>
       <p:ext uri="{BB962C8B-B14F-4D97-AF65-F5344CB8AC3E}">

--- a/Wirings.pptx
+++ b/Wirings.pptx
@@ -7,8 +7,10 @@
   <p:sldIdLst>
     <p:sldId id="256" r:id="rId2"/>
     <p:sldId id="257" r:id="rId3"/>
-    <p:sldId id="258" r:id="rId4"/>
-    <p:sldId id="259" r:id="rId5"/>
+    <p:sldId id="260" r:id="rId4"/>
+    <p:sldId id="261" r:id="rId5"/>
+    <p:sldId id="258" r:id="rId6"/>
+    <p:sldId id="259" r:id="rId7"/>
   </p:sldIdLst>
   <p:sldSz cx="12192000" cy="6858000"/>
   <p:notesSz cx="6858000" cy="9144000"/>
@@ -3492,63 +3494,6 @@
       </p:sp>
       <p:sp>
         <p:nvSpPr>
-          <p:cNvPr id="7" name="직사각형 6">
-            <a:extLst>
-              <a:ext uri="{FF2B5EF4-FFF2-40B4-BE49-F238E27FC236}">
-                <a16:creationId xmlns:a16="http://schemas.microsoft.com/office/drawing/2014/main" id="{9CF474B1-B084-4E7C-E5B8-AA72C9E5C197}"/>
-              </a:ext>
-            </a:extLst>
-          </p:cNvPr>
-          <p:cNvSpPr/>
-          <p:nvPr/>
-        </p:nvSpPr>
-        <p:spPr>
-          <a:xfrm>
-            <a:off x="4038600" y="2083399"/>
-            <a:ext cx="319644" cy="1674421"/>
-          </a:xfrm>
-          <a:prstGeom prst="rect">
-            <a:avLst/>
-          </a:prstGeom>
-          <a:solidFill>
-            <a:schemeClr val="accent5"/>
-          </a:solidFill>
-          <a:ln w="88900">
-            <a:solidFill>
-              <a:schemeClr val="accent5"/>
-            </a:solidFill>
-          </a:ln>
-        </p:spPr>
-        <p:style>
-          <a:lnRef idx="2">
-            <a:schemeClr val="accent1">
-              <a:shade val="50000"/>
-            </a:schemeClr>
-          </a:lnRef>
-          <a:fillRef idx="1">
-            <a:schemeClr val="accent1"/>
-          </a:fillRef>
-          <a:effectRef idx="0">
-            <a:schemeClr val="accent1"/>
-          </a:effectRef>
-          <a:fontRef idx="minor">
-            <a:schemeClr val="lt1"/>
-          </a:fontRef>
-        </p:style>
-        <p:txBody>
-          <a:bodyPr rtlCol="0" anchor="ctr"/>
-          <a:lstStyle/>
-          <a:p>
-            <a:pPr algn="ctr"/>
-            <a:endParaRPr lang="ko-KR" altLang="en-US" sz="2000" b="1">
-              <a:latin typeface="Calibri" panose="020F0502020204030204" pitchFamily="34" charset="0"/>
-              <a:cs typeface="Calibri" panose="020F0502020204030204" pitchFamily="34" charset="0"/>
-            </a:endParaRPr>
-          </a:p>
-        </p:txBody>
-      </p:sp>
-      <p:sp>
-        <p:nvSpPr>
           <p:cNvPr id="8" name="타원 7">
             <a:extLst>
               <a:ext uri="{FF2B5EF4-FFF2-40B4-BE49-F238E27FC236}">
@@ -3651,135 +3596,6 @@
           <a:p>
             <a:pPr algn="ctr"/>
             <a:endParaRPr lang="ko-KR" altLang="en-US" sz="2000" b="1">
-              <a:latin typeface="Calibri" panose="020F0502020204030204" pitchFamily="34" charset="0"/>
-              <a:cs typeface="Calibri" panose="020F0502020204030204" pitchFamily="34" charset="0"/>
-            </a:endParaRPr>
-          </a:p>
-        </p:txBody>
-      </p:sp>
-      <p:sp>
-        <p:nvSpPr>
-          <p:cNvPr id="10" name="타원 9">
-            <a:extLst>
-              <a:ext uri="{FF2B5EF4-FFF2-40B4-BE49-F238E27FC236}">
-                <a16:creationId xmlns:a16="http://schemas.microsoft.com/office/drawing/2014/main" id="{B27925EE-923D-9830-7D36-455C3ADAAA8F}"/>
-              </a:ext>
-            </a:extLst>
-          </p:cNvPr>
-          <p:cNvSpPr/>
-          <p:nvPr/>
-        </p:nvSpPr>
-        <p:spPr>
-          <a:xfrm>
-            <a:off x="3976454" y="4572792"/>
-            <a:ext cx="442553" cy="411480"/>
-          </a:xfrm>
-          <a:prstGeom prst="ellipse">
-            <a:avLst/>
-          </a:prstGeom>
-          <a:noFill/>
-          <a:ln w="88900">
-            <a:solidFill>
-              <a:srgbClr val="FF0000"/>
-            </a:solidFill>
-          </a:ln>
-        </p:spPr>
-        <p:style>
-          <a:lnRef idx="2">
-            <a:schemeClr val="accent1">
-              <a:shade val="50000"/>
-            </a:schemeClr>
-          </a:lnRef>
-          <a:fillRef idx="1">
-            <a:schemeClr val="accent1"/>
-          </a:fillRef>
-          <a:effectRef idx="0">
-            <a:schemeClr val="accent1"/>
-          </a:effectRef>
-          <a:fontRef idx="minor">
-            <a:schemeClr val="lt1"/>
-          </a:fontRef>
-        </p:style>
-        <p:txBody>
-          <a:bodyPr rtlCol="0" anchor="ctr"/>
-          <a:lstStyle/>
-          <a:p>
-            <a:pPr algn="ctr"/>
-            <a:endParaRPr lang="ko-KR" altLang="en-US" sz="2000" b="1">
-              <a:latin typeface="Calibri" panose="020F0502020204030204" pitchFamily="34" charset="0"/>
-              <a:cs typeface="Calibri" panose="020F0502020204030204" pitchFamily="34" charset="0"/>
-            </a:endParaRPr>
-          </a:p>
-        </p:txBody>
-      </p:sp>
-      <p:sp>
-        <p:nvSpPr>
-          <p:cNvPr id="2" name="직사각형 1">
-            <a:extLst>
-              <a:ext uri="{FF2B5EF4-FFF2-40B4-BE49-F238E27FC236}">
-                <a16:creationId xmlns:a16="http://schemas.microsoft.com/office/drawing/2014/main" id="{16DCD976-280A-31F6-CE86-60F87241FE40}"/>
-              </a:ext>
-            </a:extLst>
-          </p:cNvPr>
-          <p:cNvSpPr/>
-          <p:nvPr/>
-        </p:nvSpPr>
-        <p:spPr>
-          <a:xfrm>
-            <a:off x="2990795" y="2083399"/>
-            <a:ext cx="1060671" cy="1674421"/>
-          </a:xfrm>
-          <a:prstGeom prst="rect">
-            <a:avLst/>
-          </a:prstGeom>
-          <a:solidFill>
-            <a:schemeClr val="accent5"/>
-          </a:solidFill>
-          <a:ln>
-            <a:noFill/>
-          </a:ln>
-        </p:spPr>
-        <p:style>
-          <a:lnRef idx="2">
-            <a:schemeClr val="accent1">
-              <a:shade val="50000"/>
-            </a:schemeClr>
-          </a:lnRef>
-          <a:fillRef idx="1">
-            <a:schemeClr val="accent1"/>
-          </a:fillRef>
-          <a:effectRef idx="0">
-            <a:schemeClr val="accent1"/>
-          </a:effectRef>
-          <a:fontRef idx="minor">
-            <a:schemeClr val="lt1"/>
-          </a:fontRef>
-        </p:style>
-        <p:txBody>
-          <a:bodyPr rtlCol="0" anchor="ctr"/>
-          <a:lstStyle/>
-          <a:p>
-            <a:pPr algn="ctr"/>
-            <a:r>
-              <a:rPr lang="fr-FR" altLang="ko-KR" sz="2000" b="1" dirty="0">
-                <a:latin typeface="Calibri" panose="020F0502020204030204" pitchFamily="34" charset="0"/>
-                <a:ea typeface="Calibri" panose="020F0502020204030204" pitchFamily="34" charset="0"/>
-                <a:cs typeface="Calibri" panose="020F0502020204030204" pitchFamily="34" charset="0"/>
-              </a:rPr>
-              <a:t>OLED Display</a:t>
-            </a:r>
-          </a:p>
-          <a:p>
-            <a:pPr algn="ctr"/>
-            <a:r>
-              <a:rPr lang="fr-FR" altLang="ko-KR" sz="2000" b="1" dirty="0">
-                <a:latin typeface="Calibri" panose="020F0502020204030204" pitchFamily="34" charset="0"/>
-                <a:ea typeface="Calibri" panose="020F0502020204030204" pitchFamily="34" charset="0"/>
-                <a:cs typeface="Calibri" panose="020F0502020204030204" pitchFamily="34" charset="0"/>
-              </a:rPr>
-              <a:t>(I2C)</a:t>
-            </a:r>
-            <a:endParaRPr lang="ko-KR" altLang="en-US" sz="2000" b="1" dirty="0">
               <a:latin typeface="Calibri" panose="020F0502020204030204" pitchFamily="34" charset="0"/>
               <a:cs typeface="Calibri" panose="020F0502020204030204" pitchFamily="34" charset="0"/>
             </a:endParaRPr>
@@ -4155,283 +3971,511 @@
           </a:p>
         </p:txBody>
       </p:sp>
-      <p:sp>
-        <p:nvSpPr>
-          <p:cNvPr id="13" name="직사각형 12">
-            <a:extLst>
-              <a:ext uri="{FF2B5EF4-FFF2-40B4-BE49-F238E27FC236}">
-                <a16:creationId xmlns:a16="http://schemas.microsoft.com/office/drawing/2014/main" id="{4CA36511-3FCE-2EBE-43A4-39685AE33EAB}"/>
-              </a:ext>
-            </a:extLst>
-          </p:cNvPr>
-          <p:cNvSpPr/>
+      <p:grpSp>
+        <p:nvGrpSpPr>
+          <p:cNvPr id="27" name="그룹 26">
+            <a:extLst>
+              <a:ext uri="{FF2B5EF4-FFF2-40B4-BE49-F238E27FC236}">
+                <a16:creationId xmlns:a16="http://schemas.microsoft.com/office/drawing/2014/main" id="{15376011-57E6-ABF1-6245-F0F5DD7CA0CD}"/>
+              </a:ext>
+            </a:extLst>
+          </p:cNvPr>
+          <p:cNvGrpSpPr/>
           <p:nvPr/>
-        </p:nvSpPr>
-        <p:spPr>
+        </p:nvGrpSpPr>
+        <p:grpSpPr>
           <a:xfrm>
             <a:off x="2990795" y="4530832"/>
-            <a:ext cx="977938" cy="453440"/>
-          </a:xfrm>
-          <a:prstGeom prst="rect">
-            <a:avLst/>
-          </a:prstGeom>
-          <a:solidFill>
-            <a:srgbClr val="FF0000"/>
-          </a:solidFill>
-          <a:ln>
+            <a:ext cx="1428212" cy="453440"/>
+            <a:chOff x="2990795" y="4530832"/>
+            <a:chExt cx="1428212" cy="453440"/>
+          </a:xfrm>
+        </p:grpSpPr>
+        <p:sp>
+          <p:nvSpPr>
+            <p:cNvPr id="10" name="타원 9">
+              <a:extLst>
+                <a:ext uri="{FF2B5EF4-FFF2-40B4-BE49-F238E27FC236}">
+                  <a16:creationId xmlns:a16="http://schemas.microsoft.com/office/drawing/2014/main" id="{B27925EE-923D-9830-7D36-455C3ADAAA8F}"/>
+                </a:ext>
+              </a:extLst>
+            </p:cNvPr>
+            <p:cNvSpPr/>
+            <p:nvPr/>
+          </p:nvSpPr>
+          <p:spPr>
+            <a:xfrm>
+              <a:off x="3976454" y="4572792"/>
+              <a:ext cx="442553" cy="411480"/>
+            </a:xfrm>
+            <a:prstGeom prst="ellipse">
+              <a:avLst/>
+            </a:prstGeom>
             <a:noFill/>
-          </a:ln>
-        </p:spPr>
-        <p:style>
-          <a:lnRef idx="2">
-            <a:schemeClr val="accent1">
-              <a:shade val="50000"/>
-            </a:schemeClr>
-          </a:lnRef>
-          <a:fillRef idx="1">
-            <a:schemeClr val="accent1"/>
-          </a:fillRef>
-          <a:effectRef idx="0">
-            <a:schemeClr val="accent1"/>
-          </a:effectRef>
-          <a:fontRef idx="minor">
-            <a:schemeClr val="lt1"/>
-          </a:fontRef>
-        </p:style>
-        <p:txBody>
-          <a:bodyPr rtlCol="0" anchor="ctr"/>
-          <a:lstStyle/>
-          <a:p>
-            <a:pPr algn="ctr"/>
-            <a:r>
-              <a:rPr lang="fr-FR" altLang="ko-KR" sz="2000" b="1" dirty="0">
+            <a:ln w="88900">
+              <a:solidFill>
+                <a:srgbClr val="FF0000"/>
+              </a:solidFill>
+            </a:ln>
+          </p:spPr>
+          <p:style>
+            <a:lnRef idx="2">
+              <a:schemeClr val="accent1">
+                <a:shade val="50000"/>
+              </a:schemeClr>
+            </a:lnRef>
+            <a:fillRef idx="1">
+              <a:schemeClr val="accent1"/>
+            </a:fillRef>
+            <a:effectRef idx="0">
+              <a:schemeClr val="accent1"/>
+            </a:effectRef>
+            <a:fontRef idx="minor">
+              <a:schemeClr val="lt1"/>
+            </a:fontRef>
+          </p:style>
+          <p:txBody>
+            <a:bodyPr rtlCol="0" anchor="ctr"/>
+            <a:lstStyle/>
+            <a:p>
+              <a:pPr algn="ctr"/>
+              <a:endParaRPr lang="ko-KR" altLang="en-US" sz="2000" b="1">
+                <a:latin typeface="Calibri" panose="020F0502020204030204" pitchFamily="34" charset="0"/>
+                <a:cs typeface="Calibri" panose="020F0502020204030204" pitchFamily="34" charset="0"/>
+              </a:endParaRPr>
+            </a:p>
+          </p:txBody>
+        </p:sp>
+        <p:sp>
+          <p:nvSpPr>
+            <p:cNvPr id="13" name="직사각형 12">
+              <a:extLst>
+                <a:ext uri="{FF2B5EF4-FFF2-40B4-BE49-F238E27FC236}">
+                  <a16:creationId xmlns:a16="http://schemas.microsoft.com/office/drawing/2014/main" id="{4CA36511-3FCE-2EBE-43A4-39685AE33EAB}"/>
+                </a:ext>
+              </a:extLst>
+            </p:cNvPr>
+            <p:cNvSpPr/>
+            <p:nvPr/>
+          </p:nvSpPr>
+          <p:spPr>
+            <a:xfrm>
+              <a:off x="2990795" y="4530832"/>
+              <a:ext cx="977938" cy="453440"/>
+            </a:xfrm>
+            <a:prstGeom prst="rect">
+              <a:avLst/>
+            </a:prstGeom>
+            <a:solidFill>
+              <a:srgbClr val="FF0000"/>
+            </a:solidFill>
+            <a:ln>
+              <a:noFill/>
+            </a:ln>
+          </p:spPr>
+          <p:style>
+            <a:lnRef idx="2">
+              <a:schemeClr val="accent1">
+                <a:shade val="50000"/>
+              </a:schemeClr>
+            </a:lnRef>
+            <a:fillRef idx="1">
+              <a:schemeClr val="accent1"/>
+            </a:fillRef>
+            <a:effectRef idx="0">
+              <a:schemeClr val="accent1"/>
+            </a:effectRef>
+            <a:fontRef idx="minor">
+              <a:schemeClr val="lt1"/>
+            </a:fontRef>
+          </p:style>
+          <p:txBody>
+            <a:bodyPr rtlCol="0" anchor="ctr"/>
+            <a:lstStyle/>
+            <a:p>
+              <a:pPr algn="ctr"/>
+              <a:r>
+                <a:rPr lang="fr-FR" altLang="ko-KR" sz="2000" b="1" dirty="0">
+                  <a:solidFill>
+                    <a:schemeClr val="bg1"/>
+                  </a:solidFill>
+                  <a:latin typeface="Calibri" panose="020F0502020204030204" pitchFamily="34" charset="0"/>
+                  <a:ea typeface="Calibri" panose="020F0502020204030204" pitchFamily="34" charset="0"/>
+                  <a:cs typeface="Calibri" panose="020F0502020204030204" pitchFamily="34" charset="0"/>
+                </a:rPr>
+                <a:t>3.3V</a:t>
+              </a:r>
+              <a:endParaRPr lang="ko-KR" altLang="en-US" sz="2000" b="1" dirty="0">
                 <a:solidFill>
                   <a:schemeClr val="bg1"/>
                 </a:solidFill>
                 <a:latin typeface="Calibri" panose="020F0502020204030204" pitchFamily="34" charset="0"/>
-                <a:ea typeface="Calibri" panose="020F0502020204030204" pitchFamily="34" charset="0"/>
                 <a:cs typeface="Calibri" panose="020F0502020204030204" pitchFamily="34" charset="0"/>
-              </a:rPr>
-              <a:t>3.3V</a:t>
-            </a:r>
-            <a:endParaRPr lang="ko-KR" altLang="en-US" sz="2000" b="1" dirty="0">
+              </a:endParaRPr>
+            </a:p>
+          </p:txBody>
+        </p:sp>
+      </p:grpSp>
+      <p:grpSp>
+        <p:nvGrpSpPr>
+          <p:cNvPr id="26" name="그룹 25">
+            <a:extLst>
+              <a:ext uri="{FF2B5EF4-FFF2-40B4-BE49-F238E27FC236}">
+                <a16:creationId xmlns:a16="http://schemas.microsoft.com/office/drawing/2014/main" id="{B6760E6D-7467-E374-2F18-D6575BC1CC72}"/>
+              </a:ext>
+            </a:extLst>
+          </p:cNvPr>
+          <p:cNvGrpSpPr/>
+          <p:nvPr/>
+        </p:nvGrpSpPr>
+        <p:grpSpPr>
+          <a:xfrm>
+            <a:off x="2990795" y="2083399"/>
+            <a:ext cx="1367449" cy="1674421"/>
+            <a:chOff x="2990795" y="2083399"/>
+            <a:chExt cx="1367449" cy="1674421"/>
+          </a:xfrm>
+        </p:grpSpPr>
+        <p:sp>
+          <p:nvSpPr>
+            <p:cNvPr id="7" name="직사각형 6">
+              <a:extLst>
+                <a:ext uri="{FF2B5EF4-FFF2-40B4-BE49-F238E27FC236}">
+                  <a16:creationId xmlns:a16="http://schemas.microsoft.com/office/drawing/2014/main" id="{9CF474B1-B084-4E7C-E5B8-AA72C9E5C197}"/>
+                </a:ext>
+              </a:extLst>
+            </p:cNvPr>
+            <p:cNvSpPr/>
+            <p:nvPr/>
+          </p:nvSpPr>
+          <p:spPr>
+            <a:xfrm>
+              <a:off x="4038600" y="2083399"/>
+              <a:ext cx="319644" cy="1674421"/>
+            </a:xfrm>
+            <a:prstGeom prst="rect">
+              <a:avLst/>
+            </a:prstGeom>
+            <a:solidFill>
+              <a:schemeClr val="accent5"/>
+            </a:solidFill>
+            <a:ln w="88900">
               <a:solidFill>
-                <a:schemeClr val="bg1"/>
+                <a:schemeClr val="accent5"/>
               </a:solidFill>
-              <a:latin typeface="Calibri" panose="020F0502020204030204" pitchFamily="34" charset="0"/>
-              <a:cs typeface="Calibri" panose="020F0502020204030204" pitchFamily="34" charset="0"/>
-            </a:endParaRPr>
-          </a:p>
-        </p:txBody>
-      </p:sp>
-      <p:sp>
-        <p:nvSpPr>
-          <p:cNvPr id="22" name="타원 21">
-            <a:extLst>
-              <a:ext uri="{FF2B5EF4-FFF2-40B4-BE49-F238E27FC236}">
-                <a16:creationId xmlns:a16="http://schemas.microsoft.com/office/drawing/2014/main" id="{C11508E1-2BE9-3294-49ED-2AB247A96B1A}"/>
-              </a:ext>
-            </a:extLst>
-          </p:cNvPr>
-          <p:cNvSpPr/>
-          <p:nvPr/>
-        </p:nvSpPr>
-        <p:spPr>
-          <a:xfrm>
-            <a:off x="4110022" y="3431994"/>
-            <a:ext cx="198417" cy="189016"/>
-          </a:xfrm>
-          <a:prstGeom prst="ellipse">
-            <a:avLst/>
-          </a:prstGeom>
-          <a:solidFill>
-            <a:schemeClr val="tx1"/>
-          </a:solidFill>
-          <a:ln>
-            <a:noFill/>
-          </a:ln>
-        </p:spPr>
-        <p:style>
-          <a:lnRef idx="2">
-            <a:schemeClr val="accent1">
-              <a:shade val="50000"/>
-            </a:schemeClr>
-          </a:lnRef>
-          <a:fillRef idx="1">
-            <a:schemeClr val="accent1"/>
-          </a:fillRef>
-          <a:effectRef idx="0">
-            <a:schemeClr val="accent1"/>
-          </a:effectRef>
-          <a:fontRef idx="minor">
-            <a:schemeClr val="lt1"/>
-          </a:fontRef>
-        </p:style>
-        <p:txBody>
-          <a:bodyPr rtlCol="0" anchor="ctr"/>
-          <a:lstStyle/>
-          <a:p>
-            <a:pPr algn="ctr"/>
-            <a:endParaRPr lang="ko-KR" altLang="en-US"/>
-          </a:p>
-        </p:txBody>
-      </p:sp>
-      <p:sp>
-        <p:nvSpPr>
-          <p:cNvPr id="23" name="타원 22">
-            <a:extLst>
-              <a:ext uri="{FF2B5EF4-FFF2-40B4-BE49-F238E27FC236}">
-                <a16:creationId xmlns:a16="http://schemas.microsoft.com/office/drawing/2014/main" id="{2FD75BF6-14C3-AD47-6CF5-77C39F335DCD}"/>
-              </a:ext>
-            </a:extLst>
-          </p:cNvPr>
-          <p:cNvSpPr/>
-          <p:nvPr/>
-        </p:nvSpPr>
-        <p:spPr>
-          <a:xfrm>
-            <a:off x="4109733" y="3020814"/>
-            <a:ext cx="198417" cy="189016"/>
-          </a:xfrm>
-          <a:prstGeom prst="ellipse">
-            <a:avLst/>
-          </a:prstGeom>
-          <a:solidFill>
-            <a:srgbClr val="FF0000"/>
-          </a:solidFill>
-          <a:ln>
-            <a:noFill/>
-          </a:ln>
-        </p:spPr>
-        <p:style>
-          <a:lnRef idx="2">
-            <a:schemeClr val="accent1">
-              <a:shade val="50000"/>
-            </a:schemeClr>
-          </a:lnRef>
-          <a:fillRef idx="1">
-            <a:schemeClr val="accent1"/>
-          </a:fillRef>
-          <a:effectRef idx="0">
-            <a:schemeClr val="accent1"/>
-          </a:effectRef>
-          <a:fontRef idx="minor">
-            <a:schemeClr val="lt1"/>
-          </a:fontRef>
-        </p:style>
-        <p:txBody>
-          <a:bodyPr rtlCol="0" anchor="ctr"/>
-          <a:lstStyle/>
-          <a:p>
-            <a:pPr algn="ctr"/>
-            <a:endParaRPr lang="ko-KR" altLang="en-US"/>
-          </a:p>
-        </p:txBody>
-      </p:sp>
-      <p:sp>
-        <p:nvSpPr>
-          <p:cNvPr id="24" name="타원 23">
-            <a:extLst>
-              <a:ext uri="{FF2B5EF4-FFF2-40B4-BE49-F238E27FC236}">
-                <a16:creationId xmlns:a16="http://schemas.microsoft.com/office/drawing/2014/main" id="{E195D9FB-6CCF-E3B1-CCFC-4995B8D31228}"/>
-              </a:ext>
-            </a:extLst>
-          </p:cNvPr>
-          <p:cNvSpPr/>
-          <p:nvPr/>
-        </p:nvSpPr>
-        <p:spPr>
-          <a:xfrm>
-            <a:off x="4123323" y="2608230"/>
-            <a:ext cx="198417" cy="189016"/>
-          </a:xfrm>
-          <a:prstGeom prst="ellipse">
-            <a:avLst/>
-          </a:prstGeom>
-          <a:solidFill>
-            <a:srgbClr val="FFFF00"/>
-          </a:solidFill>
-          <a:ln>
-            <a:noFill/>
-          </a:ln>
-        </p:spPr>
-        <p:style>
-          <a:lnRef idx="2">
-            <a:schemeClr val="accent1">
-              <a:shade val="50000"/>
-            </a:schemeClr>
-          </a:lnRef>
-          <a:fillRef idx="1">
-            <a:schemeClr val="accent1"/>
-          </a:fillRef>
-          <a:effectRef idx="0">
-            <a:schemeClr val="accent1"/>
-          </a:effectRef>
-          <a:fontRef idx="minor">
-            <a:schemeClr val="lt1"/>
-          </a:fontRef>
-        </p:style>
-        <p:txBody>
-          <a:bodyPr rtlCol="0" anchor="ctr"/>
-          <a:lstStyle/>
-          <a:p>
-            <a:pPr algn="ctr"/>
-            <a:endParaRPr lang="ko-KR" altLang="en-US"/>
-          </a:p>
-        </p:txBody>
-      </p:sp>
-      <p:sp>
-        <p:nvSpPr>
-          <p:cNvPr id="25" name="타원 24">
-            <a:extLst>
-              <a:ext uri="{FF2B5EF4-FFF2-40B4-BE49-F238E27FC236}">
-                <a16:creationId xmlns:a16="http://schemas.microsoft.com/office/drawing/2014/main" id="{27423977-4A54-079B-764F-EB80DA3CDCA6}"/>
-              </a:ext>
-            </a:extLst>
-          </p:cNvPr>
-          <p:cNvSpPr/>
-          <p:nvPr/>
-        </p:nvSpPr>
-        <p:spPr>
-          <a:xfrm>
-            <a:off x="4128259" y="2181884"/>
-            <a:ext cx="198417" cy="189016"/>
-          </a:xfrm>
-          <a:prstGeom prst="ellipse">
-            <a:avLst/>
-          </a:prstGeom>
-          <a:solidFill>
-            <a:schemeClr val="bg1"/>
-          </a:solidFill>
-          <a:ln>
-            <a:noFill/>
-          </a:ln>
-        </p:spPr>
-        <p:style>
-          <a:lnRef idx="2">
-            <a:schemeClr val="accent1">
-              <a:shade val="50000"/>
-            </a:schemeClr>
-          </a:lnRef>
-          <a:fillRef idx="1">
-            <a:schemeClr val="accent1"/>
-          </a:fillRef>
-          <a:effectRef idx="0">
-            <a:schemeClr val="accent1"/>
-          </a:effectRef>
-          <a:fontRef idx="minor">
-            <a:schemeClr val="lt1"/>
-          </a:fontRef>
-        </p:style>
-        <p:txBody>
-          <a:bodyPr rtlCol="0" anchor="ctr"/>
-          <a:lstStyle/>
-          <a:p>
-            <a:pPr algn="ctr"/>
-            <a:endParaRPr lang="ko-KR" altLang="en-US"/>
-          </a:p>
-        </p:txBody>
-      </p:sp>
+            </a:ln>
+          </p:spPr>
+          <p:style>
+            <a:lnRef idx="2">
+              <a:schemeClr val="accent1">
+                <a:shade val="50000"/>
+              </a:schemeClr>
+            </a:lnRef>
+            <a:fillRef idx="1">
+              <a:schemeClr val="accent1"/>
+            </a:fillRef>
+            <a:effectRef idx="0">
+              <a:schemeClr val="accent1"/>
+            </a:effectRef>
+            <a:fontRef idx="minor">
+              <a:schemeClr val="lt1"/>
+            </a:fontRef>
+          </p:style>
+          <p:txBody>
+            <a:bodyPr rtlCol="0" anchor="ctr"/>
+            <a:lstStyle/>
+            <a:p>
+              <a:pPr algn="ctr"/>
+              <a:endParaRPr lang="ko-KR" altLang="en-US" sz="2000" b="1">
+                <a:latin typeface="Calibri" panose="020F0502020204030204" pitchFamily="34" charset="0"/>
+                <a:cs typeface="Calibri" panose="020F0502020204030204" pitchFamily="34" charset="0"/>
+              </a:endParaRPr>
+            </a:p>
+          </p:txBody>
+        </p:sp>
+        <p:sp>
+          <p:nvSpPr>
+            <p:cNvPr id="2" name="직사각형 1">
+              <a:extLst>
+                <a:ext uri="{FF2B5EF4-FFF2-40B4-BE49-F238E27FC236}">
+                  <a16:creationId xmlns:a16="http://schemas.microsoft.com/office/drawing/2014/main" id="{16DCD976-280A-31F6-CE86-60F87241FE40}"/>
+                </a:ext>
+              </a:extLst>
+            </p:cNvPr>
+            <p:cNvSpPr/>
+            <p:nvPr/>
+          </p:nvSpPr>
+          <p:spPr>
+            <a:xfrm>
+              <a:off x="2990795" y="2083399"/>
+              <a:ext cx="1060671" cy="1674421"/>
+            </a:xfrm>
+            <a:prstGeom prst="rect">
+              <a:avLst/>
+            </a:prstGeom>
+            <a:solidFill>
+              <a:schemeClr val="accent5"/>
+            </a:solidFill>
+            <a:ln>
+              <a:noFill/>
+            </a:ln>
+          </p:spPr>
+          <p:style>
+            <a:lnRef idx="2">
+              <a:schemeClr val="accent1">
+                <a:shade val="50000"/>
+              </a:schemeClr>
+            </a:lnRef>
+            <a:fillRef idx="1">
+              <a:schemeClr val="accent1"/>
+            </a:fillRef>
+            <a:effectRef idx="0">
+              <a:schemeClr val="accent1"/>
+            </a:effectRef>
+            <a:fontRef idx="minor">
+              <a:schemeClr val="lt1"/>
+            </a:fontRef>
+          </p:style>
+          <p:txBody>
+            <a:bodyPr rtlCol="0" anchor="ctr"/>
+            <a:lstStyle/>
+            <a:p>
+              <a:pPr algn="ctr"/>
+              <a:r>
+                <a:rPr lang="fr-FR" altLang="ko-KR" sz="2000" b="1" dirty="0">
+                  <a:latin typeface="Calibri" panose="020F0502020204030204" pitchFamily="34" charset="0"/>
+                  <a:ea typeface="Calibri" panose="020F0502020204030204" pitchFamily="34" charset="0"/>
+                  <a:cs typeface="Calibri" panose="020F0502020204030204" pitchFamily="34" charset="0"/>
+                </a:rPr>
+                <a:t>OLED Display</a:t>
+              </a:r>
+            </a:p>
+            <a:p>
+              <a:pPr algn="ctr"/>
+              <a:r>
+                <a:rPr lang="fr-FR" altLang="ko-KR" sz="2000" b="1" dirty="0">
+                  <a:latin typeface="Calibri" panose="020F0502020204030204" pitchFamily="34" charset="0"/>
+                  <a:ea typeface="Calibri" panose="020F0502020204030204" pitchFamily="34" charset="0"/>
+                  <a:cs typeface="Calibri" panose="020F0502020204030204" pitchFamily="34" charset="0"/>
+                </a:rPr>
+                <a:t>(I2C)</a:t>
+              </a:r>
+              <a:endParaRPr lang="ko-KR" altLang="en-US" sz="2000" b="1" dirty="0">
+                <a:latin typeface="Calibri" panose="020F0502020204030204" pitchFamily="34" charset="0"/>
+                <a:cs typeface="Calibri" panose="020F0502020204030204" pitchFamily="34" charset="0"/>
+              </a:endParaRPr>
+            </a:p>
+          </p:txBody>
+        </p:sp>
+        <p:sp>
+          <p:nvSpPr>
+            <p:cNvPr id="22" name="타원 21">
+              <a:extLst>
+                <a:ext uri="{FF2B5EF4-FFF2-40B4-BE49-F238E27FC236}">
+                  <a16:creationId xmlns:a16="http://schemas.microsoft.com/office/drawing/2014/main" id="{C11508E1-2BE9-3294-49ED-2AB247A96B1A}"/>
+                </a:ext>
+              </a:extLst>
+            </p:cNvPr>
+            <p:cNvSpPr/>
+            <p:nvPr/>
+          </p:nvSpPr>
+          <p:spPr>
+            <a:xfrm>
+              <a:off x="4110022" y="3431994"/>
+              <a:ext cx="198417" cy="189016"/>
+            </a:xfrm>
+            <a:prstGeom prst="ellipse">
+              <a:avLst/>
+            </a:prstGeom>
+            <a:solidFill>
+              <a:schemeClr val="tx1"/>
+            </a:solidFill>
+            <a:ln>
+              <a:noFill/>
+            </a:ln>
+          </p:spPr>
+          <p:style>
+            <a:lnRef idx="2">
+              <a:schemeClr val="accent1">
+                <a:shade val="50000"/>
+              </a:schemeClr>
+            </a:lnRef>
+            <a:fillRef idx="1">
+              <a:schemeClr val="accent1"/>
+            </a:fillRef>
+            <a:effectRef idx="0">
+              <a:schemeClr val="accent1"/>
+            </a:effectRef>
+            <a:fontRef idx="minor">
+              <a:schemeClr val="lt1"/>
+            </a:fontRef>
+          </p:style>
+          <p:txBody>
+            <a:bodyPr rtlCol="0" anchor="ctr"/>
+            <a:lstStyle/>
+            <a:p>
+              <a:pPr algn="ctr"/>
+              <a:endParaRPr lang="ko-KR" altLang="en-US"/>
+            </a:p>
+          </p:txBody>
+        </p:sp>
+        <p:sp>
+          <p:nvSpPr>
+            <p:cNvPr id="23" name="타원 22">
+              <a:extLst>
+                <a:ext uri="{FF2B5EF4-FFF2-40B4-BE49-F238E27FC236}">
+                  <a16:creationId xmlns:a16="http://schemas.microsoft.com/office/drawing/2014/main" id="{2FD75BF6-14C3-AD47-6CF5-77C39F335DCD}"/>
+                </a:ext>
+              </a:extLst>
+            </p:cNvPr>
+            <p:cNvSpPr/>
+            <p:nvPr/>
+          </p:nvSpPr>
+          <p:spPr>
+            <a:xfrm>
+              <a:off x="4109733" y="3020814"/>
+              <a:ext cx="198417" cy="189016"/>
+            </a:xfrm>
+            <a:prstGeom prst="ellipse">
+              <a:avLst/>
+            </a:prstGeom>
+            <a:solidFill>
+              <a:srgbClr val="FF0000"/>
+            </a:solidFill>
+            <a:ln>
+              <a:noFill/>
+            </a:ln>
+          </p:spPr>
+          <p:style>
+            <a:lnRef idx="2">
+              <a:schemeClr val="accent1">
+                <a:shade val="50000"/>
+              </a:schemeClr>
+            </a:lnRef>
+            <a:fillRef idx="1">
+              <a:schemeClr val="accent1"/>
+            </a:fillRef>
+            <a:effectRef idx="0">
+              <a:schemeClr val="accent1"/>
+            </a:effectRef>
+            <a:fontRef idx="minor">
+              <a:schemeClr val="lt1"/>
+            </a:fontRef>
+          </p:style>
+          <p:txBody>
+            <a:bodyPr rtlCol="0" anchor="ctr"/>
+            <a:lstStyle/>
+            <a:p>
+              <a:pPr algn="ctr"/>
+              <a:endParaRPr lang="ko-KR" altLang="en-US"/>
+            </a:p>
+          </p:txBody>
+        </p:sp>
+        <p:sp>
+          <p:nvSpPr>
+            <p:cNvPr id="24" name="타원 23">
+              <a:extLst>
+                <a:ext uri="{FF2B5EF4-FFF2-40B4-BE49-F238E27FC236}">
+                  <a16:creationId xmlns:a16="http://schemas.microsoft.com/office/drawing/2014/main" id="{E195D9FB-6CCF-E3B1-CCFC-4995B8D31228}"/>
+                </a:ext>
+              </a:extLst>
+            </p:cNvPr>
+            <p:cNvSpPr/>
+            <p:nvPr/>
+          </p:nvSpPr>
+          <p:spPr>
+            <a:xfrm>
+              <a:off x="4123323" y="2608230"/>
+              <a:ext cx="198417" cy="189016"/>
+            </a:xfrm>
+            <a:prstGeom prst="ellipse">
+              <a:avLst/>
+            </a:prstGeom>
+            <a:solidFill>
+              <a:srgbClr val="FFFF00"/>
+            </a:solidFill>
+            <a:ln>
+              <a:noFill/>
+            </a:ln>
+          </p:spPr>
+          <p:style>
+            <a:lnRef idx="2">
+              <a:schemeClr val="accent1">
+                <a:shade val="50000"/>
+              </a:schemeClr>
+            </a:lnRef>
+            <a:fillRef idx="1">
+              <a:schemeClr val="accent1"/>
+            </a:fillRef>
+            <a:effectRef idx="0">
+              <a:schemeClr val="accent1"/>
+            </a:effectRef>
+            <a:fontRef idx="minor">
+              <a:schemeClr val="lt1"/>
+            </a:fontRef>
+          </p:style>
+          <p:txBody>
+            <a:bodyPr rtlCol="0" anchor="ctr"/>
+            <a:lstStyle/>
+            <a:p>
+              <a:pPr algn="ctr"/>
+              <a:endParaRPr lang="ko-KR" altLang="en-US"/>
+            </a:p>
+          </p:txBody>
+        </p:sp>
+        <p:sp>
+          <p:nvSpPr>
+            <p:cNvPr id="25" name="타원 24">
+              <a:extLst>
+                <a:ext uri="{FF2B5EF4-FFF2-40B4-BE49-F238E27FC236}">
+                  <a16:creationId xmlns:a16="http://schemas.microsoft.com/office/drawing/2014/main" id="{27423977-4A54-079B-764F-EB80DA3CDCA6}"/>
+                </a:ext>
+              </a:extLst>
+            </p:cNvPr>
+            <p:cNvSpPr/>
+            <p:nvPr/>
+          </p:nvSpPr>
+          <p:spPr>
+            <a:xfrm>
+              <a:off x="4128259" y="2181884"/>
+              <a:ext cx="198417" cy="189016"/>
+            </a:xfrm>
+            <a:prstGeom prst="ellipse">
+              <a:avLst/>
+            </a:prstGeom>
+            <a:solidFill>
+              <a:schemeClr val="bg1"/>
+            </a:solidFill>
+            <a:ln>
+              <a:noFill/>
+            </a:ln>
+          </p:spPr>
+          <p:style>
+            <a:lnRef idx="2">
+              <a:schemeClr val="accent1">
+                <a:shade val="50000"/>
+              </a:schemeClr>
+            </a:lnRef>
+            <a:fillRef idx="1">
+              <a:schemeClr val="accent1"/>
+            </a:fillRef>
+            <a:effectRef idx="0">
+              <a:schemeClr val="accent1"/>
+            </a:effectRef>
+            <a:fontRef idx="minor">
+              <a:schemeClr val="lt1"/>
+            </a:fontRef>
+          </p:style>
+          <p:txBody>
+            <a:bodyPr rtlCol="0" anchor="ctr"/>
+            <a:lstStyle/>
+            <a:p>
+              <a:pPr algn="ctr"/>
+              <a:endParaRPr lang="ko-KR" altLang="en-US"/>
+            </a:p>
+          </p:txBody>
+        </p:sp>
+      </p:grpSp>
       <p:sp>
         <p:nvSpPr>
           <p:cNvPr id="18" name="타원 17">
@@ -6212,6 +6256,2484 @@
       </p:grpSpPr>
       <p:pic>
         <p:nvPicPr>
+          <p:cNvPr id="34" name="그림 33">
+            <a:extLst>
+              <a:ext uri="{FF2B5EF4-FFF2-40B4-BE49-F238E27FC236}">
+                <a16:creationId xmlns:a16="http://schemas.microsoft.com/office/drawing/2014/main" id="{51FA7817-4BEF-77F4-4244-175508657008}"/>
+              </a:ext>
+            </a:extLst>
+          </p:cNvPr>
+          <p:cNvPicPr>
+            <a:picLocks noChangeAspect="1"/>
+          </p:cNvPicPr>
+          <p:nvPr/>
+        </p:nvPicPr>
+        <p:blipFill>
+          <a:blip r:embed="rId2"/>
+          <a:stretch>
+            <a:fillRect/>
+          </a:stretch>
+        </p:blipFill>
+        <p:spPr>
+          <a:xfrm>
+            <a:off x="3197712" y="368090"/>
+            <a:ext cx="6387193" cy="6387193"/>
+          </a:xfrm>
+          <a:prstGeom prst="rect">
+            <a:avLst/>
+          </a:prstGeom>
+        </p:spPr>
+      </p:pic>
+      <p:grpSp>
+        <p:nvGrpSpPr>
+          <p:cNvPr id="12" name="그룹 11">
+            <a:extLst>
+              <a:ext uri="{FF2B5EF4-FFF2-40B4-BE49-F238E27FC236}">
+                <a16:creationId xmlns:a16="http://schemas.microsoft.com/office/drawing/2014/main" id="{5EF54956-D004-A055-2D91-1C89B9328B56}"/>
+              </a:ext>
+            </a:extLst>
+          </p:cNvPr>
+          <p:cNvGrpSpPr/>
+          <p:nvPr/>
+        </p:nvGrpSpPr>
+        <p:grpSpPr>
+          <a:xfrm>
+            <a:off x="3096923" y="3079440"/>
+            <a:ext cx="1367449" cy="1674421"/>
+            <a:chOff x="2713209" y="3332534"/>
+            <a:chExt cx="1367449" cy="1674421"/>
+          </a:xfrm>
+        </p:grpSpPr>
+        <p:sp>
+          <p:nvSpPr>
+            <p:cNvPr id="6" name="직사각형 5">
+              <a:extLst>
+                <a:ext uri="{FF2B5EF4-FFF2-40B4-BE49-F238E27FC236}">
+                  <a16:creationId xmlns:a16="http://schemas.microsoft.com/office/drawing/2014/main" id="{2796EDD0-C878-1AED-8EAF-3820449EEDE5}"/>
+                </a:ext>
+              </a:extLst>
+            </p:cNvPr>
+            <p:cNvSpPr/>
+            <p:nvPr/>
+          </p:nvSpPr>
+          <p:spPr>
+            <a:xfrm>
+              <a:off x="3761014" y="3332534"/>
+              <a:ext cx="319644" cy="1674421"/>
+            </a:xfrm>
+            <a:prstGeom prst="rect">
+              <a:avLst/>
+            </a:prstGeom>
+            <a:solidFill>
+              <a:schemeClr val="accent5"/>
+            </a:solidFill>
+            <a:ln w="88900">
+              <a:solidFill>
+                <a:schemeClr val="accent5"/>
+              </a:solidFill>
+            </a:ln>
+          </p:spPr>
+          <p:style>
+            <a:lnRef idx="2">
+              <a:schemeClr val="accent1">
+                <a:shade val="50000"/>
+              </a:schemeClr>
+            </a:lnRef>
+            <a:fillRef idx="1">
+              <a:schemeClr val="accent1"/>
+            </a:fillRef>
+            <a:effectRef idx="0">
+              <a:schemeClr val="accent1"/>
+            </a:effectRef>
+            <a:fontRef idx="minor">
+              <a:schemeClr val="lt1"/>
+            </a:fontRef>
+          </p:style>
+          <p:txBody>
+            <a:bodyPr rtlCol="0" anchor="ctr"/>
+            <a:lstStyle/>
+            <a:p>
+              <a:pPr algn="ctr"/>
+              <a:endParaRPr lang="ko-KR" altLang="en-US" sz="2000" b="1">
+                <a:latin typeface="Calibri" panose="020F0502020204030204" pitchFamily="34" charset="0"/>
+                <a:cs typeface="Calibri" panose="020F0502020204030204" pitchFamily="34" charset="0"/>
+              </a:endParaRPr>
+            </a:p>
+          </p:txBody>
+        </p:sp>
+        <p:sp>
+          <p:nvSpPr>
+            <p:cNvPr id="7" name="직사각형 6">
+              <a:extLst>
+                <a:ext uri="{FF2B5EF4-FFF2-40B4-BE49-F238E27FC236}">
+                  <a16:creationId xmlns:a16="http://schemas.microsoft.com/office/drawing/2014/main" id="{03A48D39-A863-9EF2-CF5C-0786F21E2B63}"/>
+                </a:ext>
+              </a:extLst>
+            </p:cNvPr>
+            <p:cNvSpPr/>
+            <p:nvPr/>
+          </p:nvSpPr>
+          <p:spPr>
+            <a:xfrm>
+              <a:off x="2713209" y="3332534"/>
+              <a:ext cx="1060671" cy="1674421"/>
+            </a:xfrm>
+            <a:prstGeom prst="rect">
+              <a:avLst/>
+            </a:prstGeom>
+            <a:solidFill>
+              <a:schemeClr val="accent5"/>
+            </a:solidFill>
+            <a:ln>
+              <a:noFill/>
+            </a:ln>
+          </p:spPr>
+          <p:style>
+            <a:lnRef idx="2">
+              <a:schemeClr val="accent1">
+                <a:shade val="50000"/>
+              </a:schemeClr>
+            </a:lnRef>
+            <a:fillRef idx="1">
+              <a:schemeClr val="accent1"/>
+            </a:fillRef>
+            <a:effectRef idx="0">
+              <a:schemeClr val="accent1"/>
+            </a:effectRef>
+            <a:fontRef idx="minor">
+              <a:schemeClr val="lt1"/>
+            </a:fontRef>
+          </p:style>
+          <p:txBody>
+            <a:bodyPr rtlCol="0" anchor="ctr"/>
+            <a:lstStyle/>
+            <a:p>
+              <a:pPr algn="ctr"/>
+              <a:r>
+                <a:rPr lang="fr-FR" altLang="ko-KR" sz="2000" b="1" dirty="0">
+                  <a:latin typeface="Calibri" panose="020F0502020204030204" pitchFamily="34" charset="0"/>
+                  <a:ea typeface="Calibri" panose="020F0502020204030204" pitchFamily="34" charset="0"/>
+                  <a:cs typeface="Calibri" panose="020F0502020204030204" pitchFamily="34" charset="0"/>
+                </a:rPr>
+                <a:t>OLED Display</a:t>
+              </a:r>
+            </a:p>
+            <a:p>
+              <a:pPr algn="ctr"/>
+              <a:r>
+                <a:rPr lang="fr-FR" altLang="ko-KR" sz="2000" b="1" dirty="0">
+                  <a:latin typeface="Calibri" panose="020F0502020204030204" pitchFamily="34" charset="0"/>
+                  <a:ea typeface="Calibri" panose="020F0502020204030204" pitchFamily="34" charset="0"/>
+                  <a:cs typeface="Calibri" panose="020F0502020204030204" pitchFamily="34" charset="0"/>
+                </a:rPr>
+                <a:t>(I2C)</a:t>
+              </a:r>
+              <a:endParaRPr lang="ko-KR" altLang="en-US" sz="2000" b="1" dirty="0">
+                <a:latin typeface="Calibri" panose="020F0502020204030204" pitchFamily="34" charset="0"/>
+                <a:cs typeface="Calibri" panose="020F0502020204030204" pitchFamily="34" charset="0"/>
+              </a:endParaRPr>
+            </a:p>
+          </p:txBody>
+        </p:sp>
+        <p:sp>
+          <p:nvSpPr>
+            <p:cNvPr id="8" name="타원 7">
+              <a:extLst>
+                <a:ext uri="{FF2B5EF4-FFF2-40B4-BE49-F238E27FC236}">
+                  <a16:creationId xmlns:a16="http://schemas.microsoft.com/office/drawing/2014/main" id="{3DE99534-9C2E-DCF0-71C5-FB03807840BD}"/>
+                </a:ext>
+              </a:extLst>
+            </p:cNvPr>
+            <p:cNvSpPr/>
+            <p:nvPr/>
+          </p:nvSpPr>
+          <p:spPr>
+            <a:xfrm>
+              <a:off x="3832436" y="4681129"/>
+              <a:ext cx="198417" cy="189016"/>
+            </a:xfrm>
+            <a:prstGeom prst="ellipse">
+              <a:avLst/>
+            </a:prstGeom>
+            <a:solidFill>
+              <a:schemeClr val="tx1"/>
+            </a:solidFill>
+            <a:ln>
+              <a:noFill/>
+            </a:ln>
+          </p:spPr>
+          <p:style>
+            <a:lnRef idx="2">
+              <a:schemeClr val="accent1">
+                <a:shade val="50000"/>
+              </a:schemeClr>
+            </a:lnRef>
+            <a:fillRef idx="1">
+              <a:schemeClr val="accent1"/>
+            </a:fillRef>
+            <a:effectRef idx="0">
+              <a:schemeClr val="accent1"/>
+            </a:effectRef>
+            <a:fontRef idx="minor">
+              <a:schemeClr val="lt1"/>
+            </a:fontRef>
+          </p:style>
+          <p:txBody>
+            <a:bodyPr rtlCol="0" anchor="ctr"/>
+            <a:lstStyle/>
+            <a:p>
+              <a:pPr algn="ctr"/>
+              <a:endParaRPr lang="ko-KR" altLang="en-US"/>
+            </a:p>
+          </p:txBody>
+        </p:sp>
+        <p:sp>
+          <p:nvSpPr>
+            <p:cNvPr id="9" name="타원 8">
+              <a:extLst>
+                <a:ext uri="{FF2B5EF4-FFF2-40B4-BE49-F238E27FC236}">
+                  <a16:creationId xmlns:a16="http://schemas.microsoft.com/office/drawing/2014/main" id="{F90C5522-1E05-8F50-A429-4BD862B9A2EF}"/>
+                </a:ext>
+              </a:extLst>
+            </p:cNvPr>
+            <p:cNvSpPr/>
+            <p:nvPr/>
+          </p:nvSpPr>
+          <p:spPr>
+            <a:xfrm>
+              <a:off x="3832147" y="4269949"/>
+              <a:ext cx="198417" cy="189016"/>
+            </a:xfrm>
+            <a:prstGeom prst="ellipse">
+              <a:avLst/>
+            </a:prstGeom>
+            <a:solidFill>
+              <a:srgbClr val="FF0000"/>
+            </a:solidFill>
+            <a:ln>
+              <a:noFill/>
+            </a:ln>
+          </p:spPr>
+          <p:style>
+            <a:lnRef idx="2">
+              <a:schemeClr val="accent1">
+                <a:shade val="50000"/>
+              </a:schemeClr>
+            </a:lnRef>
+            <a:fillRef idx="1">
+              <a:schemeClr val="accent1"/>
+            </a:fillRef>
+            <a:effectRef idx="0">
+              <a:schemeClr val="accent1"/>
+            </a:effectRef>
+            <a:fontRef idx="minor">
+              <a:schemeClr val="lt1"/>
+            </a:fontRef>
+          </p:style>
+          <p:txBody>
+            <a:bodyPr rtlCol="0" anchor="ctr"/>
+            <a:lstStyle/>
+            <a:p>
+              <a:pPr algn="ctr"/>
+              <a:endParaRPr lang="ko-KR" altLang="en-US"/>
+            </a:p>
+          </p:txBody>
+        </p:sp>
+        <p:sp>
+          <p:nvSpPr>
+            <p:cNvPr id="10" name="타원 9">
+              <a:extLst>
+                <a:ext uri="{FF2B5EF4-FFF2-40B4-BE49-F238E27FC236}">
+                  <a16:creationId xmlns:a16="http://schemas.microsoft.com/office/drawing/2014/main" id="{F8EFC9FB-1BAE-B16D-EFCB-80D5218A4260}"/>
+                </a:ext>
+              </a:extLst>
+            </p:cNvPr>
+            <p:cNvSpPr/>
+            <p:nvPr/>
+          </p:nvSpPr>
+          <p:spPr>
+            <a:xfrm>
+              <a:off x="3845737" y="3857365"/>
+              <a:ext cx="198417" cy="189016"/>
+            </a:xfrm>
+            <a:prstGeom prst="ellipse">
+              <a:avLst/>
+            </a:prstGeom>
+            <a:solidFill>
+              <a:srgbClr val="FFFF00"/>
+            </a:solidFill>
+            <a:ln>
+              <a:noFill/>
+            </a:ln>
+          </p:spPr>
+          <p:style>
+            <a:lnRef idx="2">
+              <a:schemeClr val="accent1">
+                <a:shade val="50000"/>
+              </a:schemeClr>
+            </a:lnRef>
+            <a:fillRef idx="1">
+              <a:schemeClr val="accent1"/>
+            </a:fillRef>
+            <a:effectRef idx="0">
+              <a:schemeClr val="accent1"/>
+            </a:effectRef>
+            <a:fontRef idx="minor">
+              <a:schemeClr val="lt1"/>
+            </a:fontRef>
+          </p:style>
+          <p:txBody>
+            <a:bodyPr rtlCol="0" anchor="ctr"/>
+            <a:lstStyle/>
+            <a:p>
+              <a:pPr algn="ctr"/>
+              <a:endParaRPr lang="ko-KR" altLang="en-US"/>
+            </a:p>
+          </p:txBody>
+        </p:sp>
+        <p:sp>
+          <p:nvSpPr>
+            <p:cNvPr id="11" name="타원 10">
+              <a:extLst>
+                <a:ext uri="{FF2B5EF4-FFF2-40B4-BE49-F238E27FC236}">
+                  <a16:creationId xmlns:a16="http://schemas.microsoft.com/office/drawing/2014/main" id="{D5F481C5-434C-AC6A-9DFB-21C9696E9B7B}"/>
+                </a:ext>
+              </a:extLst>
+            </p:cNvPr>
+            <p:cNvSpPr/>
+            <p:nvPr/>
+          </p:nvSpPr>
+          <p:spPr>
+            <a:xfrm>
+              <a:off x="3850673" y="3431019"/>
+              <a:ext cx="198417" cy="189016"/>
+            </a:xfrm>
+            <a:prstGeom prst="ellipse">
+              <a:avLst/>
+            </a:prstGeom>
+            <a:solidFill>
+              <a:schemeClr val="bg1"/>
+            </a:solidFill>
+            <a:ln>
+              <a:noFill/>
+            </a:ln>
+          </p:spPr>
+          <p:style>
+            <a:lnRef idx="2">
+              <a:schemeClr val="accent1">
+                <a:shade val="50000"/>
+              </a:schemeClr>
+            </a:lnRef>
+            <a:fillRef idx="1">
+              <a:schemeClr val="accent1"/>
+            </a:fillRef>
+            <a:effectRef idx="0">
+              <a:schemeClr val="accent1"/>
+            </a:effectRef>
+            <a:fontRef idx="minor">
+              <a:schemeClr val="lt1"/>
+            </a:fontRef>
+          </p:style>
+          <p:txBody>
+            <a:bodyPr rtlCol="0" anchor="ctr"/>
+            <a:lstStyle/>
+            <a:p>
+              <a:pPr algn="ctr"/>
+              <a:endParaRPr lang="ko-KR" altLang="en-US"/>
+            </a:p>
+          </p:txBody>
+        </p:sp>
+      </p:grpSp>
+      <p:sp>
+        <p:nvSpPr>
+          <p:cNvPr id="13" name="타원 12">
+            <a:extLst>
+              <a:ext uri="{FF2B5EF4-FFF2-40B4-BE49-F238E27FC236}">
+                <a16:creationId xmlns:a16="http://schemas.microsoft.com/office/drawing/2014/main" id="{77F9F52D-4362-7C91-9AEF-4921AE660668}"/>
+              </a:ext>
+            </a:extLst>
+          </p:cNvPr>
+          <p:cNvSpPr/>
+          <p:nvPr/>
+        </p:nvSpPr>
+        <p:spPr>
+          <a:xfrm>
+            <a:off x="4093567" y="4731806"/>
+            <a:ext cx="442553" cy="411480"/>
+          </a:xfrm>
+          <a:prstGeom prst="ellipse">
+            <a:avLst/>
+          </a:prstGeom>
+          <a:noFill/>
+          <a:ln w="88900">
+            <a:solidFill>
+              <a:srgbClr val="FF0000"/>
+            </a:solidFill>
+          </a:ln>
+        </p:spPr>
+        <p:style>
+          <a:lnRef idx="2">
+            <a:schemeClr val="accent1">
+              <a:shade val="50000"/>
+            </a:schemeClr>
+          </a:lnRef>
+          <a:fillRef idx="1">
+            <a:schemeClr val="accent1"/>
+          </a:fillRef>
+          <a:effectRef idx="0">
+            <a:schemeClr val="accent1"/>
+          </a:effectRef>
+          <a:fontRef idx="minor">
+            <a:schemeClr val="lt1"/>
+          </a:fontRef>
+        </p:style>
+        <p:txBody>
+          <a:bodyPr rtlCol="0" anchor="ctr"/>
+          <a:lstStyle/>
+          <a:p>
+            <a:pPr algn="ctr"/>
+            <a:endParaRPr lang="ko-KR" altLang="en-US" sz="2000" b="1">
+              <a:latin typeface="Calibri" panose="020F0502020204030204" pitchFamily="34" charset="0"/>
+              <a:cs typeface="Calibri" panose="020F0502020204030204" pitchFamily="34" charset="0"/>
+            </a:endParaRPr>
+          </a:p>
+        </p:txBody>
+      </p:sp>
+      <p:sp>
+        <p:nvSpPr>
+          <p:cNvPr id="14" name="직사각형 13">
+            <a:extLst>
+              <a:ext uri="{FF2B5EF4-FFF2-40B4-BE49-F238E27FC236}">
+                <a16:creationId xmlns:a16="http://schemas.microsoft.com/office/drawing/2014/main" id="{4D64337F-0E55-CB1C-E401-E75413B7EF4B}"/>
+              </a:ext>
+            </a:extLst>
+          </p:cNvPr>
+          <p:cNvSpPr/>
+          <p:nvPr/>
+        </p:nvSpPr>
+        <p:spPr>
+          <a:xfrm>
+            <a:off x="3107908" y="4689846"/>
+            <a:ext cx="977938" cy="453440"/>
+          </a:xfrm>
+          <a:prstGeom prst="rect">
+            <a:avLst/>
+          </a:prstGeom>
+          <a:solidFill>
+            <a:srgbClr val="FF0000"/>
+          </a:solidFill>
+          <a:ln>
+            <a:noFill/>
+          </a:ln>
+        </p:spPr>
+        <p:style>
+          <a:lnRef idx="2">
+            <a:schemeClr val="accent1">
+              <a:shade val="50000"/>
+            </a:schemeClr>
+          </a:lnRef>
+          <a:fillRef idx="1">
+            <a:schemeClr val="accent1"/>
+          </a:fillRef>
+          <a:effectRef idx="0">
+            <a:schemeClr val="accent1"/>
+          </a:effectRef>
+          <a:fontRef idx="minor">
+            <a:schemeClr val="lt1"/>
+          </a:fontRef>
+        </p:style>
+        <p:txBody>
+          <a:bodyPr rtlCol="0" anchor="ctr"/>
+          <a:lstStyle/>
+          <a:p>
+            <a:pPr algn="ctr"/>
+            <a:r>
+              <a:rPr lang="fr-FR" altLang="ko-KR" sz="2000" b="1" dirty="0">
+                <a:solidFill>
+                  <a:schemeClr val="bg1"/>
+                </a:solidFill>
+                <a:latin typeface="Calibri" panose="020F0502020204030204" pitchFamily="34" charset="0"/>
+                <a:ea typeface="Calibri" panose="020F0502020204030204" pitchFamily="34" charset="0"/>
+                <a:cs typeface="Calibri" panose="020F0502020204030204" pitchFamily="34" charset="0"/>
+              </a:rPr>
+              <a:t>3.3V</a:t>
+            </a:r>
+            <a:endParaRPr lang="ko-KR" altLang="en-US" sz="2000" b="1" dirty="0">
+              <a:solidFill>
+                <a:schemeClr val="bg1"/>
+              </a:solidFill>
+              <a:latin typeface="Calibri" panose="020F0502020204030204" pitchFamily="34" charset="0"/>
+              <a:cs typeface="Calibri" panose="020F0502020204030204" pitchFamily="34" charset="0"/>
+            </a:endParaRPr>
+          </a:p>
+        </p:txBody>
+      </p:sp>
+      <p:sp>
+        <p:nvSpPr>
+          <p:cNvPr id="17" name="직사각형 16">
+            <a:extLst>
+              <a:ext uri="{FF2B5EF4-FFF2-40B4-BE49-F238E27FC236}">
+                <a16:creationId xmlns:a16="http://schemas.microsoft.com/office/drawing/2014/main" id="{85CD697E-DFDE-4CAE-1ED3-B521E14EACAF}"/>
+              </a:ext>
+            </a:extLst>
+          </p:cNvPr>
+          <p:cNvSpPr/>
+          <p:nvPr/>
+        </p:nvSpPr>
+        <p:spPr>
+          <a:xfrm>
+            <a:off x="7553557" y="3449129"/>
+            <a:ext cx="442553" cy="1674421"/>
+          </a:xfrm>
+          <a:prstGeom prst="rect">
+            <a:avLst/>
+          </a:prstGeom>
+          <a:solidFill>
+            <a:srgbClr val="FFC000"/>
+          </a:solidFill>
+          <a:ln w="88900">
+            <a:solidFill>
+              <a:srgbClr val="FFFF00"/>
+            </a:solidFill>
+          </a:ln>
+        </p:spPr>
+        <p:style>
+          <a:lnRef idx="2">
+            <a:schemeClr val="accent1">
+              <a:shade val="50000"/>
+            </a:schemeClr>
+          </a:lnRef>
+          <a:fillRef idx="1">
+            <a:schemeClr val="accent1"/>
+          </a:fillRef>
+          <a:effectRef idx="0">
+            <a:schemeClr val="accent1"/>
+          </a:effectRef>
+          <a:fontRef idx="minor">
+            <a:schemeClr val="lt1"/>
+          </a:fontRef>
+        </p:style>
+        <p:txBody>
+          <a:bodyPr rtlCol="0" anchor="ctr"/>
+          <a:lstStyle/>
+          <a:p>
+            <a:pPr algn="ctr"/>
+            <a:endParaRPr lang="ko-KR" altLang="en-US" sz="2000" b="1">
+              <a:latin typeface="Calibri" panose="020F0502020204030204" pitchFamily="34" charset="0"/>
+              <a:cs typeface="Calibri" panose="020F0502020204030204" pitchFamily="34" charset="0"/>
+            </a:endParaRPr>
+          </a:p>
+        </p:txBody>
+      </p:sp>
+      <p:sp>
+        <p:nvSpPr>
+          <p:cNvPr id="19" name="직사각형 18">
+            <a:extLst>
+              <a:ext uri="{FF2B5EF4-FFF2-40B4-BE49-F238E27FC236}">
+                <a16:creationId xmlns:a16="http://schemas.microsoft.com/office/drawing/2014/main" id="{A318ECD1-F53C-212B-808D-7D86C7CA6063}"/>
+              </a:ext>
+            </a:extLst>
+          </p:cNvPr>
+          <p:cNvSpPr/>
+          <p:nvPr/>
+        </p:nvSpPr>
+        <p:spPr>
+          <a:xfrm>
+            <a:off x="6516246" y="3449129"/>
+            <a:ext cx="1016331" cy="1674421"/>
+          </a:xfrm>
+          <a:prstGeom prst="rect">
+            <a:avLst/>
+          </a:prstGeom>
+          <a:pattFill prst="wdUpDiag">
+            <a:fgClr>
+              <a:schemeClr val="accent4"/>
+            </a:fgClr>
+            <a:bgClr>
+              <a:srgbClr val="FFFF00"/>
+            </a:bgClr>
+          </a:pattFill>
+          <a:ln>
+            <a:noFill/>
+          </a:ln>
+        </p:spPr>
+        <p:style>
+          <a:lnRef idx="2">
+            <a:schemeClr val="accent1">
+              <a:shade val="50000"/>
+            </a:schemeClr>
+          </a:lnRef>
+          <a:fillRef idx="1">
+            <a:schemeClr val="accent1"/>
+          </a:fillRef>
+          <a:effectRef idx="0">
+            <a:schemeClr val="accent1"/>
+          </a:effectRef>
+          <a:fontRef idx="minor">
+            <a:schemeClr val="lt1"/>
+          </a:fontRef>
+        </p:style>
+        <p:txBody>
+          <a:bodyPr rtlCol="0" anchor="ctr"/>
+          <a:lstStyle/>
+          <a:p>
+            <a:pPr algn="ctr"/>
+            <a:r>
+              <a:rPr lang="fr-FR" altLang="ko-KR" sz="2000" b="1" dirty="0" err="1">
+                <a:solidFill>
+                  <a:schemeClr val="tx1"/>
+                </a:solidFill>
+                <a:latin typeface="Calibri" panose="020F0502020204030204" pitchFamily="34" charset="0"/>
+                <a:ea typeface="Calibri" panose="020F0502020204030204" pitchFamily="34" charset="0"/>
+                <a:cs typeface="Calibri" panose="020F0502020204030204" pitchFamily="34" charset="0"/>
+              </a:rPr>
+              <a:t>Sensors</a:t>
+            </a:r>
+            <a:endParaRPr lang="fr-FR" altLang="ko-KR" sz="2000" b="1" dirty="0">
+              <a:solidFill>
+                <a:schemeClr val="tx1"/>
+              </a:solidFill>
+              <a:latin typeface="Calibri" panose="020F0502020204030204" pitchFamily="34" charset="0"/>
+              <a:ea typeface="Calibri" panose="020F0502020204030204" pitchFamily="34" charset="0"/>
+              <a:cs typeface="Calibri" panose="020F0502020204030204" pitchFamily="34" charset="0"/>
+            </a:endParaRPr>
+          </a:p>
+          <a:p>
+            <a:pPr algn="ctr"/>
+            <a:r>
+              <a:rPr lang="fr-FR" altLang="ko-KR" sz="2000" b="1" dirty="0">
+                <a:solidFill>
+                  <a:schemeClr val="tx1"/>
+                </a:solidFill>
+                <a:latin typeface="Calibri" panose="020F0502020204030204" pitchFamily="34" charset="0"/>
+                <a:ea typeface="Calibri" panose="020F0502020204030204" pitchFamily="34" charset="0"/>
+                <a:cs typeface="Calibri" panose="020F0502020204030204" pitchFamily="34" charset="0"/>
+              </a:rPr>
+              <a:t>1AB</a:t>
+            </a:r>
+          </a:p>
+          <a:p>
+            <a:pPr algn="ctr"/>
+            <a:r>
+              <a:rPr lang="fr-FR" altLang="ko-KR" sz="2000" b="1" dirty="0">
+                <a:solidFill>
+                  <a:schemeClr val="tx1"/>
+                </a:solidFill>
+                <a:latin typeface="Calibri" panose="020F0502020204030204" pitchFamily="34" charset="0"/>
+                <a:ea typeface="Calibri" panose="020F0502020204030204" pitchFamily="34" charset="0"/>
+                <a:cs typeface="Calibri" panose="020F0502020204030204" pitchFamily="34" charset="0"/>
+              </a:rPr>
+              <a:t>(I2C)</a:t>
+            </a:r>
+            <a:endParaRPr lang="ko-KR" altLang="en-US" sz="2000" b="1" dirty="0">
+              <a:solidFill>
+                <a:schemeClr val="tx1"/>
+              </a:solidFill>
+              <a:latin typeface="Calibri" panose="020F0502020204030204" pitchFamily="34" charset="0"/>
+              <a:cs typeface="Calibri" panose="020F0502020204030204" pitchFamily="34" charset="0"/>
+            </a:endParaRPr>
+          </a:p>
+        </p:txBody>
+      </p:sp>
+      <p:sp>
+        <p:nvSpPr>
+          <p:cNvPr id="21" name="타원 20">
+            <a:extLst>
+              <a:ext uri="{FF2B5EF4-FFF2-40B4-BE49-F238E27FC236}">
+                <a16:creationId xmlns:a16="http://schemas.microsoft.com/office/drawing/2014/main" id="{892DD839-5F80-5A4A-568F-AE2AB206EE2F}"/>
+              </a:ext>
+            </a:extLst>
+          </p:cNvPr>
+          <p:cNvSpPr/>
+          <p:nvPr/>
+        </p:nvSpPr>
+        <p:spPr>
+          <a:xfrm>
+            <a:off x="7680288" y="4785805"/>
+            <a:ext cx="198417" cy="189016"/>
+          </a:xfrm>
+          <a:prstGeom prst="ellipse">
+            <a:avLst/>
+          </a:prstGeom>
+          <a:solidFill>
+            <a:srgbClr val="FF0000"/>
+          </a:solidFill>
+          <a:ln>
+            <a:noFill/>
+          </a:ln>
+        </p:spPr>
+        <p:style>
+          <a:lnRef idx="2">
+            <a:schemeClr val="accent1">
+              <a:shade val="50000"/>
+            </a:schemeClr>
+          </a:lnRef>
+          <a:fillRef idx="1">
+            <a:schemeClr val="accent1"/>
+          </a:fillRef>
+          <a:effectRef idx="0">
+            <a:schemeClr val="accent1"/>
+          </a:effectRef>
+          <a:fontRef idx="minor">
+            <a:schemeClr val="lt1"/>
+          </a:fontRef>
+        </p:style>
+        <p:txBody>
+          <a:bodyPr rtlCol="0" anchor="ctr"/>
+          <a:lstStyle/>
+          <a:p>
+            <a:pPr algn="ctr"/>
+            <a:endParaRPr lang="ko-KR" altLang="en-US"/>
+          </a:p>
+        </p:txBody>
+      </p:sp>
+      <p:sp>
+        <p:nvSpPr>
+          <p:cNvPr id="22" name="타원 21">
+            <a:extLst>
+              <a:ext uri="{FF2B5EF4-FFF2-40B4-BE49-F238E27FC236}">
+                <a16:creationId xmlns:a16="http://schemas.microsoft.com/office/drawing/2014/main" id="{6CC5AE4A-30FF-4943-3A82-1201163C529E}"/>
+              </a:ext>
+            </a:extLst>
+          </p:cNvPr>
+          <p:cNvSpPr/>
+          <p:nvPr/>
+        </p:nvSpPr>
+        <p:spPr>
+          <a:xfrm>
+            <a:off x="7675624" y="4408215"/>
+            <a:ext cx="198417" cy="189016"/>
+          </a:xfrm>
+          <a:prstGeom prst="ellipse">
+            <a:avLst/>
+          </a:prstGeom>
+          <a:solidFill>
+            <a:schemeClr val="tx1"/>
+          </a:solidFill>
+          <a:ln>
+            <a:noFill/>
+          </a:ln>
+        </p:spPr>
+        <p:style>
+          <a:lnRef idx="2">
+            <a:schemeClr val="accent1">
+              <a:shade val="50000"/>
+            </a:schemeClr>
+          </a:lnRef>
+          <a:fillRef idx="1">
+            <a:schemeClr val="accent1"/>
+          </a:fillRef>
+          <a:effectRef idx="0">
+            <a:schemeClr val="accent1"/>
+          </a:effectRef>
+          <a:fontRef idx="minor">
+            <a:schemeClr val="lt1"/>
+          </a:fontRef>
+        </p:style>
+        <p:txBody>
+          <a:bodyPr rtlCol="0" anchor="ctr"/>
+          <a:lstStyle/>
+          <a:p>
+            <a:pPr algn="ctr"/>
+            <a:endParaRPr lang="ko-KR" altLang="en-US"/>
+          </a:p>
+        </p:txBody>
+      </p:sp>
+      <p:sp>
+        <p:nvSpPr>
+          <p:cNvPr id="23" name="타원 22">
+            <a:extLst>
+              <a:ext uri="{FF2B5EF4-FFF2-40B4-BE49-F238E27FC236}">
+                <a16:creationId xmlns:a16="http://schemas.microsoft.com/office/drawing/2014/main" id="{8B6BCA5E-7350-4DB5-4F17-2AFA03D854D6}"/>
+              </a:ext>
+            </a:extLst>
+          </p:cNvPr>
+          <p:cNvSpPr/>
+          <p:nvPr/>
+        </p:nvSpPr>
+        <p:spPr>
+          <a:xfrm>
+            <a:off x="7685609" y="3986527"/>
+            <a:ext cx="198417" cy="189016"/>
+          </a:xfrm>
+          <a:prstGeom prst="ellipse">
+            <a:avLst/>
+          </a:prstGeom>
+          <a:solidFill>
+            <a:srgbClr val="FFFF00"/>
+          </a:solidFill>
+          <a:ln>
+            <a:noFill/>
+          </a:ln>
+        </p:spPr>
+        <p:style>
+          <a:lnRef idx="2">
+            <a:schemeClr val="accent1">
+              <a:shade val="50000"/>
+            </a:schemeClr>
+          </a:lnRef>
+          <a:fillRef idx="1">
+            <a:schemeClr val="accent1"/>
+          </a:fillRef>
+          <a:effectRef idx="0">
+            <a:schemeClr val="accent1"/>
+          </a:effectRef>
+          <a:fontRef idx="minor">
+            <a:schemeClr val="lt1"/>
+          </a:fontRef>
+        </p:style>
+        <p:txBody>
+          <a:bodyPr rtlCol="0" anchor="ctr"/>
+          <a:lstStyle/>
+          <a:p>
+            <a:pPr algn="ctr"/>
+            <a:endParaRPr lang="ko-KR" altLang="en-US"/>
+          </a:p>
+        </p:txBody>
+      </p:sp>
+      <p:sp>
+        <p:nvSpPr>
+          <p:cNvPr id="24" name="타원 23">
+            <a:extLst>
+              <a:ext uri="{FF2B5EF4-FFF2-40B4-BE49-F238E27FC236}">
+                <a16:creationId xmlns:a16="http://schemas.microsoft.com/office/drawing/2014/main" id="{068B72A8-19D5-0FDF-CBBD-C759FBD92E0C}"/>
+              </a:ext>
+            </a:extLst>
+          </p:cNvPr>
+          <p:cNvSpPr/>
+          <p:nvPr/>
+        </p:nvSpPr>
+        <p:spPr>
+          <a:xfrm>
+            <a:off x="7685609" y="3576865"/>
+            <a:ext cx="198417" cy="189016"/>
+          </a:xfrm>
+          <a:prstGeom prst="ellipse">
+            <a:avLst/>
+          </a:prstGeom>
+          <a:solidFill>
+            <a:schemeClr val="bg1"/>
+          </a:solidFill>
+          <a:ln>
+            <a:noFill/>
+          </a:ln>
+        </p:spPr>
+        <p:style>
+          <a:lnRef idx="2">
+            <a:schemeClr val="accent1">
+              <a:shade val="50000"/>
+            </a:schemeClr>
+          </a:lnRef>
+          <a:fillRef idx="1">
+            <a:schemeClr val="accent1"/>
+          </a:fillRef>
+          <a:effectRef idx="0">
+            <a:schemeClr val="accent1"/>
+          </a:effectRef>
+          <a:fontRef idx="minor">
+            <a:schemeClr val="lt1"/>
+          </a:fontRef>
+        </p:style>
+        <p:txBody>
+          <a:bodyPr rtlCol="0" anchor="ctr"/>
+          <a:lstStyle/>
+          <a:p>
+            <a:pPr algn="ctr"/>
+            <a:endParaRPr lang="ko-KR" altLang="en-US"/>
+          </a:p>
+        </p:txBody>
+      </p:sp>
+      <p:grpSp>
+        <p:nvGrpSpPr>
+          <p:cNvPr id="25" name="그룹 24">
+            <a:extLst>
+              <a:ext uri="{FF2B5EF4-FFF2-40B4-BE49-F238E27FC236}">
+                <a16:creationId xmlns:a16="http://schemas.microsoft.com/office/drawing/2014/main" id="{5B02029A-2B04-B679-75EE-C0C5F31144B0}"/>
+              </a:ext>
+            </a:extLst>
+          </p:cNvPr>
+          <p:cNvGrpSpPr/>
+          <p:nvPr/>
+        </p:nvGrpSpPr>
+        <p:grpSpPr>
+          <a:xfrm>
+            <a:off x="7582671" y="4286340"/>
+            <a:ext cx="1821078" cy="453440"/>
+            <a:chOff x="7076493" y="3943441"/>
+            <a:chExt cx="1821078" cy="453440"/>
+          </a:xfrm>
+        </p:grpSpPr>
+        <p:sp>
+          <p:nvSpPr>
+            <p:cNvPr id="15" name="타원 14">
+              <a:extLst>
+                <a:ext uri="{FF2B5EF4-FFF2-40B4-BE49-F238E27FC236}">
+                  <a16:creationId xmlns:a16="http://schemas.microsoft.com/office/drawing/2014/main" id="{90797195-1A98-25CB-7A24-B09EB4AF44E6}"/>
+                </a:ext>
+              </a:extLst>
+            </p:cNvPr>
+            <p:cNvSpPr/>
+            <p:nvPr/>
+          </p:nvSpPr>
+          <p:spPr>
+            <a:xfrm>
+              <a:off x="7076493" y="3973921"/>
+              <a:ext cx="442553" cy="411480"/>
+            </a:xfrm>
+            <a:prstGeom prst="ellipse">
+              <a:avLst/>
+            </a:prstGeom>
+            <a:noFill/>
+            <a:ln w="88900">
+              <a:solidFill>
+                <a:schemeClr val="tx1"/>
+              </a:solidFill>
+            </a:ln>
+          </p:spPr>
+          <p:style>
+            <a:lnRef idx="2">
+              <a:schemeClr val="accent1">
+                <a:shade val="50000"/>
+              </a:schemeClr>
+            </a:lnRef>
+            <a:fillRef idx="1">
+              <a:schemeClr val="accent1"/>
+            </a:fillRef>
+            <a:effectRef idx="0">
+              <a:schemeClr val="accent1"/>
+            </a:effectRef>
+            <a:fontRef idx="minor">
+              <a:schemeClr val="lt1"/>
+            </a:fontRef>
+          </p:style>
+          <p:txBody>
+            <a:bodyPr rtlCol="0" anchor="ctr"/>
+            <a:lstStyle/>
+            <a:p>
+              <a:pPr algn="ctr"/>
+              <a:endParaRPr lang="ko-KR" altLang="en-US" sz="2000" b="1">
+                <a:latin typeface="Calibri" panose="020F0502020204030204" pitchFamily="34" charset="0"/>
+                <a:cs typeface="Calibri" panose="020F0502020204030204" pitchFamily="34" charset="0"/>
+              </a:endParaRPr>
+            </a:p>
+          </p:txBody>
+        </p:sp>
+        <p:sp>
+          <p:nvSpPr>
+            <p:cNvPr id="16" name="직사각형 15">
+              <a:extLst>
+                <a:ext uri="{FF2B5EF4-FFF2-40B4-BE49-F238E27FC236}">
+                  <a16:creationId xmlns:a16="http://schemas.microsoft.com/office/drawing/2014/main" id="{D393ABD5-08EF-D1C0-88B5-F78F204C00A6}"/>
+                </a:ext>
+              </a:extLst>
+            </p:cNvPr>
+            <p:cNvSpPr/>
+            <p:nvPr/>
+          </p:nvSpPr>
+          <p:spPr>
+            <a:xfrm>
+              <a:off x="7519046" y="3943441"/>
+              <a:ext cx="1378525" cy="453440"/>
+            </a:xfrm>
+            <a:prstGeom prst="rect">
+              <a:avLst/>
+            </a:prstGeom>
+            <a:solidFill>
+              <a:schemeClr val="tx1"/>
+            </a:solidFill>
+            <a:ln>
+              <a:noFill/>
+            </a:ln>
+          </p:spPr>
+          <p:style>
+            <a:lnRef idx="2">
+              <a:schemeClr val="accent1">
+                <a:shade val="50000"/>
+              </a:schemeClr>
+            </a:lnRef>
+            <a:fillRef idx="1">
+              <a:schemeClr val="accent1"/>
+            </a:fillRef>
+            <a:effectRef idx="0">
+              <a:schemeClr val="accent1"/>
+            </a:effectRef>
+            <a:fontRef idx="minor">
+              <a:schemeClr val="lt1"/>
+            </a:fontRef>
+          </p:style>
+          <p:txBody>
+            <a:bodyPr rtlCol="0" anchor="ctr"/>
+            <a:lstStyle/>
+            <a:p>
+              <a:pPr algn="ctr"/>
+              <a:r>
+                <a:rPr lang="fr-FR" altLang="ko-KR" sz="2000" b="1" dirty="0">
+                  <a:solidFill>
+                    <a:schemeClr val="bg1"/>
+                  </a:solidFill>
+                  <a:latin typeface="Calibri" panose="020F0502020204030204" pitchFamily="34" charset="0"/>
+                  <a:ea typeface="Calibri" panose="020F0502020204030204" pitchFamily="34" charset="0"/>
+                  <a:cs typeface="Calibri" panose="020F0502020204030204" pitchFamily="34" charset="0"/>
+                </a:rPr>
+                <a:t>Ground</a:t>
+              </a:r>
+              <a:endParaRPr lang="ko-KR" altLang="en-US" sz="2000" b="1" dirty="0">
+                <a:solidFill>
+                  <a:schemeClr val="bg1"/>
+                </a:solidFill>
+                <a:latin typeface="Calibri" panose="020F0502020204030204" pitchFamily="34" charset="0"/>
+                <a:cs typeface="Calibri" panose="020F0502020204030204" pitchFamily="34" charset="0"/>
+              </a:endParaRPr>
+            </a:p>
+          </p:txBody>
+        </p:sp>
+      </p:grpSp>
+      <p:grpSp>
+        <p:nvGrpSpPr>
+          <p:cNvPr id="32" name="그룹 31">
+            <a:extLst>
+              <a:ext uri="{FF2B5EF4-FFF2-40B4-BE49-F238E27FC236}">
+                <a16:creationId xmlns:a16="http://schemas.microsoft.com/office/drawing/2014/main" id="{22954B66-A719-D3CA-A417-B43A8FF1DC21}"/>
+              </a:ext>
+            </a:extLst>
+          </p:cNvPr>
+          <p:cNvGrpSpPr/>
+          <p:nvPr/>
+        </p:nvGrpSpPr>
+        <p:grpSpPr>
+          <a:xfrm>
+            <a:off x="4565234" y="3439544"/>
+            <a:ext cx="1446018" cy="1689661"/>
+            <a:chOff x="4432066" y="3309851"/>
+            <a:chExt cx="1446018" cy="1689661"/>
+          </a:xfrm>
+        </p:grpSpPr>
+        <p:sp>
+          <p:nvSpPr>
+            <p:cNvPr id="26" name="직사각형 25">
+              <a:extLst>
+                <a:ext uri="{FF2B5EF4-FFF2-40B4-BE49-F238E27FC236}">
+                  <a16:creationId xmlns:a16="http://schemas.microsoft.com/office/drawing/2014/main" id="{2F996A4F-2384-F796-BD24-DE760085F1D3}"/>
+                </a:ext>
+              </a:extLst>
+            </p:cNvPr>
+            <p:cNvSpPr/>
+            <p:nvPr/>
+          </p:nvSpPr>
+          <p:spPr>
+            <a:xfrm>
+              <a:off x="4432066" y="3325091"/>
+              <a:ext cx="442553" cy="1674421"/>
+            </a:xfrm>
+            <a:prstGeom prst="rect">
+              <a:avLst/>
+            </a:prstGeom>
+            <a:solidFill>
+              <a:srgbClr val="FFC000"/>
+            </a:solidFill>
+            <a:ln w="88900">
+              <a:solidFill>
+                <a:srgbClr val="FFFF00"/>
+              </a:solidFill>
+            </a:ln>
+          </p:spPr>
+          <p:style>
+            <a:lnRef idx="2">
+              <a:schemeClr val="accent1">
+                <a:shade val="50000"/>
+              </a:schemeClr>
+            </a:lnRef>
+            <a:fillRef idx="1">
+              <a:schemeClr val="accent1"/>
+            </a:fillRef>
+            <a:effectRef idx="0">
+              <a:schemeClr val="accent1"/>
+            </a:effectRef>
+            <a:fontRef idx="minor">
+              <a:schemeClr val="lt1"/>
+            </a:fontRef>
+          </p:style>
+          <p:txBody>
+            <a:bodyPr rtlCol="0" anchor="ctr"/>
+            <a:lstStyle/>
+            <a:p>
+              <a:pPr algn="ctr"/>
+              <a:endParaRPr lang="ko-KR" altLang="en-US" sz="2000" b="1">
+                <a:latin typeface="Calibri" panose="020F0502020204030204" pitchFamily="34" charset="0"/>
+                <a:cs typeface="Calibri" panose="020F0502020204030204" pitchFamily="34" charset="0"/>
+              </a:endParaRPr>
+            </a:p>
+          </p:txBody>
+        </p:sp>
+        <p:sp>
+          <p:nvSpPr>
+            <p:cNvPr id="27" name="직사각형 26">
+              <a:extLst>
+                <a:ext uri="{FF2B5EF4-FFF2-40B4-BE49-F238E27FC236}">
+                  <a16:creationId xmlns:a16="http://schemas.microsoft.com/office/drawing/2014/main" id="{BD4B0D1D-7BF4-F79F-B312-9C75E321D616}"/>
+                </a:ext>
+              </a:extLst>
+            </p:cNvPr>
+            <p:cNvSpPr/>
+            <p:nvPr/>
+          </p:nvSpPr>
+          <p:spPr>
+            <a:xfrm>
+              <a:off x="4861753" y="3309851"/>
+              <a:ext cx="1016331" cy="1674421"/>
+            </a:xfrm>
+            <a:prstGeom prst="rect">
+              <a:avLst/>
+            </a:prstGeom>
+            <a:pattFill prst="wdUpDiag">
+              <a:fgClr>
+                <a:schemeClr val="accent4"/>
+              </a:fgClr>
+              <a:bgClr>
+                <a:srgbClr val="FFFF00"/>
+              </a:bgClr>
+            </a:pattFill>
+            <a:ln>
+              <a:noFill/>
+            </a:ln>
+          </p:spPr>
+          <p:style>
+            <a:lnRef idx="2">
+              <a:schemeClr val="accent1">
+                <a:shade val="50000"/>
+              </a:schemeClr>
+            </a:lnRef>
+            <a:fillRef idx="1">
+              <a:schemeClr val="accent1"/>
+            </a:fillRef>
+            <a:effectRef idx="0">
+              <a:schemeClr val="accent1"/>
+            </a:effectRef>
+            <a:fontRef idx="minor">
+              <a:schemeClr val="lt1"/>
+            </a:fontRef>
+          </p:style>
+          <p:txBody>
+            <a:bodyPr rtlCol="0" anchor="ctr"/>
+            <a:lstStyle/>
+            <a:p>
+              <a:pPr algn="ctr"/>
+              <a:r>
+                <a:rPr lang="fr-FR" altLang="ko-KR" sz="2000" b="1" dirty="0" err="1">
+                  <a:solidFill>
+                    <a:schemeClr val="tx1"/>
+                  </a:solidFill>
+                  <a:latin typeface="Calibri" panose="020F0502020204030204" pitchFamily="34" charset="0"/>
+                  <a:ea typeface="Calibri" panose="020F0502020204030204" pitchFamily="34" charset="0"/>
+                  <a:cs typeface="Calibri" panose="020F0502020204030204" pitchFamily="34" charset="0"/>
+                </a:rPr>
+                <a:t>Sensors</a:t>
+              </a:r>
+              <a:endParaRPr lang="fr-FR" altLang="ko-KR" sz="2000" b="1" dirty="0">
+                <a:solidFill>
+                  <a:schemeClr val="tx1"/>
+                </a:solidFill>
+                <a:latin typeface="Calibri" panose="020F0502020204030204" pitchFamily="34" charset="0"/>
+                <a:ea typeface="Calibri" panose="020F0502020204030204" pitchFamily="34" charset="0"/>
+                <a:cs typeface="Calibri" panose="020F0502020204030204" pitchFamily="34" charset="0"/>
+              </a:endParaRPr>
+            </a:p>
+            <a:p>
+              <a:pPr algn="ctr"/>
+              <a:r>
+                <a:rPr lang="fr-FR" altLang="ko-KR" sz="2000" b="1" dirty="0">
+                  <a:solidFill>
+                    <a:schemeClr val="tx1"/>
+                  </a:solidFill>
+                  <a:latin typeface="Calibri" panose="020F0502020204030204" pitchFamily="34" charset="0"/>
+                  <a:ea typeface="Calibri" panose="020F0502020204030204" pitchFamily="34" charset="0"/>
+                  <a:cs typeface="Calibri" panose="020F0502020204030204" pitchFamily="34" charset="0"/>
+                </a:rPr>
+                <a:t>2AB</a:t>
+              </a:r>
+            </a:p>
+            <a:p>
+              <a:pPr algn="ctr"/>
+              <a:r>
+                <a:rPr lang="fr-FR" altLang="ko-KR" sz="2000" b="1" dirty="0">
+                  <a:solidFill>
+                    <a:schemeClr val="tx1"/>
+                  </a:solidFill>
+                  <a:latin typeface="Calibri" panose="020F0502020204030204" pitchFamily="34" charset="0"/>
+                  <a:ea typeface="Calibri" panose="020F0502020204030204" pitchFamily="34" charset="0"/>
+                  <a:cs typeface="Calibri" panose="020F0502020204030204" pitchFamily="34" charset="0"/>
+                </a:rPr>
+                <a:t>(I2C)</a:t>
+              </a:r>
+              <a:endParaRPr lang="ko-KR" altLang="en-US" sz="2000" b="1" dirty="0">
+                <a:solidFill>
+                  <a:schemeClr val="tx1"/>
+                </a:solidFill>
+                <a:latin typeface="Calibri" panose="020F0502020204030204" pitchFamily="34" charset="0"/>
+                <a:cs typeface="Calibri" panose="020F0502020204030204" pitchFamily="34" charset="0"/>
+              </a:endParaRPr>
+            </a:p>
+          </p:txBody>
+        </p:sp>
+        <p:sp>
+          <p:nvSpPr>
+            <p:cNvPr id="28" name="타원 27">
+              <a:extLst>
+                <a:ext uri="{FF2B5EF4-FFF2-40B4-BE49-F238E27FC236}">
+                  <a16:creationId xmlns:a16="http://schemas.microsoft.com/office/drawing/2014/main" id="{C64DC592-2C04-88C3-560E-BD0E38A6F461}"/>
+                </a:ext>
+              </a:extLst>
+            </p:cNvPr>
+            <p:cNvSpPr/>
+            <p:nvPr/>
+          </p:nvSpPr>
+          <p:spPr>
+            <a:xfrm>
+              <a:off x="4533306" y="4262139"/>
+              <a:ext cx="198417" cy="189016"/>
+            </a:xfrm>
+            <a:prstGeom prst="ellipse">
+              <a:avLst/>
+            </a:prstGeom>
+            <a:solidFill>
+              <a:schemeClr val="tx1"/>
+            </a:solidFill>
+            <a:ln>
+              <a:noFill/>
+            </a:ln>
+          </p:spPr>
+          <p:style>
+            <a:lnRef idx="2">
+              <a:schemeClr val="accent1">
+                <a:shade val="50000"/>
+              </a:schemeClr>
+            </a:lnRef>
+            <a:fillRef idx="1">
+              <a:schemeClr val="accent1"/>
+            </a:fillRef>
+            <a:effectRef idx="0">
+              <a:schemeClr val="accent1"/>
+            </a:effectRef>
+            <a:fontRef idx="minor">
+              <a:schemeClr val="lt1"/>
+            </a:fontRef>
+          </p:style>
+          <p:txBody>
+            <a:bodyPr rtlCol="0" anchor="ctr"/>
+            <a:lstStyle/>
+            <a:p>
+              <a:pPr algn="ctr"/>
+              <a:endParaRPr lang="ko-KR" altLang="en-US"/>
+            </a:p>
+          </p:txBody>
+        </p:sp>
+        <p:sp>
+          <p:nvSpPr>
+            <p:cNvPr id="29" name="타원 28">
+              <a:extLst>
+                <a:ext uri="{FF2B5EF4-FFF2-40B4-BE49-F238E27FC236}">
+                  <a16:creationId xmlns:a16="http://schemas.microsoft.com/office/drawing/2014/main" id="{729C6A61-88F8-EAE4-CAAD-43C89D2401E8}"/>
+                </a:ext>
+              </a:extLst>
+            </p:cNvPr>
+            <p:cNvSpPr/>
+            <p:nvPr/>
+          </p:nvSpPr>
+          <p:spPr>
+            <a:xfrm>
+              <a:off x="4546182" y="4707408"/>
+              <a:ext cx="198417" cy="189016"/>
+            </a:xfrm>
+            <a:prstGeom prst="ellipse">
+              <a:avLst/>
+            </a:prstGeom>
+            <a:solidFill>
+              <a:srgbClr val="FF0000"/>
+            </a:solidFill>
+            <a:ln>
+              <a:noFill/>
+            </a:ln>
+          </p:spPr>
+          <p:style>
+            <a:lnRef idx="2">
+              <a:schemeClr val="accent1">
+                <a:shade val="50000"/>
+              </a:schemeClr>
+            </a:lnRef>
+            <a:fillRef idx="1">
+              <a:schemeClr val="accent1"/>
+            </a:fillRef>
+            <a:effectRef idx="0">
+              <a:schemeClr val="accent1"/>
+            </a:effectRef>
+            <a:fontRef idx="minor">
+              <a:schemeClr val="lt1"/>
+            </a:fontRef>
+          </p:style>
+          <p:txBody>
+            <a:bodyPr rtlCol="0" anchor="ctr"/>
+            <a:lstStyle/>
+            <a:p>
+              <a:pPr algn="ctr"/>
+              <a:endParaRPr lang="ko-KR" altLang="en-US"/>
+            </a:p>
+          </p:txBody>
+        </p:sp>
+        <p:sp>
+          <p:nvSpPr>
+            <p:cNvPr id="30" name="타원 29">
+              <a:extLst>
+                <a:ext uri="{FF2B5EF4-FFF2-40B4-BE49-F238E27FC236}">
+                  <a16:creationId xmlns:a16="http://schemas.microsoft.com/office/drawing/2014/main" id="{3E271A05-0E64-4F22-98ED-AEB7700CB44B}"/>
+                </a:ext>
+              </a:extLst>
+            </p:cNvPr>
+            <p:cNvSpPr/>
+            <p:nvPr/>
+          </p:nvSpPr>
+          <p:spPr>
+            <a:xfrm>
+              <a:off x="4522553" y="3858340"/>
+              <a:ext cx="198417" cy="189016"/>
+            </a:xfrm>
+            <a:prstGeom prst="ellipse">
+              <a:avLst/>
+            </a:prstGeom>
+            <a:solidFill>
+              <a:srgbClr val="FFFF00"/>
+            </a:solidFill>
+            <a:ln>
+              <a:noFill/>
+            </a:ln>
+          </p:spPr>
+          <p:style>
+            <a:lnRef idx="2">
+              <a:schemeClr val="accent1">
+                <a:shade val="50000"/>
+              </a:schemeClr>
+            </a:lnRef>
+            <a:fillRef idx="1">
+              <a:schemeClr val="accent1"/>
+            </a:fillRef>
+            <a:effectRef idx="0">
+              <a:schemeClr val="accent1"/>
+            </a:effectRef>
+            <a:fontRef idx="minor">
+              <a:schemeClr val="lt1"/>
+            </a:fontRef>
+          </p:style>
+          <p:txBody>
+            <a:bodyPr rtlCol="0" anchor="ctr"/>
+            <a:lstStyle/>
+            <a:p>
+              <a:pPr algn="ctr"/>
+              <a:endParaRPr lang="ko-KR" altLang="en-US" dirty="0"/>
+            </a:p>
+          </p:txBody>
+        </p:sp>
+        <p:sp>
+          <p:nvSpPr>
+            <p:cNvPr id="31" name="타원 30">
+              <a:extLst>
+                <a:ext uri="{FF2B5EF4-FFF2-40B4-BE49-F238E27FC236}">
+                  <a16:creationId xmlns:a16="http://schemas.microsoft.com/office/drawing/2014/main" id="{CF804C96-0049-25F1-AC9C-3A1DC83F85B6}"/>
+                </a:ext>
+              </a:extLst>
+            </p:cNvPr>
+            <p:cNvSpPr/>
+            <p:nvPr/>
+          </p:nvSpPr>
+          <p:spPr>
+            <a:xfrm>
+              <a:off x="4527489" y="3431994"/>
+              <a:ext cx="198417" cy="189016"/>
+            </a:xfrm>
+            <a:prstGeom prst="ellipse">
+              <a:avLst/>
+            </a:prstGeom>
+            <a:solidFill>
+              <a:schemeClr val="bg1"/>
+            </a:solidFill>
+            <a:ln>
+              <a:noFill/>
+            </a:ln>
+          </p:spPr>
+          <p:style>
+            <a:lnRef idx="2">
+              <a:schemeClr val="accent1">
+                <a:shade val="50000"/>
+              </a:schemeClr>
+            </a:lnRef>
+            <a:fillRef idx="1">
+              <a:schemeClr val="accent1"/>
+            </a:fillRef>
+            <a:effectRef idx="0">
+              <a:schemeClr val="accent1"/>
+            </a:effectRef>
+            <a:fontRef idx="minor">
+              <a:schemeClr val="lt1"/>
+            </a:fontRef>
+          </p:style>
+          <p:txBody>
+            <a:bodyPr rtlCol="0" anchor="ctr"/>
+            <a:lstStyle/>
+            <a:p>
+              <a:pPr algn="ctr"/>
+              <a:endParaRPr lang="ko-KR" altLang="en-US"/>
+            </a:p>
+          </p:txBody>
+        </p:sp>
+      </p:grpSp>
+    </p:spTree>
+    <p:extLst>
+      <p:ext uri="{BB962C8B-B14F-4D97-AF65-F5344CB8AC3E}">
+        <p14:creationId xmlns:p14="http://schemas.microsoft.com/office/powerpoint/2010/main" val="145494450"/>
+      </p:ext>
+    </p:extLst>
+  </p:cSld>
+  <p:clrMapOvr>
+    <a:masterClrMapping/>
+  </p:clrMapOvr>
+</p:sld>
+</file>
+
+<file path=ppt/slides/slide4.xml><?xml version="1.0" encoding="utf-8"?>
+<p:sld xmlns:a="http://schemas.openxmlformats.org/drawingml/2006/main" xmlns:r="http://schemas.openxmlformats.org/officeDocument/2006/relationships" xmlns:p="http://schemas.openxmlformats.org/presentationml/2006/main">
+  <p:cSld>
+    <p:spTree>
+      <p:nvGrpSpPr>
+        <p:cNvPr id="1" name=""/>
+        <p:cNvGrpSpPr/>
+        <p:nvPr/>
+      </p:nvGrpSpPr>
+      <p:grpSpPr>
+        <a:xfrm>
+          <a:off x="0" y="0"/>
+          <a:ext cx="0" cy="0"/>
+          <a:chOff x="0" y="0"/>
+          <a:chExt cx="0" cy="0"/>
+        </a:xfrm>
+      </p:grpSpPr>
+      <p:pic>
+        <p:nvPicPr>
+          <p:cNvPr id="5" name="그림 4">
+            <a:extLst>
+              <a:ext uri="{FF2B5EF4-FFF2-40B4-BE49-F238E27FC236}">
+                <a16:creationId xmlns:a16="http://schemas.microsoft.com/office/drawing/2014/main" id="{F47263BD-8A8B-FC84-5ACE-0C446C092E75}"/>
+              </a:ext>
+            </a:extLst>
+          </p:cNvPr>
+          <p:cNvPicPr>
+            <a:picLocks noChangeAspect="1"/>
+          </p:cNvPicPr>
+          <p:nvPr/>
+        </p:nvPicPr>
+        <p:blipFill>
+          <a:blip r:embed="rId2"/>
+          <a:stretch>
+            <a:fillRect/>
+          </a:stretch>
+        </p:blipFill>
+        <p:spPr>
+          <a:xfrm>
+            <a:off x="3197712" y="368090"/>
+            <a:ext cx="6387193" cy="6387193"/>
+          </a:xfrm>
+          <a:prstGeom prst="rect">
+            <a:avLst/>
+          </a:prstGeom>
+        </p:spPr>
+      </p:pic>
+      <p:sp>
+        <p:nvSpPr>
+          <p:cNvPr id="4" name="타원 3">
+            <a:extLst>
+              <a:ext uri="{FF2B5EF4-FFF2-40B4-BE49-F238E27FC236}">
+                <a16:creationId xmlns:a16="http://schemas.microsoft.com/office/drawing/2014/main" id="{B13428B2-BBCD-0A51-4E6B-E2FF86273096}"/>
+              </a:ext>
+            </a:extLst>
+          </p:cNvPr>
+          <p:cNvSpPr/>
+          <p:nvPr/>
+        </p:nvSpPr>
+        <p:spPr>
+          <a:xfrm>
+            <a:off x="4233950" y="4850703"/>
+            <a:ext cx="198417" cy="189016"/>
+          </a:xfrm>
+          <a:prstGeom prst="ellipse">
+            <a:avLst/>
+          </a:prstGeom>
+          <a:solidFill>
+            <a:srgbClr val="FF0000"/>
+          </a:solidFill>
+          <a:ln>
+            <a:noFill/>
+          </a:ln>
+        </p:spPr>
+        <p:style>
+          <a:lnRef idx="2">
+            <a:schemeClr val="accent1">
+              <a:shade val="50000"/>
+            </a:schemeClr>
+          </a:lnRef>
+          <a:fillRef idx="1">
+            <a:schemeClr val="accent1"/>
+          </a:fillRef>
+          <a:effectRef idx="0">
+            <a:schemeClr val="accent1"/>
+          </a:effectRef>
+          <a:fontRef idx="minor">
+            <a:schemeClr val="lt1"/>
+          </a:fontRef>
+        </p:style>
+        <p:txBody>
+          <a:bodyPr rtlCol="0" anchor="ctr"/>
+          <a:lstStyle/>
+          <a:p>
+            <a:pPr algn="ctr"/>
+            <a:endParaRPr lang="ko-KR" altLang="en-US"/>
+          </a:p>
+        </p:txBody>
+      </p:sp>
+      <p:sp>
+        <p:nvSpPr>
+          <p:cNvPr id="6" name="타원 5">
+            <a:extLst>
+              <a:ext uri="{FF2B5EF4-FFF2-40B4-BE49-F238E27FC236}">
+                <a16:creationId xmlns:a16="http://schemas.microsoft.com/office/drawing/2014/main" id="{CED2919B-20FC-CD2E-F272-E63D2D5F5FD4}"/>
+              </a:ext>
+            </a:extLst>
+          </p:cNvPr>
+          <p:cNvSpPr/>
+          <p:nvPr/>
+        </p:nvSpPr>
+        <p:spPr>
+          <a:xfrm>
+            <a:off x="7692884" y="4425425"/>
+            <a:ext cx="198417" cy="189016"/>
+          </a:xfrm>
+          <a:prstGeom prst="ellipse">
+            <a:avLst/>
+          </a:prstGeom>
+          <a:solidFill>
+            <a:schemeClr val="tx1"/>
+          </a:solidFill>
+          <a:ln>
+            <a:noFill/>
+          </a:ln>
+        </p:spPr>
+        <p:style>
+          <a:lnRef idx="2">
+            <a:schemeClr val="accent1">
+              <a:shade val="50000"/>
+            </a:schemeClr>
+          </a:lnRef>
+          <a:fillRef idx="1">
+            <a:schemeClr val="accent1"/>
+          </a:fillRef>
+          <a:effectRef idx="0">
+            <a:schemeClr val="accent1"/>
+          </a:effectRef>
+          <a:fontRef idx="minor">
+            <a:schemeClr val="lt1"/>
+          </a:fontRef>
+        </p:style>
+        <p:txBody>
+          <a:bodyPr rtlCol="0" anchor="ctr"/>
+          <a:lstStyle/>
+          <a:p>
+            <a:pPr algn="ctr"/>
+            <a:endParaRPr lang="ko-KR" altLang="en-US"/>
+          </a:p>
+        </p:txBody>
+      </p:sp>
+      <p:sp>
+        <p:nvSpPr>
+          <p:cNvPr id="14" name="타원 13">
+            <a:extLst>
+              <a:ext uri="{FF2B5EF4-FFF2-40B4-BE49-F238E27FC236}">
+                <a16:creationId xmlns:a16="http://schemas.microsoft.com/office/drawing/2014/main" id="{A525B3EA-4829-CF94-F072-4FF368FFAEA1}"/>
+              </a:ext>
+            </a:extLst>
+          </p:cNvPr>
+          <p:cNvSpPr/>
+          <p:nvPr/>
+        </p:nvSpPr>
+        <p:spPr>
+          <a:xfrm>
+            <a:off x="4233950" y="3561686"/>
+            <a:ext cx="198417" cy="189016"/>
+          </a:xfrm>
+          <a:prstGeom prst="ellipse">
+            <a:avLst/>
+          </a:prstGeom>
+          <a:solidFill>
+            <a:srgbClr val="FFFF00"/>
+          </a:solidFill>
+          <a:ln>
+            <a:noFill/>
+          </a:ln>
+        </p:spPr>
+        <p:style>
+          <a:lnRef idx="2">
+            <a:schemeClr val="accent1">
+              <a:shade val="50000"/>
+            </a:schemeClr>
+          </a:lnRef>
+          <a:fillRef idx="1">
+            <a:schemeClr val="accent1"/>
+          </a:fillRef>
+          <a:effectRef idx="0">
+            <a:schemeClr val="accent1"/>
+          </a:effectRef>
+          <a:fontRef idx="minor">
+            <a:schemeClr val="lt1"/>
+          </a:fontRef>
+        </p:style>
+        <p:txBody>
+          <a:bodyPr rtlCol="0" anchor="ctr"/>
+          <a:lstStyle/>
+          <a:p>
+            <a:pPr algn="ctr"/>
+            <a:endParaRPr lang="ko-KR" altLang="en-US" dirty="0"/>
+          </a:p>
+        </p:txBody>
+      </p:sp>
+      <p:sp>
+        <p:nvSpPr>
+          <p:cNvPr id="15" name="타원 14">
+            <a:extLst>
+              <a:ext uri="{FF2B5EF4-FFF2-40B4-BE49-F238E27FC236}">
+                <a16:creationId xmlns:a16="http://schemas.microsoft.com/office/drawing/2014/main" id="{D54DCA15-85F3-7DD8-4ACC-D7897CD63CC2}"/>
+              </a:ext>
+            </a:extLst>
+          </p:cNvPr>
+          <p:cNvSpPr/>
+          <p:nvPr/>
+        </p:nvSpPr>
+        <p:spPr>
+          <a:xfrm>
+            <a:off x="4233950" y="4000850"/>
+            <a:ext cx="198417" cy="189016"/>
+          </a:xfrm>
+          <a:prstGeom prst="ellipse">
+            <a:avLst/>
+          </a:prstGeom>
+          <a:solidFill>
+            <a:srgbClr val="FF0000"/>
+          </a:solidFill>
+          <a:ln>
+            <a:noFill/>
+          </a:ln>
+        </p:spPr>
+        <p:style>
+          <a:lnRef idx="2">
+            <a:schemeClr val="accent1">
+              <a:shade val="50000"/>
+            </a:schemeClr>
+          </a:lnRef>
+          <a:fillRef idx="1">
+            <a:schemeClr val="accent1"/>
+          </a:fillRef>
+          <a:effectRef idx="0">
+            <a:schemeClr val="accent1"/>
+          </a:effectRef>
+          <a:fontRef idx="minor">
+            <a:schemeClr val="lt1"/>
+          </a:fontRef>
+        </p:style>
+        <p:txBody>
+          <a:bodyPr rtlCol="0" anchor="ctr"/>
+          <a:lstStyle/>
+          <a:p>
+            <a:pPr algn="ctr"/>
+            <a:endParaRPr lang="ko-KR" altLang="en-US"/>
+          </a:p>
+        </p:txBody>
+      </p:sp>
+      <p:sp>
+        <p:nvSpPr>
+          <p:cNvPr id="16" name="타원 15">
+            <a:extLst>
+              <a:ext uri="{FF2B5EF4-FFF2-40B4-BE49-F238E27FC236}">
+                <a16:creationId xmlns:a16="http://schemas.microsoft.com/office/drawing/2014/main" id="{F7E530C0-4066-9B85-F735-2A0A63AB554C}"/>
+              </a:ext>
+            </a:extLst>
+          </p:cNvPr>
+          <p:cNvSpPr/>
+          <p:nvPr/>
+        </p:nvSpPr>
+        <p:spPr>
+          <a:xfrm>
+            <a:off x="4233950" y="4425425"/>
+            <a:ext cx="198417" cy="189016"/>
+          </a:xfrm>
+          <a:prstGeom prst="ellipse">
+            <a:avLst/>
+          </a:prstGeom>
+          <a:solidFill>
+            <a:schemeClr val="tx1"/>
+          </a:solidFill>
+          <a:ln>
+            <a:noFill/>
+          </a:ln>
+        </p:spPr>
+        <p:style>
+          <a:lnRef idx="2">
+            <a:schemeClr val="accent1">
+              <a:shade val="50000"/>
+            </a:schemeClr>
+          </a:lnRef>
+          <a:fillRef idx="1">
+            <a:schemeClr val="accent1"/>
+          </a:fillRef>
+          <a:effectRef idx="0">
+            <a:schemeClr val="accent1"/>
+          </a:effectRef>
+          <a:fontRef idx="minor">
+            <a:schemeClr val="lt1"/>
+          </a:fontRef>
+        </p:style>
+        <p:txBody>
+          <a:bodyPr rtlCol="0" anchor="ctr"/>
+          <a:lstStyle/>
+          <a:p>
+            <a:pPr algn="ctr"/>
+            <a:endParaRPr lang="ko-KR" altLang="en-US"/>
+          </a:p>
+        </p:txBody>
+      </p:sp>
+      <p:sp>
+        <p:nvSpPr>
+          <p:cNvPr id="17" name="타원 16">
+            <a:extLst>
+              <a:ext uri="{FF2B5EF4-FFF2-40B4-BE49-F238E27FC236}">
+                <a16:creationId xmlns:a16="http://schemas.microsoft.com/office/drawing/2014/main" id="{46D3425F-CEE3-4764-B649-D8A23F7EE395}"/>
+              </a:ext>
+            </a:extLst>
+          </p:cNvPr>
+          <p:cNvSpPr/>
+          <p:nvPr/>
+        </p:nvSpPr>
+        <p:spPr>
+          <a:xfrm>
+            <a:off x="4234387" y="3145269"/>
+            <a:ext cx="198417" cy="189016"/>
+          </a:xfrm>
+          <a:prstGeom prst="ellipse">
+            <a:avLst/>
+          </a:prstGeom>
+          <a:solidFill>
+            <a:schemeClr val="bg1"/>
+          </a:solidFill>
+          <a:ln>
+            <a:noFill/>
+          </a:ln>
+        </p:spPr>
+        <p:style>
+          <a:lnRef idx="2">
+            <a:schemeClr val="accent1">
+              <a:shade val="50000"/>
+            </a:schemeClr>
+          </a:lnRef>
+          <a:fillRef idx="1">
+            <a:schemeClr val="accent1"/>
+          </a:fillRef>
+          <a:effectRef idx="0">
+            <a:schemeClr val="accent1"/>
+          </a:effectRef>
+          <a:fontRef idx="minor">
+            <a:schemeClr val="lt1"/>
+          </a:fontRef>
+        </p:style>
+        <p:txBody>
+          <a:bodyPr rtlCol="0" anchor="ctr"/>
+          <a:lstStyle/>
+          <a:p>
+            <a:pPr algn="ctr"/>
+            <a:endParaRPr lang="ko-KR" altLang="en-US"/>
+          </a:p>
+        </p:txBody>
+      </p:sp>
+      <p:sp>
+        <p:nvSpPr>
+          <p:cNvPr id="18" name="타원 17">
+            <a:extLst>
+              <a:ext uri="{FF2B5EF4-FFF2-40B4-BE49-F238E27FC236}">
+                <a16:creationId xmlns:a16="http://schemas.microsoft.com/office/drawing/2014/main" id="{F9D306BB-30A4-F8B3-9BA3-CB7AE72EDE76}"/>
+              </a:ext>
+            </a:extLst>
+          </p:cNvPr>
+          <p:cNvSpPr/>
+          <p:nvPr/>
+        </p:nvSpPr>
+        <p:spPr>
+          <a:xfrm>
+            <a:off x="7692884" y="4850703"/>
+            <a:ext cx="198417" cy="189016"/>
+          </a:xfrm>
+          <a:prstGeom prst="ellipse">
+            <a:avLst/>
+          </a:prstGeom>
+          <a:solidFill>
+            <a:srgbClr val="FF0000"/>
+          </a:solidFill>
+          <a:ln>
+            <a:noFill/>
+          </a:ln>
+        </p:spPr>
+        <p:style>
+          <a:lnRef idx="2">
+            <a:schemeClr val="accent1">
+              <a:shade val="50000"/>
+            </a:schemeClr>
+          </a:lnRef>
+          <a:fillRef idx="1">
+            <a:schemeClr val="accent1"/>
+          </a:fillRef>
+          <a:effectRef idx="0">
+            <a:schemeClr val="accent1"/>
+          </a:effectRef>
+          <a:fontRef idx="minor">
+            <a:schemeClr val="lt1"/>
+          </a:fontRef>
+        </p:style>
+        <p:txBody>
+          <a:bodyPr rtlCol="0" anchor="ctr"/>
+          <a:lstStyle/>
+          <a:p>
+            <a:pPr algn="ctr"/>
+            <a:endParaRPr lang="ko-KR" altLang="en-US"/>
+          </a:p>
+        </p:txBody>
+      </p:sp>
+      <p:sp>
+        <p:nvSpPr>
+          <p:cNvPr id="19" name="타원 18">
+            <a:extLst>
+              <a:ext uri="{FF2B5EF4-FFF2-40B4-BE49-F238E27FC236}">
+                <a16:creationId xmlns:a16="http://schemas.microsoft.com/office/drawing/2014/main" id="{7E069B97-F9CB-72EB-2396-DE8BAD85B86B}"/>
+              </a:ext>
+            </a:extLst>
+          </p:cNvPr>
+          <p:cNvSpPr/>
+          <p:nvPr/>
+        </p:nvSpPr>
+        <p:spPr>
+          <a:xfrm>
+            <a:off x="4663936" y="4835124"/>
+            <a:ext cx="198417" cy="189016"/>
+          </a:xfrm>
+          <a:prstGeom prst="ellipse">
+            <a:avLst/>
+          </a:prstGeom>
+          <a:solidFill>
+            <a:srgbClr val="FF0000"/>
+          </a:solidFill>
+          <a:ln>
+            <a:noFill/>
+          </a:ln>
+        </p:spPr>
+        <p:style>
+          <a:lnRef idx="2">
+            <a:schemeClr val="accent1">
+              <a:shade val="50000"/>
+            </a:schemeClr>
+          </a:lnRef>
+          <a:fillRef idx="1">
+            <a:schemeClr val="accent1"/>
+          </a:fillRef>
+          <a:effectRef idx="0">
+            <a:schemeClr val="accent1"/>
+          </a:effectRef>
+          <a:fontRef idx="minor">
+            <a:schemeClr val="lt1"/>
+          </a:fontRef>
+        </p:style>
+        <p:txBody>
+          <a:bodyPr rtlCol="0" anchor="ctr"/>
+          <a:lstStyle/>
+          <a:p>
+            <a:pPr algn="ctr"/>
+            <a:endParaRPr lang="ko-KR" altLang="en-US"/>
+          </a:p>
+        </p:txBody>
+      </p:sp>
+      <p:sp>
+        <p:nvSpPr>
+          <p:cNvPr id="20" name="타원 19">
+            <a:extLst>
+              <a:ext uri="{FF2B5EF4-FFF2-40B4-BE49-F238E27FC236}">
+                <a16:creationId xmlns:a16="http://schemas.microsoft.com/office/drawing/2014/main" id="{FDC5BA14-F0A8-97CA-B228-12766B52A3E0}"/>
+              </a:ext>
+            </a:extLst>
+          </p:cNvPr>
+          <p:cNvSpPr/>
+          <p:nvPr/>
+        </p:nvSpPr>
+        <p:spPr>
+          <a:xfrm>
+            <a:off x="4663935" y="4425425"/>
+            <a:ext cx="198417" cy="189016"/>
+          </a:xfrm>
+          <a:prstGeom prst="ellipse">
+            <a:avLst/>
+          </a:prstGeom>
+          <a:solidFill>
+            <a:schemeClr val="tx1"/>
+          </a:solidFill>
+          <a:ln>
+            <a:noFill/>
+          </a:ln>
+        </p:spPr>
+        <p:style>
+          <a:lnRef idx="2">
+            <a:schemeClr val="accent1">
+              <a:shade val="50000"/>
+            </a:schemeClr>
+          </a:lnRef>
+          <a:fillRef idx="1">
+            <a:schemeClr val="accent1"/>
+          </a:fillRef>
+          <a:effectRef idx="0">
+            <a:schemeClr val="accent1"/>
+          </a:effectRef>
+          <a:fontRef idx="minor">
+            <a:schemeClr val="lt1"/>
+          </a:fontRef>
+        </p:style>
+        <p:txBody>
+          <a:bodyPr rtlCol="0" anchor="ctr"/>
+          <a:lstStyle/>
+          <a:p>
+            <a:pPr algn="ctr"/>
+            <a:endParaRPr lang="ko-KR" altLang="en-US"/>
+          </a:p>
+        </p:txBody>
+      </p:sp>
+      <p:sp>
+        <p:nvSpPr>
+          <p:cNvPr id="21" name="타원 20">
+            <a:extLst>
+              <a:ext uri="{FF2B5EF4-FFF2-40B4-BE49-F238E27FC236}">
+                <a16:creationId xmlns:a16="http://schemas.microsoft.com/office/drawing/2014/main" id="{32D6B923-64DD-92CF-B096-DA1D714E7716}"/>
+              </a:ext>
+            </a:extLst>
+          </p:cNvPr>
+          <p:cNvSpPr/>
+          <p:nvPr/>
+        </p:nvSpPr>
+        <p:spPr>
+          <a:xfrm>
+            <a:off x="4663935" y="3960043"/>
+            <a:ext cx="198417" cy="189016"/>
+          </a:xfrm>
+          <a:prstGeom prst="ellipse">
+            <a:avLst/>
+          </a:prstGeom>
+          <a:solidFill>
+            <a:srgbClr val="FFFF00"/>
+          </a:solidFill>
+          <a:ln>
+            <a:noFill/>
+          </a:ln>
+        </p:spPr>
+        <p:style>
+          <a:lnRef idx="2">
+            <a:schemeClr val="accent1">
+              <a:shade val="50000"/>
+            </a:schemeClr>
+          </a:lnRef>
+          <a:fillRef idx="1">
+            <a:schemeClr val="accent1"/>
+          </a:fillRef>
+          <a:effectRef idx="0">
+            <a:schemeClr val="accent1"/>
+          </a:effectRef>
+          <a:fontRef idx="minor">
+            <a:schemeClr val="lt1"/>
+          </a:fontRef>
+        </p:style>
+        <p:txBody>
+          <a:bodyPr rtlCol="0" anchor="ctr"/>
+          <a:lstStyle/>
+          <a:p>
+            <a:pPr algn="ctr"/>
+            <a:endParaRPr lang="ko-KR" altLang="en-US" dirty="0"/>
+          </a:p>
+        </p:txBody>
+      </p:sp>
+      <p:sp>
+        <p:nvSpPr>
+          <p:cNvPr id="22" name="타원 21">
+            <a:extLst>
+              <a:ext uri="{FF2B5EF4-FFF2-40B4-BE49-F238E27FC236}">
+                <a16:creationId xmlns:a16="http://schemas.microsoft.com/office/drawing/2014/main" id="{0B7E9B66-F24A-AF8C-8C1E-B291AA7C7447}"/>
+              </a:ext>
+            </a:extLst>
+          </p:cNvPr>
+          <p:cNvSpPr/>
+          <p:nvPr/>
+        </p:nvSpPr>
+        <p:spPr>
+          <a:xfrm>
+            <a:off x="4663935" y="3522503"/>
+            <a:ext cx="198417" cy="189016"/>
+          </a:xfrm>
+          <a:prstGeom prst="ellipse">
+            <a:avLst/>
+          </a:prstGeom>
+          <a:solidFill>
+            <a:schemeClr val="bg1"/>
+          </a:solidFill>
+          <a:ln>
+            <a:noFill/>
+          </a:ln>
+        </p:spPr>
+        <p:style>
+          <a:lnRef idx="2">
+            <a:schemeClr val="accent1">
+              <a:shade val="50000"/>
+            </a:schemeClr>
+          </a:lnRef>
+          <a:fillRef idx="1">
+            <a:schemeClr val="accent1"/>
+          </a:fillRef>
+          <a:effectRef idx="0">
+            <a:schemeClr val="accent1"/>
+          </a:effectRef>
+          <a:fontRef idx="minor">
+            <a:schemeClr val="lt1"/>
+          </a:fontRef>
+        </p:style>
+        <p:txBody>
+          <a:bodyPr rtlCol="0" anchor="ctr"/>
+          <a:lstStyle/>
+          <a:p>
+            <a:pPr algn="ctr"/>
+            <a:endParaRPr lang="ko-KR" altLang="en-US"/>
+          </a:p>
+        </p:txBody>
+      </p:sp>
+      <p:sp>
+        <p:nvSpPr>
+          <p:cNvPr id="23" name="타원 22">
+            <a:extLst>
+              <a:ext uri="{FF2B5EF4-FFF2-40B4-BE49-F238E27FC236}">
+                <a16:creationId xmlns:a16="http://schemas.microsoft.com/office/drawing/2014/main" id="{97ABF8A0-E27A-317E-BDF8-37F0D09630D9}"/>
+              </a:ext>
+            </a:extLst>
+          </p:cNvPr>
+          <p:cNvSpPr/>
+          <p:nvPr/>
+        </p:nvSpPr>
+        <p:spPr>
+          <a:xfrm>
+            <a:off x="7692883" y="3542572"/>
+            <a:ext cx="198417" cy="189016"/>
+          </a:xfrm>
+          <a:prstGeom prst="ellipse">
+            <a:avLst/>
+          </a:prstGeom>
+          <a:solidFill>
+            <a:schemeClr val="bg1"/>
+          </a:solidFill>
+          <a:ln>
+            <a:noFill/>
+          </a:ln>
+        </p:spPr>
+        <p:style>
+          <a:lnRef idx="2">
+            <a:schemeClr val="accent1">
+              <a:shade val="50000"/>
+            </a:schemeClr>
+          </a:lnRef>
+          <a:fillRef idx="1">
+            <a:schemeClr val="accent1"/>
+          </a:fillRef>
+          <a:effectRef idx="0">
+            <a:schemeClr val="accent1"/>
+          </a:effectRef>
+          <a:fontRef idx="minor">
+            <a:schemeClr val="lt1"/>
+          </a:fontRef>
+        </p:style>
+        <p:txBody>
+          <a:bodyPr rtlCol="0" anchor="ctr"/>
+          <a:lstStyle/>
+          <a:p>
+            <a:pPr algn="ctr"/>
+            <a:endParaRPr lang="ko-KR" altLang="en-US"/>
+          </a:p>
+        </p:txBody>
+      </p:sp>
+      <p:sp>
+        <p:nvSpPr>
+          <p:cNvPr id="24" name="타원 23">
+            <a:extLst>
+              <a:ext uri="{FF2B5EF4-FFF2-40B4-BE49-F238E27FC236}">
+                <a16:creationId xmlns:a16="http://schemas.microsoft.com/office/drawing/2014/main" id="{11496429-CA4E-C720-6A78-411280F9C2DA}"/>
+              </a:ext>
+            </a:extLst>
+          </p:cNvPr>
+          <p:cNvSpPr/>
+          <p:nvPr/>
+        </p:nvSpPr>
+        <p:spPr>
+          <a:xfrm>
+            <a:off x="7692883" y="3960043"/>
+            <a:ext cx="198417" cy="189016"/>
+          </a:xfrm>
+          <a:prstGeom prst="ellipse">
+            <a:avLst/>
+          </a:prstGeom>
+          <a:solidFill>
+            <a:srgbClr val="FFFF00"/>
+          </a:solidFill>
+          <a:ln>
+            <a:noFill/>
+          </a:ln>
+        </p:spPr>
+        <p:style>
+          <a:lnRef idx="2">
+            <a:schemeClr val="accent1">
+              <a:shade val="50000"/>
+            </a:schemeClr>
+          </a:lnRef>
+          <a:fillRef idx="1">
+            <a:schemeClr val="accent1"/>
+          </a:fillRef>
+          <a:effectRef idx="0">
+            <a:schemeClr val="accent1"/>
+          </a:effectRef>
+          <a:fontRef idx="minor">
+            <a:schemeClr val="lt1"/>
+          </a:fontRef>
+        </p:style>
+        <p:txBody>
+          <a:bodyPr rtlCol="0" anchor="ctr"/>
+          <a:lstStyle/>
+          <a:p>
+            <a:pPr algn="ctr"/>
+            <a:endParaRPr lang="ko-KR" altLang="en-US" dirty="0"/>
+          </a:p>
+        </p:txBody>
+      </p:sp>
+      <p:cxnSp>
+        <p:nvCxnSpPr>
+          <p:cNvPr id="25" name="연결선: 구부러짐 24">
+            <a:extLst>
+              <a:ext uri="{FF2B5EF4-FFF2-40B4-BE49-F238E27FC236}">
+                <a16:creationId xmlns:a16="http://schemas.microsoft.com/office/drawing/2014/main" id="{55F3A759-49D5-D047-2907-0B562BDF41F3}"/>
+              </a:ext>
+            </a:extLst>
+          </p:cNvPr>
+          <p:cNvCxnSpPr>
+            <a:cxnSpLocks/>
+            <a:stCxn id="16" idx="0"/>
+            <a:endCxn id="6" idx="0"/>
+          </p:cNvCxnSpPr>
+          <p:nvPr/>
+        </p:nvCxnSpPr>
+        <p:spPr>
+          <a:xfrm rot="5400000" flipH="1" flipV="1">
+            <a:off x="6062626" y="2695958"/>
+            <a:ext cx="12700" cy="3458934"/>
+          </a:xfrm>
+          <a:prstGeom prst="curvedConnector3">
+            <a:avLst>
+              <a:gd name="adj1" fmla="val 1800000"/>
+            </a:avLst>
+          </a:prstGeom>
+          <a:ln w="63500">
+            <a:solidFill>
+              <a:schemeClr val="tx1"/>
+            </a:solidFill>
+          </a:ln>
+        </p:spPr>
+        <p:style>
+          <a:lnRef idx="1">
+            <a:schemeClr val="accent1"/>
+          </a:lnRef>
+          <a:fillRef idx="0">
+            <a:schemeClr val="accent1"/>
+          </a:fillRef>
+          <a:effectRef idx="0">
+            <a:schemeClr val="accent1"/>
+          </a:effectRef>
+          <a:fontRef idx="minor">
+            <a:schemeClr val="tx1"/>
+          </a:fontRef>
+        </p:style>
+      </p:cxnSp>
+      <p:cxnSp>
+        <p:nvCxnSpPr>
+          <p:cNvPr id="31" name="연결선: 구부러짐 30">
+            <a:extLst>
+              <a:ext uri="{FF2B5EF4-FFF2-40B4-BE49-F238E27FC236}">
+                <a16:creationId xmlns:a16="http://schemas.microsoft.com/office/drawing/2014/main" id="{8B74B83C-231D-F88A-8429-9B22E5CE54E9}"/>
+              </a:ext>
+            </a:extLst>
+          </p:cNvPr>
+          <p:cNvCxnSpPr>
+            <a:cxnSpLocks/>
+            <a:stCxn id="16" idx="6"/>
+            <a:endCxn id="20" idx="2"/>
+          </p:cNvCxnSpPr>
+          <p:nvPr/>
+        </p:nvCxnSpPr>
+        <p:spPr>
+          <a:xfrm>
+            <a:off x="4432367" y="4519933"/>
+            <a:ext cx="231568" cy="12700"/>
+          </a:xfrm>
+          <a:prstGeom prst="curvedConnector3">
+            <a:avLst>
+              <a:gd name="adj1" fmla="val 50000"/>
+            </a:avLst>
+          </a:prstGeom>
+          <a:ln w="63500">
+            <a:solidFill>
+              <a:schemeClr val="tx1"/>
+            </a:solidFill>
+          </a:ln>
+        </p:spPr>
+        <p:style>
+          <a:lnRef idx="1">
+            <a:schemeClr val="accent1"/>
+          </a:lnRef>
+          <a:fillRef idx="0">
+            <a:schemeClr val="accent1"/>
+          </a:fillRef>
+          <a:effectRef idx="0">
+            <a:schemeClr val="accent1"/>
+          </a:effectRef>
+          <a:fontRef idx="minor">
+            <a:schemeClr val="tx1"/>
+          </a:fontRef>
+        </p:style>
+      </p:cxnSp>
+      <p:cxnSp>
+        <p:nvCxnSpPr>
+          <p:cNvPr id="34" name="연결선: 구부러짐 33">
+            <a:extLst>
+              <a:ext uri="{FF2B5EF4-FFF2-40B4-BE49-F238E27FC236}">
+                <a16:creationId xmlns:a16="http://schemas.microsoft.com/office/drawing/2014/main" id="{7CF8E28A-8B5B-BDC0-1E16-AC2CEFD9AC15}"/>
+              </a:ext>
+            </a:extLst>
+          </p:cNvPr>
+          <p:cNvCxnSpPr>
+            <a:cxnSpLocks/>
+            <a:stCxn id="4" idx="6"/>
+            <a:endCxn id="19" idx="2"/>
+          </p:cNvCxnSpPr>
+          <p:nvPr/>
+        </p:nvCxnSpPr>
+        <p:spPr>
+          <a:xfrm flipV="1">
+            <a:off x="4432367" y="4929632"/>
+            <a:ext cx="231569" cy="15579"/>
+          </a:xfrm>
+          <a:prstGeom prst="curvedConnector3">
+            <a:avLst>
+              <a:gd name="adj1" fmla="val 50000"/>
+            </a:avLst>
+          </a:prstGeom>
+          <a:ln w="63500">
+            <a:solidFill>
+              <a:srgbClr val="FF0000"/>
+            </a:solidFill>
+          </a:ln>
+        </p:spPr>
+        <p:style>
+          <a:lnRef idx="1">
+            <a:schemeClr val="accent1"/>
+          </a:lnRef>
+          <a:fillRef idx="0">
+            <a:schemeClr val="accent1"/>
+          </a:fillRef>
+          <a:effectRef idx="0">
+            <a:schemeClr val="accent1"/>
+          </a:effectRef>
+          <a:fontRef idx="minor">
+            <a:schemeClr val="tx1"/>
+          </a:fontRef>
+        </p:style>
+      </p:cxnSp>
+      <p:cxnSp>
+        <p:nvCxnSpPr>
+          <p:cNvPr id="37" name="연결선: 구부러짐 36">
+            <a:extLst>
+              <a:ext uri="{FF2B5EF4-FFF2-40B4-BE49-F238E27FC236}">
+                <a16:creationId xmlns:a16="http://schemas.microsoft.com/office/drawing/2014/main" id="{E25629D3-68D5-579A-46D5-B5E491838908}"/>
+              </a:ext>
+            </a:extLst>
+          </p:cNvPr>
+          <p:cNvCxnSpPr>
+            <a:cxnSpLocks/>
+            <a:stCxn id="4" idx="4"/>
+            <a:endCxn id="18" idx="4"/>
+          </p:cNvCxnSpPr>
+          <p:nvPr/>
+        </p:nvCxnSpPr>
+        <p:spPr>
+          <a:xfrm rot="16200000" flipH="1">
+            <a:off x="6062626" y="3310252"/>
+            <a:ext cx="12700" cy="3458934"/>
+          </a:xfrm>
+          <a:prstGeom prst="curvedConnector3">
+            <a:avLst>
+              <a:gd name="adj1" fmla="val 1800000"/>
+            </a:avLst>
+          </a:prstGeom>
+          <a:ln w="63500">
+            <a:solidFill>
+              <a:srgbClr val="FF0000"/>
+            </a:solidFill>
+          </a:ln>
+        </p:spPr>
+        <p:style>
+          <a:lnRef idx="1">
+            <a:schemeClr val="accent1"/>
+          </a:lnRef>
+          <a:fillRef idx="0">
+            <a:schemeClr val="accent1"/>
+          </a:fillRef>
+          <a:effectRef idx="0">
+            <a:schemeClr val="accent1"/>
+          </a:effectRef>
+          <a:fontRef idx="minor">
+            <a:schemeClr val="tx1"/>
+          </a:fontRef>
+        </p:style>
+      </p:cxnSp>
+      <p:cxnSp>
+        <p:nvCxnSpPr>
+          <p:cNvPr id="40" name="연결선: 구부러짐 39">
+            <a:extLst>
+              <a:ext uri="{FF2B5EF4-FFF2-40B4-BE49-F238E27FC236}">
+                <a16:creationId xmlns:a16="http://schemas.microsoft.com/office/drawing/2014/main" id="{35EFD5BA-9164-36F0-E760-20163A6CDB7B}"/>
+              </a:ext>
+            </a:extLst>
+          </p:cNvPr>
+          <p:cNvCxnSpPr>
+            <a:cxnSpLocks/>
+            <a:stCxn id="14" idx="4"/>
+            <a:endCxn id="24" idx="0"/>
+          </p:cNvCxnSpPr>
+          <p:nvPr/>
+        </p:nvCxnSpPr>
+        <p:spPr>
+          <a:xfrm rot="16200000" flipH="1">
+            <a:off x="5957955" y="2125905"/>
+            <a:ext cx="209341" cy="3458933"/>
+          </a:xfrm>
+          <a:prstGeom prst="curvedConnector3">
+            <a:avLst>
+              <a:gd name="adj1" fmla="val 50000"/>
+            </a:avLst>
+          </a:prstGeom>
+          <a:ln w="63500">
+            <a:solidFill>
+              <a:srgbClr val="FFFF00"/>
+            </a:solidFill>
+          </a:ln>
+        </p:spPr>
+        <p:style>
+          <a:lnRef idx="1">
+            <a:schemeClr val="accent1"/>
+          </a:lnRef>
+          <a:fillRef idx="0">
+            <a:schemeClr val="accent1"/>
+          </a:fillRef>
+          <a:effectRef idx="0">
+            <a:schemeClr val="accent1"/>
+          </a:effectRef>
+          <a:fontRef idx="minor">
+            <a:schemeClr val="tx1"/>
+          </a:fontRef>
+        </p:style>
+      </p:cxnSp>
+      <p:cxnSp>
+        <p:nvCxnSpPr>
+          <p:cNvPr id="43" name="연결선: 구부러짐 42">
+            <a:extLst>
+              <a:ext uri="{FF2B5EF4-FFF2-40B4-BE49-F238E27FC236}">
+                <a16:creationId xmlns:a16="http://schemas.microsoft.com/office/drawing/2014/main" id="{624D8BB4-5FF3-A2CA-A859-F809722FEE71}"/>
+              </a:ext>
+            </a:extLst>
+          </p:cNvPr>
+          <p:cNvCxnSpPr>
+            <a:cxnSpLocks/>
+            <a:stCxn id="17" idx="4"/>
+            <a:endCxn id="23" idx="0"/>
+          </p:cNvCxnSpPr>
+          <p:nvPr/>
+        </p:nvCxnSpPr>
+        <p:spPr>
+          <a:xfrm rot="16200000" flipH="1">
+            <a:off x="5958701" y="1709180"/>
+            <a:ext cx="208287" cy="3458496"/>
+          </a:xfrm>
+          <a:prstGeom prst="curvedConnector3">
+            <a:avLst>
+              <a:gd name="adj1" fmla="val 50000"/>
+            </a:avLst>
+          </a:prstGeom>
+          <a:ln w="63500">
+            <a:solidFill>
+              <a:schemeClr val="bg1"/>
+            </a:solidFill>
+          </a:ln>
+        </p:spPr>
+        <p:style>
+          <a:lnRef idx="1">
+            <a:schemeClr val="accent1"/>
+          </a:lnRef>
+          <a:fillRef idx="0">
+            <a:schemeClr val="accent1"/>
+          </a:fillRef>
+          <a:effectRef idx="0">
+            <a:schemeClr val="accent1"/>
+          </a:effectRef>
+          <a:fontRef idx="minor">
+            <a:schemeClr val="tx1"/>
+          </a:fontRef>
+        </p:style>
+      </p:cxnSp>
+    </p:spTree>
+    <p:extLst>
+      <p:ext uri="{BB962C8B-B14F-4D97-AF65-F5344CB8AC3E}">
+        <p14:creationId xmlns:p14="http://schemas.microsoft.com/office/powerpoint/2010/main" val="4095907466"/>
+      </p:ext>
+    </p:extLst>
+  </p:cSld>
+  <p:clrMapOvr>
+    <a:masterClrMapping/>
+  </p:clrMapOvr>
+</p:sld>
+</file>
+
+<file path=ppt/slides/slide5.xml><?xml version="1.0" encoding="utf-8"?>
+<p:sld xmlns:a="http://schemas.openxmlformats.org/drawingml/2006/main" xmlns:r="http://schemas.openxmlformats.org/officeDocument/2006/relationships" xmlns:p="http://schemas.openxmlformats.org/presentationml/2006/main">
+  <p:cSld>
+    <p:spTree>
+      <p:nvGrpSpPr>
+        <p:cNvPr id="1" name=""/>
+        <p:cNvGrpSpPr/>
+        <p:nvPr/>
+      </p:nvGrpSpPr>
+      <p:grpSpPr>
+        <a:xfrm>
+          <a:off x="0" y="0"/>
+          <a:ext cx="0" cy="0"/>
+          <a:chOff x="0" y="0"/>
+          <a:chExt cx="0" cy="0"/>
+        </a:xfrm>
+      </p:grpSpPr>
+      <p:pic>
+        <p:nvPicPr>
           <p:cNvPr id="3" name="그림 2">
             <a:extLst>
               <a:ext uri="{FF2B5EF4-FFF2-40B4-BE49-F238E27FC236}">
@@ -6560,7 +9082,7 @@
 </p:sld>
 </file>
 
-<file path=ppt/slides/slide4.xml><?xml version="1.0" encoding="utf-8"?>
+<file path=ppt/slides/slide6.xml><?xml version="1.0" encoding="utf-8"?>
 <p:sld xmlns:a="http://schemas.openxmlformats.org/drawingml/2006/main" xmlns:r="http://schemas.openxmlformats.org/officeDocument/2006/relationships" xmlns:p="http://schemas.openxmlformats.org/presentationml/2006/main">
   <p:cSld>
     <p:spTree>

--- a/Wirings.pptx
+++ b/Wirings.pptx
@@ -11,6 +11,7 @@
     <p:sldId id="261" r:id="rId5"/>
     <p:sldId id="258" r:id="rId6"/>
     <p:sldId id="259" r:id="rId7"/>
+    <p:sldId id="262" r:id="rId8"/>
   </p:sldIdLst>
   <p:sldSz cx="12192000" cy="6858000"/>
   <p:notesSz cx="6858000" cy="9144000"/>
@@ -264,7 +265,7 @@
           <a:p>
             <a:fld id="{9D7138D6-EFB1-44D5-B851-4BE87A9A34FC}" type="datetimeFigureOut">
               <a:rPr lang="ko-KR" altLang="en-US" smtClean="0"/>
-              <a:t>2023-08-23</a:t>
+              <a:t>2024-02-27</a:t>
             </a:fld>
             <a:endParaRPr lang="ko-KR" altLang="en-US"/>
           </a:p>
@@ -462,7 +463,7 @@
           <a:p>
             <a:fld id="{9D7138D6-EFB1-44D5-B851-4BE87A9A34FC}" type="datetimeFigureOut">
               <a:rPr lang="ko-KR" altLang="en-US" smtClean="0"/>
-              <a:t>2023-08-23</a:t>
+              <a:t>2024-02-27</a:t>
             </a:fld>
             <a:endParaRPr lang="ko-KR" altLang="en-US"/>
           </a:p>
@@ -670,7 +671,7 @@
           <a:p>
             <a:fld id="{9D7138D6-EFB1-44D5-B851-4BE87A9A34FC}" type="datetimeFigureOut">
               <a:rPr lang="ko-KR" altLang="en-US" smtClean="0"/>
-              <a:t>2023-08-23</a:t>
+              <a:t>2024-02-27</a:t>
             </a:fld>
             <a:endParaRPr lang="ko-KR" altLang="en-US"/>
           </a:p>
@@ -868,7 +869,7 @@
           <a:p>
             <a:fld id="{9D7138D6-EFB1-44D5-B851-4BE87A9A34FC}" type="datetimeFigureOut">
               <a:rPr lang="ko-KR" altLang="en-US" smtClean="0"/>
-              <a:t>2023-08-23</a:t>
+              <a:t>2024-02-27</a:t>
             </a:fld>
             <a:endParaRPr lang="ko-KR" altLang="en-US"/>
           </a:p>
@@ -1143,7 +1144,7 @@
           <a:p>
             <a:fld id="{9D7138D6-EFB1-44D5-B851-4BE87A9A34FC}" type="datetimeFigureOut">
               <a:rPr lang="ko-KR" altLang="en-US" smtClean="0"/>
-              <a:t>2023-08-23</a:t>
+              <a:t>2024-02-27</a:t>
             </a:fld>
             <a:endParaRPr lang="ko-KR" altLang="en-US"/>
           </a:p>
@@ -1408,7 +1409,7 @@
           <a:p>
             <a:fld id="{9D7138D6-EFB1-44D5-B851-4BE87A9A34FC}" type="datetimeFigureOut">
               <a:rPr lang="ko-KR" altLang="en-US" smtClean="0"/>
-              <a:t>2023-08-23</a:t>
+              <a:t>2024-02-27</a:t>
             </a:fld>
             <a:endParaRPr lang="ko-KR" altLang="en-US"/>
           </a:p>
@@ -1820,7 +1821,7 @@
           <a:p>
             <a:fld id="{9D7138D6-EFB1-44D5-B851-4BE87A9A34FC}" type="datetimeFigureOut">
               <a:rPr lang="ko-KR" altLang="en-US" smtClean="0"/>
-              <a:t>2023-08-23</a:t>
+              <a:t>2024-02-27</a:t>
             </a:fld>
             <a:endParaRPr lang="ko-KR" altLang="en-US"/>
           </a:p>
@@ -1961,7 +1962,7 @@
           <a:p>
             <a:fld id="{9D7138D6-EFB1-44D5-B851-4BE87A9A34FC}" type="datetimeFigureOut">
               <a:rPr lang="ko-KR" altLang="en-US" smtClean="0"/>
-              <a:t>2023-08-23</a:t>
+              <a:t>2024-02-27</a:t>
             </a:fld>
             <a:endParaRPr lang="ko-KR" altLang="en-US"/>
           </a:p>
@@ -2074,7 +2075,7 @@
           <a:p>
             <a:fld id="{9D7138D6-EFB1-44D5-B851-4BE87A9A34FC}" type="datetimeFigureOut">
               <a:rPr lang="ko-KR" altLang="en-US" smtClean="0"/>
-              <a:t>2023-08-23</a:t>
+              <a:t>2024-02-27</a:t>
             </a:fld>
             <a:endParaRPr lang="ko-KR" altLang="en-US"/>
           </a:p>
@@ -2385,7 +2386,7 @@
           <a:p>
             <a:fld id="{9D7138D6-EFB1-44D5-B851-4BE87A9A34FC}" type="datetimeFigureOut">
               <a:rPr lang="ko-KR" altLang="en-US" smtClean="0"/>
-              <a:t>2023-08-23</a:t>
+              <a:t>2024-02-27</a:t>
             </a:fld>
             <a:endParaRPr lang="ko-KR" altLang="en-US"/>
           </a:p>
@@ -2673,7 +2674,7 @@
           <a:p>
             <a:fld id="{9D7138D6-EFB1-44D5-B851-4BE87A9A34FC}" type="datetimeFigureOut">
               <a:rPr lang="ko-KR" altLang="en-US" smtClean="0"/>
-              <a:t>2023-08-23</a:t>
+              <a:t>2024-02-27</a:t>
             </a:fld>
             <a:endParaRPr lang="ko-KR" altLang="en-US"/>
           </a:p>
@@ -2914,7 +2915,7 @@
           <a:p>
             <a:fld id="{9D7138D6-EFB1-44D5-B851-4BE87A9A34FC}" type="datetimeFigureOut">
               <a:rPr lang="ko-KR" altLang="en-US" smtClean="0"/>
-              <a:t>2023-08-23</a:t>
+              <a:t>2024-02-27</a:t>
             </a:fld>
             <a:endParaRPr lang="ko-KR" altLang="en-US"/>
           </a:p>
@@ -10453,6 +10454,900 @@
 </p:sld>
 </file>
 
+<file path=ppt/slides/slide7.xml><?xml version="1.0" encoding="utf-8"?>
+<p:sld xmlns:a="http://schemas.openxmlformats.org/drawingml/2006/main" xmlns:r="http://schemas.openxmlformats.org/officeDocument/2006/relationships" xmlns:p="http://schemas.openxmlformats.org/presentationml/2006/main">
+  <p:cSld>
+    <p:spTree>
+      <p:nvGrpSpPr>
+        <p:cNvPr id="1" name="">
+          <a:extLst>
+            <a:ext uri="{FF2B5EF4-FFF2-40B4-BE49-F238E27FC236}">
+              <a16:creationId xmlns:a16="http://schemas.microsoft.com/office/drawing/2014/main" id="{F21F22E9-4C72-A54C-A1F8-B8D46516C5E8}"/>
+            </a:ext>
+          </a:extLst>
+        </p:cNvPr>
+        <p:cNvGrpSpPr/>
+        <p:nvPr/>
+      </p:nvGrpSpPr>
+      <p:grpSpPr>
+        <a:xfrm>
+          <a:off x="0" y="0"/>
+          <a:ext cx="0" cy="0"/>
+          <a:chOff x="0" y="0"/>
+          <a:chExt cx="0" cy="0"/>
+        </a:xfrm>
+      </p:grpSpPr>
+      <p:pic>
+        <p:nvPicPr>
+          <p:cNvPr id="34" name="그림 33">
+            <a:extLst>
+              <a:ext uri="{FF2B5EF4-FFF2-40B4-BE49-F238E27FC236}">
+                <a16:creationId xmlns:a16="http://schemas.microsoft.com/office/drawing/2014/main" id="{73EED55E-1AFE-C1DE-8A24-4C553AE0879E}"/>
+              </a:ext>
+            </a:extLst>
+          </p:cNvPr>
+          <p:cNvPicPr>
+            <a:picLocks noChangeAspect="1"/>
+          </p:cNvPicPr>
+          <p:nvPr/>
+        </p:nvPicPr>
+        <p:blipFill>
+          <a:blip r:embed="rId2"/>
+          <a:stretch>
+            <a:fillRect/>
+          </a:stretch>
+        </p:blipFill>
+        <p:spPr>
+          <a:xfrm>
+            <a:off x="3197712" y="368090"/>
+            <a:ext cx="6387193" cy="6387193"/>
+          </a:xfrm>
+          <a:prstGeom prst="rect">
+            <a:avLst/>
+          </a:prstGeom>
+        </p:spPr>
+      </p:pic>
+      <p:grpSp>
+        <p:nvGrpSpPr>
+          <p:cNvPr id="3" name="그룹 2">
+            <a:extLst>
+              <a:ext uri="{FF2B5EF4-FFF2-40B4-BE49-F238E27FC236}">
+                <a16:creationId xmlns:a16="http://schemas.microsoft.com/office/drawing/2014/main" id="{DE443DAD-964C-B861-6A97-A87E064E1459}"/>
+              </a:ext>
+            </a:extLst>
+          </p:cNvPr>
+          <p:cNvGrpSpPr/>
+          <p:nvPr/>
+        </p:nvGrpSpPr>
+        <p:grpSpPr>
+          <a:xfrm>
+            <a:off x="6964655" y="2139075"/>
+            <a:ext cx="1479864" cy="1674421"/>
+            <a:chOff x="6516246" y="3449129"/>
+            <a:chExt cx="1479864" cy="1674421"/>
+          </a:xfrm>
+        </p:grpSpPr>
+        <p:sp>
+          <p:nvSpPr>
+            <p:cNvPr id="17" name="직사각형 16">
+              <a:extLst>
+                <a:ext uri="{FF2B5EF4-FFF2-40B4-BE49-F238E27FC236}">
+                  <a16:creationId xmlns:a16="http://schemas.microsoft.com/office/drawing/2014/main" id="{788A906F-3CB6-DFB6-8964-C29E067DDC28}"/>
+                </a:ext>
+              </a:extLst>
+            </p:cNvPr>
+            <p:cNvSpPr/>
+            <p:nvPr/>
+          </p:nvSpPr>
+          <p:spPr>
+            <a:xfrm>
+              <a:off x="7553557" y="3449129"/>
+              <a:ext cx="442553" cy="1674421"/>
+            </a:xfrm>
+            <a:prstGeom prst="rect">
+              <a:avLst/>
+            </a:prstGeom>
+            <a:solidFill>
+              <a:srgbClr val="FFC000"/>
+            </a:solidFill>
+            <a:ln w="88900">
+              <a:solidFill>
+                <a:srgbClr val="FFFF00"/>
+              </a:solidFill>
+            </a:ln>
+          </p:spPr>
+          <p:style>
+            <a:lnRef idx="2">
+              <a:schemeClr val="accent1">
+                <a:shade val="50000"/>
+              </a:schemeClr>
+            </a:lnRef>
+            <a:fillRef idx="1">
+              <a:schemeClr val="accent1"/>
+            </a:fillRef>
+            <a:effectRef idx="0">
+              <a:schemeClr val="accent1"/>
+            </a:effectRef>
+            <a:fontRef idx="minor">
+              <a:schemeClr val="lt1"/>
+            </a:fontRef>
+          </p:style>
+          <p:txBody>
+            <a:bodyPr rtlCol="0" anchor="ctr"/>
+            <a:lstStyle/>
+            <a:p>
+              <a:pPr algn="ctr"/>
+              <a:endParaRPr lang="ko-KR" altLang="en-US" sz="2000" b="1">
+                <a:latin typeface="Calibri" panose="020F0502020204030204" pitchFamily="34" charset="0"/>
+                <a:cs typeface="Calibri" panose="020F0502020204030204" pitchFamily="34" charset="0"/>
+              </a:endParaRPr>
+            </a:p>
+          </p:txBody>
+        </p:sp>
+        <p:sp>
+          <p:nvSpPr>
+            <p:cNvPr id="19" name="직사각형 18">
+              <a:extLst>
+                <a:ext uri="{FF2B5EF4-FFF2-40B4-BE49-F238E27FC236}">
+                  <a16:creationId xmlns:a16="http://schemas.microsoft.com/office/drawing/2014/main" id="{612AB16E-443B-2452-E233-E161C387661E}"/>
+                </a:ext>
+              </a:extLst>
+            </p:cNvPr>
+            <p:cNvSpPr/>
+            <p:nvPr/>
+          </p:nvSpPr>
+          <p:spPr>
+            <a:xfrm>
+              <a:off x="6516246" y="3449129"/>
+              <a:ext cx="1016331" cy="1674421"/>
+            </a:xfrm>
+            <a:prstGeom prst="rect">
+              <a:avLst/>
+            </a:prstGeom>
+            <a:pattFill prst="wdUpDiag">
+              <a:fgClr>
+                <a:schemeClr val="accent4"/>
+              </a:fgClr>
+              <a:bgClr>
+                <a:srgbClr val="FFFF00"/>
+              </a:bgClr>
+            </a:pattFill>
+            <a:ln>
+              <a:noFill/>
+            </a:ln>
+          </p:spPr>
+          <p:style>
+            <a:lnRef idx="2">
+              <a:schemeClr val="accent1">
+                <a:shade val="50000"/>
+              </a:schemeClr>
+            </a:lnRef>
+            <a:fillRef idx="1">
+              <a:schemeClr val="accent1"/>
+            </a:fillRef>
+            <a:effectRef idx="0">
+              <a:schemeClr val="accent1"/>
+            </a:effectRef>
+            <a:fontRef idx="minor">
+              <a:schemeClr val="lt1"/>
+            </a:fontRef>
+          </p:style>
+          <p:txBody>
+            <a:bodyPr rtlCol="0" anchor="ctr"/>
+            <a:lstStyle/>
+            <a:p>
+              <a:pPr algn="ctr"/>
+              <a:r>
+                <a:rPr lang="fr-FR" altLang="ko-KR" sz="2000" b="1" dirty="0" err="1">
+                  <a:solidFill>
+                    <a:schemeClr val="tx1"/>
+                  </a:solidFill>
+                  <a:latin typeface="Calibri" panose="020F0502020204030204" pitchFamily="34" charset="0"/>
+                  <a:ea typeface="Calibri" panose="020F0502020204030204" pitchFamily="34" charset="0"/>
+                  <a:cs typeface="Calibri" panose="020F0502020204030204" pitchFamily="34" charset="0"/>
+                </a:rPr>
+                <a:t>Sensors</a:t>
+              </a:r>
+              <a:endParaRPr lang="fr-FR" altLang="ko-KR" sz="2000" b="1" dirty="0">
+                <a:solidFill>
+                  <a:schemeClr val="tx1"/>
+                </a:solidFill>
+                <a:latin typeface="Calibri" panose="020F0502020204030204" pitchFamily="34" charset="0"/>
+                <a:ea typeface="Calibri" panose="020F0502020204030204" pitchFamily="34" charset="0"/>
+                <a:cs typeface="Calibri" panose="020F0502020204030204" pitchFamily="34" charset="0"/>
+              </a:endParaRPr>
+            </a:p>
+            <a:p>
+              <a:pPr algn="ctr"/>
+              <a:r>
+                <a:rPr lang="fr-FR" altLang="ko-KR" sz="2000" b="1" dirty="0">
+                  <a:solidFill>
+                    <a:schemeClr val="tx1"/>
+                  </a:solidFill>
+                  <a:latin typeface="Calibri" panose="020F0502020204030204" pitchFamily="34" charset="0"/>
+                  <a:ea typeface="Calibri" panose="020F0502020204030204" pitchFamily="34" charset="0"/>
+                  <a:cs typeface="Calibri" panose="020F0502020204030204" pitchFamily="34" charset="0"/>
+                </a:rPr>
+                <a:t>2AB</a:t>
+              </a:r>
+            </a:p>
+            <a:p>
+              <a:pPr algn="ctr"/>
+              <a:r>
+                <a:rPr lang="fr-FR" altLang="ko-KR" sz="2000" b="1" dirty="0">
+                  <a:solidFill>
+                    <a:schemeClr val="tx1"/>
+                  </a:solidFill>
+                  <a:latin typeface="Calibri" panose="020F0502020204030204" pitchFamily="34" charset="0"/>
+                  <a:ea typeface="Calibri" panose="020F0502020204030204" pitchFamily="34" charset="0"/>
+                  <a:cs typeface="Calibri" panose="020F0502020204030204" pitchFamily="34" charset="0"/>
+                </a:rPr>
+                <a:t>(I2C)</a:t>
+              </a:r>
+              <a:endParaRPr lang="ko-KR" altLang="en-US" sz="2000" b="1" dirty="0">
+                <a:solidFill>
+                  <a:schemeClr val="tx1"/>
+                </a:solidFill>
+                <a:latin typeface="Calibri" panose="020F0502020204030204" pitchFamily="34" charset="0"/>
+                <a:cs typeface="Calibri" panose="020F0502020204030204" pitchFamily="34" charset="0"/>
+              </a:endParaRPr>
+            </a:p>
+          </p:txBody>
+        </p:sp>
+        <p:sp>
+          <p:nvSpPr>
+            <p:cNvPr id="21" name="타원 20">
+              <a:extLst>
+                <a:ext uri="{FF2B5EF4-FFF2-40B4-BE49-F238E27FC236}">
+                  <a16:creationId xmlns:a16="http://schemas.microsoft.com/office/drawing/2014/main" id="{1FB9148E-6099-D84F-4BE5-51E70B2FD157}"/>
+                </a:ext>
+              </a:extLst>
+            </p:cNvPr>
+            <p:cNvSpPr/>
+            <p:nvPr/>
+          </p:nvSpPr>
+          <p:spPr>
+            <a:xfrm>
+              <a:off x="7680288" y="4785805"/>
+              <a:ext cx="198417" cy="189016"/>
+            </a:xfrm>
+            <a:prstGeom prst="ellipse">
+              <a:avLst/>
+            </a:prstGeom>
+            <a:solidFill>
+              <a:srgbClr val="FF0000"/>
+            </a:solidFill>
+            <a:ln>
+              <a:noFill/>
+            </a:ln>
+          </p:spPr>
+          <p:style>
+            <a:lnRef idx="2">
+              <a:schemeClr val="accent1">
+                <a:shade val="50000"/>
+              </a:schemeClr>
+            </a:lnRef>
+            <a:fillRef idx="1">
+              <a:schemeClr val="accent1"/>
+            </a:fillRef>
+            <a:effectRef idx="0">
+              <a:schemeClr val="accent1"/>
+            </a:effectRef>
+            <a:fontRef idx="minor">
+              <a:schemeClr val="lt1"/>
+            </a:fontRef>
+          </p:style>
+          <p:txBody>
+            <a:bodyPr rtlCol="0" anchor="ctr"/>
+            <a:lstStyle/>
+            <a:p>
+              <a:pPr algn="ctr"/>
+              <a:endParaRPr lang="ko-KR" altLang="en-US"/>
+            </a:p>
+          </p:txBody>
+        </p:sp>
+        <p:sp>
+          <p:nvSpPr>
+            <p:cNvPr id="22" name="타원 21">
+              <a:extLst>
+                <a:ext uri="{FF2B5EF4-FFF2-40B4-BE49-F238E27FC236}">
+                  <a16:creationId xmlns:a16="http://schemas.microsoft.com/office/drawing/2014/main" id="{7E6F0EE1-4684-588A-0ED6-6EFA6BBCD43C}"/>
+                </a:ext>
+              </a:extLst>
+            </p:cNvPr>
+            <p:cNvSpPr/>
+            <p:nvPr/>
+          </p:nvSpPr>
+          <p:spPr>
+            <a:xfrm>
+              <a:off x="7675624" y="4408215"/>
+              <a:ext cx="198417" cy="189016"/>
+            </a:xfrm>
+            <a:prstGeom prst="ellipse">
+              <a:avLst/>
+            </a:prstGeom>
+            <a:solidFill>
+              <a:schemeClr val="tx1"/>
+            </a:solidFill>
+            <a:ln>
+              <a:noFill/>
+            </a:ln>
+          </p:spPr>
+          <p:style>
+            <a:lnRef idx="2">
+              <a:schemeClr val="accent1">
+                <a:shade val="50000"/>
+              </a:schemeClr>
+            </a:lnRef>
+            <a:fillRef idx="1">
+              <a:schemeClr val="accent1"/>
+            </a:fillRef>
+            <a:effectRef idx="0">
+              <a:schemeClr val="accent1"/>
+            </a:effectRef>
+            <a:fontRef idx="minor">
+              <a:schemeClr val="lt1"/>
+            </a:fontRef>
+          </p:style>
+          <p:txBody>
+            <a:bodyPr rtlCol="0" anchor="ctr"/>
+            <a:lstStyle/>
+            <a:p>
+              <a:pPr algn="ctr"/>
+              <a:endParaRPr lang="ko-KR" altLang="en-US"/>
+            </a:p>
+          </p:txBody>
+        </p:sp>
+        <p:sp>
+          <p:nvSpPr>
+            <p:cNvPr id="23" name="타원 22">
+              <a:extLst>
+                <a:ext uri="{FF2B5EF4-FFF2-40B4-BE49-F238E27FC236}">
+                  <a16:creationId xmlns:a16="http://schemas.microsoft.com/office/drawing/2014/main" id="{2F7A7010-F206-5F48-5933-7D34EDC6F801}"/>
+                </a:ext>
+              </a:extLst>
+            </p:cNvPr>
+            <p:cNvSpPr/>
+            <p:nvPr/>
+          </p:nvSpPr>
+          <p:spPr>
+            <a:xfrm>
+              <a:off x="7685609" y="3986527"/>
+              <a:ext cx="198417" cy="189016"/>
+            </a:xfrm>
+            <a:prstGeom prst="ellipse">
+              <a:avLst/>
+            </a:prstGeom>
+            <a:solidFill>
+              <a:srgbClr val="FFFF00"/>
+            </a:solidFill>
+            <a:ln>
+              <a:noFill/>
+            </a:ln>
+          </p:spPr>
+          <p:style>
+            <a:lnRef idx="2">
+              <a:schemeClr val="accent1">
+                <a:shade val="50000"/>
+              </a:schemeClr>
+            </a:lnRef>
+            <a:fillRef idx="1">
+              <a:schemeClr val="accent1"/>
+            </a:fillRef>
+            <a:effectRef idx="0">
+              <a:schemeClr val="accent1"/>
+            </a:effectRef>
+            <a:fontRef idx="minor">
+              <a:schemeClr val="lt1"/>
+            </a:fontRef>
+          </p:style>
+          <p:txBody>
+            <a:bodyPr rtlCol="0" anchor="ctr"/>
+            <a:lstStyle/>
+            <a:p>
+              <a:pPr algn="ctr"/>
+              <a:endParaRPr lang="ko-KR" altLang="en-US"/>
+            </a:p>
+          </p:txBody>
+        </p:sp>
+        <p:sp>
+          <p:nvSpPr>
+            <p:cNvPr id="24" name="타원 23">
+              <a:extLst>
+                <a:ext uri="{FF2B5EF4-FFF2-40B4-BE49-F238E27FC236}">
+                  <a16:creationId xmlns:a16="http://schemas.microsoft.com/office/drawing/2014/main" id="{8C6628DC-3C88-E5C8-4B7E-FE8CD52CA769}"/>
+                </a:ext>
+              </a:extLst>
+            </p:cNvPr>
+            <p:cNvSpPr/>
+            <p:nvPr/>
+          </p:nvSpPr>
+          <p:spPr>
+            <a:xfrm>
+              <a:off x="7685609" y="3576865"/>
+              <a:ext cx="198417" cy="189016"/>
+            </a:xfrm>
+            <a:prstGeom prst="ellipse">
+              <a:avLst/>
+            </a:prstGeom>
+            <a:solidFill>
+              <a:schemeClr val="bg1"/>
+            </a:solidFill>
+            <a:ln>
+              <a:noFill/>
+            </a:ln>
+          </p:spPr>
+          <p:style>
+            <a:lnRef idx="2">
+              <a:schemeClr val="accent1">
+                <a:shade val="50000"/>
+              </a:schemeClr>
+            </a:lnRef>
+            <a:fillRef idx="1">
+              <a:schemeClr val="accent1"/>
+            </a:fillRef>
+            <a:effectRef idx="0">
+              <a:schemeClr val="accent1"/>
+            </a:effectRef>
+            <a:fontRef idx="minor">
+              <a:schemeClr val="lt1"/>
+            </a:fontRef>
+          </p:style>
+          <p:txBody>
+            <a:bodyPr rtlCol="0" anchor="ctr"/>
+            <a:lstStyle/>
+            <a:p>
+              <a:pPr algn="ctr"/>
+              <a:endParaRPr lang="ko-KR" altLang="en-US"/>
+            </a:p>
+          </p:txBody>
+        </p:sp>
+      </p:grpSp>
+      <p:grpSp>
+        <p:nvGrpSpPr>
+          <p:cNvPr id="32" name="그룹 31">
+            <a:extLst>
+              <a:ext uri="{FF2B5EF4-FFF2-40B4-BE49-F238E27FC236}">
+                <a16:creationId xmlns:a16="http://schemas.microsoft.com/office/drawing/2014/main" id="{AF2FF064-4948-5DC9-7170-F1F8B84C310B}"/>
+              </a:ext>
+            </a:extLst>
+          </p:cNvPr>
+          <p:cNvGrpSpPr/>
+          <p:nvPr/>
+        </p:nvGrpSpPr>
+        <p:grpSpPr>
+          <a:xfrm>
+            <a:off x="4121711" y="2153424"/>
+            <a:ext cx="1446018" cy="1689661"/>
+            <a:chOff x="4432066" y="3309851"/>
+            <a:chExt cx="1446018" cy="1689661"/>
+          </a:xfrm>
+        </p:grpSpPr>
+        <p:sp>
+          <p:nvSpPr>
+            <p:cNvPr id="26" name="직사각형 25">
+              <a:extLst>
+                <a:ext uri="{FF2B5EF4-FFF2-40B4-BE49-F238E27FC236}">
+                  <a16:creationId xmlns:a16="http://schemas.microsoft.com/office/drawing/2014/main" id="{399F3A84-F916-8CAE-3A5E-CD0829429F3A}"/>
+                </a:ext>
+              </a:extLst>
+            </p:cNvPr>
+            <p:cNvSpPr/>
+            <p:nvPr/>
+          </p:nvSpPr>
+          <p:spPr>
+            <a:xfrm>
+              <a:off x="4432066" y="3325091"/>
+              <a:ext cx="442553" cy="1674421"/>
+            </a:xfrm>
+            <a:prstGeom prst="rect">
+              <a:avLst/>
+            </a:prstGeom>
+            <a:solidFill>
+              <a:srgbClr val="FFC000"/>
+            </a:solidFill>
+            <a:ln w="88900">
+              <a:solidFill>
+                <a:srgbClr val="FFFF00"/>
+              </a:solidFill>
+            </a:ln>
+          </p:spPr>
+          <p:style>
+            <a:lnRef idx="2">
+              <a:schemeClr val="accent1">
+                <a:shade val="50000"/>
+              </a:schemeClr>
+            </a:lnRef>
+            <a:fillRef idx="1">
+              <a:schemeClr val="accent1"/>
+            </a:fillRef>
+            <a:effectRef idx="0">
+              <a:schemeClr val="accent1"/>
+            </a:effectRef>
+            <a:fontRef idx="minor">
+              <a:schemeClr val="lt1"/>
+            </a:fontRef>
+          </p:style>
+          <p:txBody>
+            <a:bodyPr rtlCol="0" anchor="ctr"/>
+            <a:lstStyle/>
+            <a:p>
+              <a:pPr algn="ctr"/>
+              <a:endParaRPr lang="ko-KR" altLang="en-US" sz="2000" b="1">
+                <a:latin typeface="Calibri" panose="020F0502020204030204" pitchFamily="34" charset="0"/>
+                <a:cs typeface="Calibri" panose="020F0502020204030204" pitchFamily="34" charset="0"/>
+              </a:endParaRPr>
+            </a:p>
+          </p:txBody>
+        </p:sp>
+        <p:sp>
+          <p:nvSpPr>
+            <p:cNvPr id="27" name="직사각형 26">
+              <a:extLst>
+                <a:ext uri="{FF2B5EF4-FFF2-40B4-BE49-F238E27FC236}">
+                  <a16:creationId xmlns:a16="http://schemas.microsoft.com/office/drawing/2014/main" id="{8DACD109-4032-9769-03D9-F722EC6F637D}"/>
+                </a:ext>
+              </a:extLst>
+            </p:cNvPr>
+            <p:cNvSpPr/>
+            <p:nvPr/>
+          </p:nvSpPr>
+          <p:spPr>
+            <a:xfrm>
+              <a:off x="4861753" y="3309851"/>
+              <a:ext cx="1016331" cy="1674421"/>
+            </a:xfrm>
+            <a:prstGeom prst="rect">
+              <a:avLst/>
+            </a:prstGeom>
+            <a:pattFill prst="wdUpDiag">
+              <a:fgClr>
+                <a:schemeClr val="accent4"/>
+              </a:fgClr>
+              <a:bgClr>
+                <a:srgbClr val="FFFF00"/>
+              </a:bgClr>
+            </a:pattFill>
+            <a:ln>
+              <a:noFill/>
+            </a:ln>
+          </p:spPr>
+          <p:style>
+            <a:lnRef idx="2">
+              <a:schemeClr val="accent1">
+                <a:shade val="50000"/>
+              </a:schemeClr>
+            </a:lnRef>
+            <a:fillRef idx="1">
+              <a:schemeClr val="accent1"/>
+            </a:fillRef>
+            <a:effectRef idx="0">
+              <a:schemeClr val="accent1"/>
+            </a:effectRef>
+            <a:fontRef idx="minor">
+              <a:schemeClr val="lt1"/>
+            </a:fontRef>
+          </p:style>
+          <p:txBody>
+            <a:bodyPr rtlCol="0" anchor="ctr"/>
+            <a:lstStyle/>
+            <a:p>
+              <a:pPr algn="ctr"/>
+              <a:r>
+                <a:rPr lang="fr-FR" altLang="ko-KR" sz="2000" b="1" dirty="0" err="1">
+                  <a:solidFill>
+                    <a:schemeClr val="tx1"/>
+                  </a:solidFill>
+                  <a:latin typeface="Calibri" panose="020F0502020204030204" pitchFamily="34" charset="0"/>
+                  <a:ea typeface="Calibri" panose="020F0502020204030204" pitchFamily="34" charset="0"/>
+                  <a:cs typeface="Calibri" panose="020F0502020204030204" pitchFamily="34" charset="0"/>
+                </a:rPr>
+                <a:t>Sensors</a:t>
+              </a:r>
+              <a:endParaRPr lang="fr-FR" altLang="ko-KR" sz="2000" b="1" dirty="0">
+                <a:solidFill>
+                  <a:schemeClr val="tx1"/>
+                </a:solidFill>
+                <a:latin typeface="Calibri" panose="020F0502020204030204" pitchFamily="34" charset="0"/>
+                <a:ea typeface="Calibri" panose="020F0502020204030204" pitchFamily="34" charset="0"/>
+                <a:cs typeface="Calibri" panose="020F0502020204030204" pitchFamily="34" charset="0"/>
+              </a:endParaRPr>
+            </a:p>
+            <a:p>
+              <a:pPr algn="ctr"/>
+              <a:r>
+                <a:rPr lang="fr-FR" altLang="ko-KR" sz="2000" b="1" dirty="0">
+                  <a:solidFill>
+                    <a:schemeClr val="tx1"/>
+                  </a:solidFill>
+                  <a:latin typeface="Calibri" panose="020F0502020204030204" pitchFamily="34" charset="0"/>
+                  <a:ea typeface="Calibri" panose="020F0502020204030204" pitchFamily="34" charset="0"/>
+                  <a:cs typeface="Calibri" panose="020F0502020204030204" pitchFamily="34" charset="0"/>
+                </a:rPr>
+                <a:t>1AB</a:t>
+              </a:r>
+            </a:p>
+            <a:p>
+              <a:pPr algn="ctr"/>
+              <a:r>
+                <a:rPr lang="fr-FR" altLang="ko-KR" sz="2000" b="1" dirty="0">
+                  <a:solidFill>
+                    <a:schemeClr val="tx1"/>
+                  </a:solidFill>
+                  <a:latin typeface="Calibri" panose="020F0502020204030204" pitchFamily="34" charset="0"/>
+                  <a:ea typeface="Calibri" panose="020F0502020204030204" pitchFamily="34" charset="0"/>
+                  <a:cs typeface="Calibri" panose="020F0502020204030204" pitchFamily="34" charset="0"/>
+                </a:rPr>
+                <a:t>(I2C)</a:t>
+              </a:r>
+              <a:endParaRPr lang="ko-KR" altLang="en-US" sz="2000" b="1" dirty="0">
+                <a:solidFill>
+                  <a:schemeClr val="tx1"/>
+                </a:solidFill>
+                <a:latin typeface="Calibri" panose="020F0502020204030204" pitchFamily="34" charset="0"/>
+                <a:cs typeface="Calibri" panose="020F0502020204030204" pitchFamily="34" charset="0"/>
+              </a:endParaRPr>
+            </a:p>
+          </p:txBody>
+        </p:sp>
+        <p:sp>
+          <p:nvSpPr>
+            <p:cNvPr id="28" name="타원 27">
+              <a:extLst>
+                <a:ext uri="{FF2B5EF4-FFF2-40B4-BE49-F238E27FC236}">
+                  <a16:creationId xmlns:a16="http://schemas.microsoft.com/office/drawing/2014/main" id="{C33F63A5-4760-7446-7716-CA495B1756C5}"/>
+                </a:ext>
+              </a:extLst>
+            </p:cNvPr>
+            <p:cNvSpPr/>
+            <p:nvPr/>
+          </p:nvSpPr>
+          <p:spPr>
+            <a:xfrm>
+              <a:off x="4533306" y="4262139"/>
+              <a:ext cx="198417" cy="189016"/>
+            </a:xfrm>
+            <a:prstGeom prst="ellipse">
+              <a:avLst/>
+            </a:prstGeom>
+            <a:solidFill>
+              <a:schemeClr val="tx1"/>
+            </a:solidFill>
+            <a:ln>
+              <a:noFill/>
+            </a:ln>
+          </p:spPr>
+          <p:style>
+            <a:lnRef idx="2">
+              <a:schemeClr val="accent1">
+                <a:shade val="50000"/>
+              </a:schemeClr>
+            </a:lnRef>
+            <a:fillRef idx="1">
+              <a:schemeClr val="accent1"/>
+            </a:fillRef>
+            <a:effectRef idx="0">
+              <a:schemeClr val="accent1"/>
+            </a:effectRef>
+            <a:fontRef idx="minor">
+              <a:schemeClr val="lt1"/>
+            </a:fontRef>
+          </p:style>
+          <p:txBody>
+            <a:bodyPr rtlCol="0" anchor="ctr"/>
+            <a:lstStyle/>
+            <a:p>
+              <a:pPr algn="ctr"/>
+              <a:endParaRPr lang="ko-KR" altLang="en-US"/>
+            </a:p>
+          </p:txBody>
+        </p:sp>
+        <p:sp>
+          <p:nvSpPr>
+            <p:cNvPr id="29" name="타원 28">
+              <a:extLst>
+                <a:ext uri="{FF2B5EF4-FFF2-40B4-BE49-F238E27FC236}">
+                  <a16:creationId xmlns:a16="http://schemas.microsoft.com/office/drawing/2014/main" id="{FB83C0BF-F47B-C04F-ADAB-E1373B59B85C}"/>
+                </a:ext>
+              </a:extLst>
+            </p:cNvPr>
+            <p:cNvSpPr/>
+            <p:nvPr/>
+          </p:nvSpPr>
+          <p:spPr>
+            <a:xfrm>
+              <a:off x="4546182" y="4707408"/>
+              <a:ext cx="198417" cy="189016"/>
+            </a:xfrm>
+            <a:prstGeom prst="ellipse">
+              <a:avLst/>
+            </a:prstGeom>
+            <a:solidFill>
+              <a:srgbClr val="FF0000"/>
+            </a:solidFill>
+            <a:ln>
+              <a:noFill/>
+            </a:ln>
+          </p:spPr>
+          <p:style>
+            <a:lnRef idx="2">
+              <a:schemeClr val="accent1">
+                <a:shade val="50000"/>
+              </a:schemeClr>
+            </a:lnRef>
+            <a:fillRef idx="1">
+              <a:schemeClr val="accent1"/>
+            </a:fillRef>
+            <a:effectRef idx="0">
+              <a:schemeClr val="accent1"/>
+            </a:effectRef>
+            <a:fontRef idx="minor">
+              <a:schemeClr val="lt1"/>
+            </a:fontRef>
+          </p:style>
+          <p:txBody>
+            <a:bodyPr rtlCol="0" anchor="ctr"/>
+            <a:lstStyle/>
+            <a:p>
+              <a:pPr algn="ctr"/>
+              <a:endParaRPr lang="ko-KR" altLang="en-US"/>
+            </a:p>
+          </p:txBody>
+        </p:sp>
+        <p:sp>
+          <p:nvSpPr>
+            <p:cNvPr id="30" name="타원 29">
+              <a:extLst>
+                <a:ext uri="{FF2B5EF4-FFF2-40B4-BE49-F238E27FC236}">
+                  <a16:creationId xmlns:a16="http://schemas.microsoft.com/office/drawing/2014/main" id="{91D8096E-80D3-BEC7-1E41-2738649C805F}"/>
+                </a:ext>
+              </a:extLst>
+            </p:cNvPr>
+            <p:cNvSpPr/>
+            <p:nvPr/>
+          </p:nvSpPr>
+          <p:spPr>
+            <a:xfrm>
+              <a:off x="4522553" y="3858340"/>
+              <a:ext cx="198417" cy="189016"/>
+            </a:xfrm>
+            <a:prstGeom prst="ellipse">
+              <a:avLst/>
+            </a:prstGeom>
+            <a:solidFill>
+              <a:srgbClr val="FFFF00"/>
+            </a:solidFill>
+            <a:ln>
+              <a:noFill/>
+            </a:ln>
+          </p:spPr>
+          <p:style>
+            <a:lnRef idx="2">
+              <a:schemeClr val="accent1">
+                <a:shade val="50000"/>
+              </a:schemeClr>
+            </a:lnRef>
+            <a:fillRef idx="1">
+              <a:schemeClr val="accent1"/>
+            </a:fillRef>
+            <a:effectRef idx="0">
+              <a:schemeClr val="accent1"/>
+            </a:effectRef>
+            <a:fontRef idx="minor">
+              <a:schemeClr val="lt1"/>
+            </a:fontRef>
+          </p:style>
+          <p:txBody>
+            <a:bodyPr rtlCol="0" anchor="ctr"/>
+            <a:lstStyle/>
+            <a:p>
+              <a:pPr algn="ctr"/>
+              <a:endParaRPr lang="ko-KR" altLang="en-US" dirty="0"/>
+            </a:p>
+          </p:txBody>
+        </p:sp>
+        <p:sp>
+          <p:nvSpPr>
+            <p:cNvPr id="31" name="타원 30">
+              <a:extLst>
+                <a:ext uri="{FF2B5EF4-FFF2-40B4-BE49-F238E27FC236}">
+                  <a16:creationId xmlns:a16="http://schemas.microsoft.com/office/drawing/2014/main" id="{D252CB5F-42C4-1B51-AD6D-8688E77FE1EE}"/>
+                </a:ext>
+              </a:extLst>
+            </p:cNvPr>
+            <p:cNvSpPr/>
+            <p:nvPr/>
+          </p:nvSpPr>
+          <p:spPr>
+            <a:xfrm>
+              <a:off x="4527489" y="3431994"/>
+              <a:ext cx="198417" cy="189016"/>
+            </a:xfrm>
+            <a:prstGeom prst="ellipse">
+              <a:avLst/>
+            </a:prstGeom>
+            <a:solidFill>
+              <a:schemeClr val="bg1"/>
+            </a:solidFill>
+            <a:ln>
+              <a:noFill/>
+            </a:ln>
+          </p:spPr>
+          <p:style>
+            <a:lnRef idx="2">
+              <a:schemeClr val="accent1">
+                <a:shade val="50000"/>
+              </a:schemeClr>
+            </a:lnRef>
+            <a:fillRef idx="1">
+              <a:schemeClr val="accent1"/>
+            </a:fillRef>
+            <a:effectRef idx="0">
+              <a:schemeClr val="accent1"/>
+            </a:effectRef>
+            <a:fontRef idx="minor">
+              <a:schemeClr val="lt1"/>
+            </a:fontRef>
+          </p:style>
+          <p:txBody>
+            <a:bodyPr rtlCol="0" anchor="ctr"/>
+            <a:lstStyle/>
+            <a:p>
+              <a:pPr algn="ctr"/>
+              <a:endParaRPr lang="ko-KR" altLang="en-US"/>
+            </a:p>
+          </p:txBody>
+        </p:sp>
+      </p:grpSp>
+      <p:sp>
+        <p:nvSpPr>
+          <p:cNvPr id="2" name="TextBox 1">
+            <a:extLst>
+              <a:ext uri="{FF2B5EF4-FFF2-40B4-BE49-F238E27FC236}">
+                <a16:creationId xmlns:a16="http://schemas.microsoft.com/office/drawing/2014/main" id="{2EA4E76F-DFE7-3FA3-C4B1-A7C4AF2F8B9F}"/>
+              </a:ext>
+            </a:extLst>
+          </p:cNvPr>
+          <p:cNvSpPr txBox="1"/>
+          <p:nvPr/>
+        </p:nvSpPr>
+        <p:spPr>
+          <a:xfrm>
+            <a:off x="923192" y="509954"/>
+            <a:ext cx="1820008" cy="369332"/>
+          </a:xfrm>
+          <a:prstGeom prst="rect">
+            <a:avLst/>
+          </a:prstGeom>
+          <a:noFill/>
+        </p:spPr>
+        <p:txBody>
+          <a:bodyPr wrap="square" rtlCol="0">
+            <a:spAutoFit/>
+          </a:bodyPr>
+          <a:lstStyle/>
+          <a:p>
+            <a:r>
+              <a:rPr lang="fr-FR" dirty="0"/>
+              <a:t>New Box</a:t>
+            </a:r>
+            <a:endParaRPr lang="en-US" dirty="0"/>
+          </a:p>
+        </p:txBody>
+      </p:sp>
+    </p:spTree>
+    <p:extLst>
+      <p:ext uri="{BB962C8B-B14F-4D97-AF65-F5344CB8AC3E}">
+        <p14:creationId xmlns:p14="http://schemas.microsoft.com/office/powerpoint/2010/main" val="338034604"/>
+      </p:ext>
+    </p:extLst>
+  </p:cSld>
+  <p:clrMapOvr>
+    <a:masterClrMapping/>
+  </p:clrMapOvr>
+</p:sld>
+</file>
+
 <file path=ppt/theme/theme1.xml><?xml version="1.0" encoding="utf-8"?>
 <a:theme xmlns:a="http://schemas.openxmlformats.org/drawingml/2006/main" name="Office 테마">
   <a:themeElements>

--- a/Wirings.pptx
+++ b/Wirings.pptx
@@ -265,7 +265,7 @@
           <a:p>
             <a:fld id="{9D7138D6-EFB1-44D5-B851-4BE87A9A34FC}" type="datetimeFigureOut">
               <a:rPr lang="ko-KR" altLang="en-US" smtClean="0"/>
-              <a:t>2024-02-27</a:t>
+              <a:t>2024-03-02</a:t>
             </a:fld>
             <a:endParaRPr lang="ko-KR" altLang="en-US"/>
           </a:p>
@@ -463,7 +463,7 @@
           <a:p>
             <a:fld id="{9D7138D6-EFB1-44D5-B851-4BE87A9A34FC}" type="datetimeFigureOut">
               <a:rPr lang="ko-KR" altLang="en-US" smtClean="0"/>
-              <a:t>2024-02-27</a:t>
+              <a:t>2024-03-02</a:t>
             </a:fld>
             <a:endParaRPr lang="ko-KR" altLang="en-US"/>
           </a:p>
@@ -671,7 +671,7 @@
           <a:p>
             <a:fld id="{9D7138D6-EFB1-44D5-B851-4BE87A9A34FC}" type="datetimeFigureOut">
               <a:rPr lang="ko-KR" altLang="en-US" smtClean="0"/>
-              <a:t>2024-02-27</a:t>
+              <a:t>2024-03-02</a:t>
             </a:fld>
             <a:endParaRPr lang="ko-KR" altLang="en-US"/>
           </a:p>
@@ -869,7 +869,7 @@
           <a:p>
             <a:fld id="{9D7138D6-EFB1-44D5-B851-4BE87A9A34FC}" type="datetimeFigureOut">
               <a:rPr lang="ko-KR" altLang="en-US" smtClean="0"/>
-              <a:t>2024-02-27</a:t>
+              <a:t>2024-03-02</a:t>
             </a:fld>
             <a:endParaRPr lang="ko-KR" altLang="en-US"/>
           </a:p>
@@ -1144,7 +1144,7 @@
           <a:p>
             <a:fld id="{9D7138D6-EFB1-44D5-B851-4BE87A9A34FC}" type="datetimeFigureOut">
               <a:rPr lang="ko-KR" altLang="en-US" smtClean="0"/>
-              <a:t>2024-02-27</a:t>
+              <a:t>2024-03-02</a:t>
             </a:fld>
             <a:endParaRPr lang="ko-KR" altLang="en-US"/>
           </a:p>
@@ -1409,7 +1409,7 @@
           <a:p>
             <a:fld id="{9D7138D6-EFB1-44D5-B851-4BE87A9A34FC}" type="datetimeFigureOut">
               <a:rPr lang="ko-KR" altLang="en-US" smtClean="0"/>
-              <a:t>2024-02-27</a:t>
+              <a:t>2024-03-02</a:t>
             </a:fld>
             <a:endParaRPr lang="ko-KR" altLang="en-US"/>
           </a:p>
@@ -1821,7 +1821,7 @@
           <a:p>
             <a:fld id="{9D7138D6-EFB1-44D5-B851-4BE87A9A34FC}" type="datetimeFigureOut">
               <a:rPr lang="ko-KR" altLang="en-US" smtClean="0"/>
-              <a:t>2024-02-27</a:t>
+              <a:t>2024-03-02</a:t>
             </a:fld>
             <a:endParaRPr lang="ko-KR" altLang="en-US"/>
           </a:p>
@@ -1962,7 +1962,7 @@
           <a:p>
             <a:fld id="{9D7138D6-EFB1-44D5-B851-4BE87A9A34FC}" type="datetimeFigureOut">
               <a:rPr lang="ko-KR" altLang="en-US" smtClean="0"/>
-              <a:t>2024-02-27</a:t>
+              <a:t>2024-03-02</a:t>
             </a:fld>
             <a:endParaRPr lang="ko-KR" altLang="en-US"/>
           </a:p>
@@ -2075,7 +2075,7 @@
           <a:p>
             <a:fld id="{9D7138D6-EFB1-44D5-B851-4BE87A9A34FC}" type="datetimeFigureOut">
               <a:rPr lang="ko-KR" altLang="en-US" smtClean="0"/>
-              <a:t>2024-02-27</a:t>
+              <a:t>2024-03-02</a:t>
             </a:fld>
             <a:endParaRPr lang="ko-KR" altLang="en-US"/>
           </a:p>
@@ -2386,7 +2386,7 @@
           <a:p>
             <a:fld id="{9D7138D6-EFB1-44D5-B851-4BE87A9A34FC}" type="datetimeFigureOut">
               <a:rPr lang="ko-KR" altLang="en-US" smtClean="0"/>
-              <a:t>2024-02-27</a:t>
+              <a:t>2024-03-02</a:t>
             </a:fld>
             <a:endParaRPr lang="ko-KR" altLang="en-US"/>
           </a:p>
@@ -2674,7 +2674,7 @@
           <a:p>
             <a:fld id="{9D7138D6-EFB1-44D5-B851-4BE87A9A34FC}" type="datetimeFigureOut">
               <a:rPr lang="ko-KR" altLang="en-US" smtClean="0"/>
-              <a:t>2024-02-27</a:t>
+              <a:t>2024-03-02</a:t>
             </a:fld>
             <a:endParaRPr lang="ko-KR" altLang="en-US"/>
           </a:p>
@@ -2915,7 +2915,7 @@
           <a:p>
             <a:fld id="{9D7138D6-EFB1-44D5-B851-4BE87A9A34FC}" type="datetimeFigureOut">
               <a:rPr lang="ko-KR" altLang="en-US" smtClean="0"/>
-              <a:t>2024-02-27</a:t>
+              <a:t>2024-03-02</a:t>
             </a:fld>
             <a:endParaRPr lang="ko-KR" altLang="en-US"/>
           </a:p>
@@ -10846,7 +10846,7 @@
             <a:lstStyle/>
             <a:p>
               <a:pPr algn="ctr"/>
-              <a:endParaRPr lang="ko-KR" altLang="en-US"/>
+              <a:endParaRPr lang="ko-KR" altLang="en-US" dirty="0"/>
             </a:p>
           </p:txBody>
         </p:sp>
@@ -11335,6 +11335,110 @@
           </a:p>
         </p:txBody>
       </p:sp>
+      <p:sp>
+        <p:nvSpPr>
+          <p:cNvPr id="4" name="타원 3">
+            <a:extLst>
+              <a:ext uri="{FF2B5EF4-FFF2-40B4-BE49-F238E27FC236}">
+                <a16:creationId xmlns:a16="http://schemas.microsoft.com/office/drawing/2014/main" id="{67865430-81A8-13DE-7892-24CD95E7D38E}"/>
+              </a:ext>
+            </a:extLst>
+          </p:cNvPr>
+          <p:cNvSpPr/>
+          <p:nvPr/>
+        </p:nvSpPr>
+        <p:spPr>
+          <a:xfrm>
+            <a:off x="4235827" y="4414581"/>
+            <a:ext cx="198417" cy="648000"/>
+          </a:xfrm>
+          <a:prstGeom prst="ellipse">
+            <a:avLst/>
+          </a:prstGeom>
+          <a:solidFill>
+            <a:srgbClr val="FF0000"/>
+          </a:solidFill>
+          <a:ln>
+            <a:noFill/>
+          </a:ln>
+        </p:spPr>
+        <p:style>
+          <a:lnRef idx="2">
+            <a:schemeClr val="accent1">
+              <a:shade val="50000"/>
+            </a:schemeClr>
+          </a:lnRef>
+          <a:fillRef idx="1">
+            <a:schemeClr val="accent1"/>
+          </a:fillRef>
+          <a:effectRef idx="0">
+            <a:schemeClr val="accent1"/>
+          </a:effectRef>
+          <a:fontRef idx="minor">
+            <a:schemeClr val="lt1"/>
+          </a:fontRef>
+        </p:style>
+        <p:txBody>
+          <a:bodyPr rtlCol="0" anchor="ctr"/>
+          <a:lstStyle/>
+          <a:p>
+            <a:pPr algn="ctr"/>
+            <a:endParaRPr lang="ko-KR" altLang="en-US"/>
+          </a:p>
+        </p:txBody>
+      </p:sp>
+      <p:sp>
+        <p:nvSpPr>
+          <p:cNvPr id="5" name="타원 4">
+            <a:extLst>
+              <a:ext uri="{FF2B5EF4-FFF2-40B4-BE49-F238E27FC236}">
+                <a16:creationId xmlns:a16="http://schemas.microsoft.com/office/drawing/2014/main" id="{2AA29267-F607-91AF-1032-AC3801DCDB52}"/>
+              </a:ext>
+            </a:extLst>
+          </p:cNvPr>
+          <p:cNvSpPr/>
+          <p:nvPr/>
+        </p:nvSpPr>
+        <p:spPr>
+          <a:xfrm>
+            <a:off x="8132500" y="3961761"/>
+            <a:ext cx="198417" cy="648000"/>
+          </a:xfrm>
+          <a:prstGeom prst="ellipse">
+            <a:avLst/>
+          </a:prstGeom>
+          <a:solidFill>
+            <a:schemeClr val="tx1"/>
+          </a:solidFill>
+          <a:ln>
+            <a:noFill/>
+          </a:ln>
+        </p:spPr>
+        <p:style>
+          <a:lnRef idx="2">
+            <a:schemeClr val="accent1">
+              <a:shade val="50000"/>
+            </a:schemeClr>
+          </a:lnRef>
+          <a:fillRef idx="1">
+            <a:schemeClr val="accent1"/>
+          </a:fillRef>
+          <a:effectRef idx="0">
+            <a:schemeClr val="accent1"/>
+          </a:effectRef>
+          <a:fontRef idx="minor">
+            <a:schemeClr val="lt1"/>
+          </a:fontRef>
+        </p:style>
+        <p:txBody>
+          <a:bodyPr rtlCol="0" anchor="ctr"/>
+          <a:lstStyle/>
+          <a:p>
+            <a:pPr algn="ctr"/>
+            <a:endParaRPr lang="ko-KR" altLang="en-US"/>
+          </a:p>
+        </p:txBody>
+      </p:sp>
     </p:spTree>
     <p:extLst>
       <p:ext uri="{BB962C8B-B14F-4D97-AF65-F5344CB8AC3E}">

--- a/Wirings.pptx
+++ b/Wirings.pptx
@@ -265,7 +265,7 @@
           <a:p>
             <a:fld id="{9D7138D6-EFB1-44D5-B851-4BE87A9A34FC}" type="datetimeFigureOut">
               <a:rPr lang="ko-KR" altLang="en-US" smtClean="0"/>
-              <a:t>2024-03-02</a:t>
+              <a:t>2024-03-22</a:t>
             </a:fld>
             <a:endParaRPr lang="ko-KR" altLang="en-US"/>
           </a:p>
@@ -463,7 +463,7 @@
           <a:p>
             <a:fld id="{9D7138D6-EFB1-44D5-B851-4BE87A9A34FC}" type="datetimeFigureOut">
               <a:rPr lang="ko-KR" altLang="en-US" smtClean="0"/>
-              <a:t>2024-03-02</a:t>
+              <a:t>2024-03-22</a:t>
             </a:fld>
             <a:endParaRPr lang="ko-KR" altLang="en-US"/>
           </a:p>
@@ -671,7 +671,7 @@
           <a:p>
             <a:fld id="{9D7138D6-EFB1-44D5-B851-4BE87A9A34FC}" type="datetimeFigureOut">
               <a:rPr lang="ko-KR" altLang="en-US" smtClean="0"/>
-              <a:t>2024-03-02</a:t>
+              <a:t>2024-03-22</a:t>
             </a:fld>
             <a:endParaRPr lang="ko-KR" altLang="en-US"/>
           </a:p>
@@ -869,7 +869,7 @@
           <a:p>
             <a:fld id="{9D7138D6-EFB1-44D5-B851-4BE87A9A34FC}" type="datetimeFigureOut">
               <a:rPr lang="ko-KR" altLang="en-US" smtClean="0"/>
-              <a:t>2024-03-02</a:t>
+              <a:t>2024-03-22</a:t>
             </a:fld>
             <a:endParaRPr lang="ko-KR" altLang="en-US"/>
           </a:p>
@@ -1144,7 +1144,7 @@
           <a:p>
             <a:fld id="{9D7138D6-EFB1-44D5-B851-4BE87A9A34FC}" type="datetimeFigureOut">
               <a:rPr lang="ko-KR" altLang="en-US" smtClean="0"/>
-              <a:t>2024-03-02</a:t>
+              <a:t>2024-03-22</a:t>
             </a:fld>
             <a:endParaRPr lang="ko-KR" altLang="en-US"/>
           </a:p>
@@ -1409,7 +1409,7 @@
           <a:p>
             <a:fld id="{9D7138D6-EFB1-44D5-B851-4BE87A9A34FC}" type="datetimeFigureOut">
               <a:rPr lang="ko-KR" altLang="en-US" smtClean="0"/>
-              <a:t>2024-03-02</a:t>
+              <a:t>2024-03-22</a:t>
             </a:fld>
             <a:endParaRPr lang="ko-KR" altLang="en-US"/>
           </a:p>
@@ -1821,7 +1821,7 @@
           <a:p>
             <a:fld id="{9D7138D6-EFB1-44D5-B851-4BE87A9A34FC}" type="datetimeFigureOut">
               <a:rPr lang="ko-KR" altLang="en-US" smtClean="0"/>
-              <a:t>2024-03-02</a:t>
+              <a:t>2024-03-22</a:t>
             </a:fld>
             <a:endParaRPr lang="ko-KR" altLang="en-US"/>
           </a:p>
@@ -1962,7 +1962,7 @@
           <a:p>
             <a:fld id="{9D7138D6-EFB1-44D5-B851-4BE87A9A34FC}" type="datetimeFigureOut">
               <a:rPr lang="ko-KR" altLang="en-US" smtClean="0"/>
-              <a:t>2024-03-02</a:t>
+              <a:t>2024-03-22</a:t>
             </a:fld>
             <a:endParaRPr lang="ko-KR" altLang="en-US"/>
           </a:p>
@@ -2075,7 +2075,7 @@
           <a:p>
             <a:fld id="{9D7138D6-EFB1-44D5-B851-4BE87A9A34FC}" type="datetimeFigureOut">
               <a:rPr lang="ko-KR" altLang="en-US" smtClean="0"/>
-              <a:t>2024-03-02</a:t>
+              <a:t>2024-03-22</a:t>
             </a:fld>
             <a:endParaRPr lang="ko-KR" altLang="en-US"/>
           </a:p>
@@ -2386,7 +2386,7 @@
           <a:p>
             <a:fld id="{9D7138D6-EFB1-44D5-B851-4BE87A9A34FC}" type="datetimeFigureOut">
               <a:rPr lang="ko-KR" altLang="en-US" smtClean="0"/>
-              <a:t>2024-03-02</a:t>
+              <a:t>2024-03-22</a:t>
             </a:fld>
             <a:endParaRPr lang="ko-KR" altLang="en-US"/>
           </a:p>
@@ -2674,7 +2674,7 @@
           <a:p>
             <a:fld id="{9D7138D6-EFB1-44D5-B851-4BE87A9A34FC}" type="datetimeFigureOut">
               <a:rPr lang="ko-KR" altLang="en-US" smtClean="0"/>
-              <a:t>2024-03-02</a:t>
+              <a:t>2024-03-22</a:t>
             </a:fld>
             <a:endParaRPr lang="ko-KR" altLang="en-US"/>
           </a:p>
@@ -2915,7 +2915,7 @@
           <a:p>
             <a:fld id="{9D7138D6-EFB1-44D5-B851-4BE87A9A34FC}" type="datetimeFigureOut">
               <a:rPr lang="ko-KR" altLang="en-US" smtClean="0"/>
-              <a:t>2024-03-02</a:t>
+              <a:t>2024-03-22</a:t>
             </a:fld>
             <a:endParaRPr lang="ko-KR" altLang="en-US"/>
           </a:p>
@@ -10509,10 +10509,10 @@
       </p:pic>
       <p:grpSp>
         <p:nvGrpSpPr>
-          <p:cNvPr id="3" name="그룹 2">
-            <a:extLst>
-              <a:ext uri="{FF2B5EF4-FFF2-40B4-BE49-F238E27FC236}">
-                <a16:creationId xmlns:a16="http://schemas.microsoft.com/office/drawing/2014/main" id="{DE443DAD-964C-B861-6A97-A87E064E1459}"/>
+          <p:cNvPr id="6" name="그룹 5">
+            <a:extLst>
+              <a:ext uri="{FF2B5EF4-FFF2-40B4-BE49-F238E27FC236}">
+                <a16:creationId xmlns:a16="http://schemas.microsoft.com/office/drawing/2014/main" id="{F93B64D3-7EE7-438D-57DD-EE6918AF9152}"/>
               </a:ext>
             </a:extLst>
           </p:cNvPr>
@@ -10521,406 +10521,10 @@
         </p:nvGrpSpPr>
         <p:grpSpPr>
           <a:xfrm>
-            <a:off x="6964655" y="2139075"/>
-            <a:ext cx="1479864" cy="1674421"/>
-            <a:chOff x="6516246" y="3449129"/>
-            <a:chExt cx="1479864" cy="1674421"/>
-          </a:xfrm>
-        </p:grpSpPr>
-        <p:sp>
-          <p:nvSpPr>
-            <p:cNvPr id="17" name="직사각형 16">
-              <a:extLst>
-                <a:ext uri="{FF2B5EF4-FFF2-40B4-BE49-F238E27FC236}">
-                  <a16:creationId xmlns:a16="http://schemas.microsoft.com/office/drawing/2014/main" id="{788A906F-3CB6-DFB6-8964-C29E067DDC28}"/>
-                </a:ext>
-              </a:extLst>
-            </p:cNvPr>
-            <p:cNvSpPr/>
-            <p:nvPr/>
-          </p:nvSpPr>
-          <p:spPr>
-            <a:xfrm>
-              <a:off x="7553557" y="3449129"/>
-              <a:ext cx="442553" cy="1674421"/>
-            </a:xfrm>
-            <a:prstGeom prst="rect">
-              <a:avLst/>
-            </a:prstGeom>
-            <a:solidFill>
-              <a:srgbClr val="FFC000"/>
-            </a:solidFill>
-            <a:ln w="88900">
-              <a:solidFill>
-                <a:srgbClr val="FFFF00"/>
-              </a:solidFill>
-            </a:ln>
-          </p:spPr>
-          <p:style>
-            <a:lnRef idx="2">
-              <a:schemeClr val="accent1">
-                <a:shade val="50000"/>
-              </a:schemeClr>
-            </a:lnRef>
-            <a:fillRef idx="1">
-              <a:schemeClr val="accent1"/>
-            </a:fillRef>
-            <a:effectRef idx="0">
-              <a:schemeClr val="accent1"/>
-            </a:effectRef>
-            <a:fontRef idx="minor">
-              <a:schemeClr val="lt1"/>
-            </a:fontRef>
-          </p:style>
-          <p:txBody>
-            <a:bodyPr rtlCol="0" anchor="ctr"/>
-            <a:lstStyle/>
-            <a:p>
-              <a:pPr algn="ctr"/>
-              <a:endParaRPr lang="ko-KR" altLang="en-US" sz="2000" b="1">
-                <a:latin typeface="Calibri" panose="020F0502020204030204" pitchFamily="34" charset="0"/>
-                <a:cs typeface="Calibri" panose="020F0502020204030204" pitchFamily="34" charset="0"/>
-              </a:endParaRPr>
-            </a:p>
-          </p:txBody>
-        </p:sp>
-        <p:sp>
-          <p:nvSpPr>
-            <p:cNvPr id="19" name="직사각형 18">
-              <a:extLst>
-                <a:ext uri="{FF2B5EF4-FFF2-40B4-BE49-F238E27FC236}">
-                  <a16:creationId xmlns:a16="http://schemas.microsoft.com/office/drawing/2014/main" id="{612AB16E-443B-2452-E233-E161C387661E}"/>
-                </a:ext>
-              </a:extLst>
-            </p:cNvPr>
-            <p:cNvSpPr/>
-            <p:nvPr/>
-          </p:nvSpPr>
-          <p:spPr>
-            <a:xfrm>
-              <a:off x="6516246" y="3449129"/>
-              <a:ext cx="1016331" cy="1674421"/>
-            </a:xfrm>
-            <a:prstGeom prst="rect">
-              <a:avLst/>
-            </a:prstGeom>
-            <a:pattFill prst="wdUpDiag">
-              <a:fgClr>
-                <a:schemeClr val="accent4"/>
-              </a:fgClr>
-              <a:bgClr>
-                <a:srgbClr val="FFFF00"/>
-              </a:bgClr>
-            </a:pattFill>
-            <a:ln>
-              <a:noFill/>
-            </a:ln>
-          </p:spPr>
-          <p:style>
-            <a:lnRef idx="2">
-              <a:schemeClr val="accent1">
-                <a:shade val="50000"/>
-              </a:schemeClr>
-            </a:lnRef>
-            <a:fillRef idx="1">
-              <a:schemeClr val="accent1"/>
-            </a:fillRef>
-            <a:effectRef idx="0">
-              <a:schemeClr val="accent1"/>
-            </a:effectRef>
-            <a:fontRef idx="minor">
-              <a:schemeClr val="lt1"/>
-            </a:fontRef>
-          </p:style>
-          <p:txBody>
-            <a:bodyPr rtlCol="0" anchor="ctr"/>
-            <a:lstStyle/>
-            <a:p>
-              <a:pPr algn="ctr"/>
-              <a:r>
-                <a:rPr lang="fr-FR" altLang="ko-KR" sz="2000" b="1" dirty="0" err="1">
-                  <a:solidFill>
-                    <a:schemeClr val="tx1"/>
-                  </a:solidFill>
-                  <a:latin typeface="Calibri" panose="020F0502020204030204" pitchFamily="34" charset="0"/>
-                  <a:ea typeface="Calibri" panose="020F0502020204030204" pitchFamily="34" charset="0"/>
-                  <a:cs typeface="Calibri" panose="020F0502020204030204" pitchFamily="34" charset="0"/>
-                </a:rPr>
-                <a:t>Sensors</a:t>
-              </a:r>
-              <a:endParaRPr lang="fr-FR" altLang="ko-KR" sz="2000" b="1" dirty="0">
-                <a:solidFill>
-                  <a:schemeClr val="tx1"/>
-                </a:solidFill>
-                <a:latin typeface="Calibri" panose="020F0502020204030204" pitchFamily="34" charset="0"/>
-                <a:ea typeface="Calibri" panose="020F0502020204030204" pitchFamily="34" charset="0"/>
-                <a:cs typeface="Calibri" panose="020F0502020204030204" pitchFamily="34" charset="0"/>
-              </a:endParaRPr>
-            </a:p>
-            <a:p>
-              <a:pPr algn="ctr"/>
-              <a:r>
-                <a:rPr lang="fr-FR" altLang="ko-KR" sz="2000" b="1" dirty="0">
-                  <a:solidFill>
-                    <a:schemeClr val="tx1"/>
-                  </a:solidFill>
-                  <a:latin typeface="Calibri" panose="020F0502020204030204" pitchFamily="34" charset="0"/>
-                  <a:ea typeface="Calibri" panose="020F0502020204030204" pitchFamily="34" charset="0"/>
-                  <a:cs typeface="Calibri" panose="020F0502020204030204" pitchFamily="34" charset="0"/>
-                </a:rPr>
-                <a:t>2AB</a:t>
-              </a:r>
-            </a:p>
-            <a:p>
-              <a:pPr algn="ctr"/>
-              <a:r>
-                <a:rPr lang="fr-FR" altLang="ko-KR" sz="2000" b="1" dirty="0">
-                  <a:solidFill>
-                    <a:schemeClr val="tx1"/>
-                  </a:solidFill>
-                  <a:latin typeface="Calibri" panose="020F0502020204030204" pitchFamily="34" charset="0"/>
-                  <a:ea typeface="Calibri" panose="020F0502020204030204" pitchFamily="34" charset="0"/>
-                  <a:cs typeface="Calibri" panose="020F0502020204030204" pitchFamily="34" charset="0"/>
-                </a:rPr>
-                <a:t>(I2C)</a:t>
-              </a:r>
-              <a:endParaRPr lang="ko-KR" altLang="en-US" sz="2000" b="1" dirty="0">
-                <a:solidFill>
-                  <a:schemeClr val="tx1"/>
-                </a:solidFill>
-                <a:latin typeface="Calibri" panose="020F0502020204030204" pitchFamily="34" charset="0"/>
-                <a:cs typeface="Calibri" panose="020F0502020204030204" pitchFamily="34" charset="0"/>
-              </a:endParaRPr>
-            </a:p>
-          </p:txBody>
-        </p:sp>
-        <p:sp>
-          <p:nvSpPr>
-            <p:cNvPr id="21" name="타원 20">
-              <a:extLst>
-                <a:ext uri="{FF2B5EF4-FFF2-40B4-BE49-F238E27FC236}">
-                  <a16:creationId xmlns:a16="http://schemas.microsoft.com/office/drawing/2014/main" id="{1FB9148E-6099-D84F-4BE5-51E70B2FD157}"/>
-                </a:ext>
-              </a:extLst>
-            </p:cNvPr>
-            <p:cNvSpPr/>
-            <p:nvPr/>
-          </p:nvSpPr>
-          <p:spPr>
-            <a:xfrm>
-              <a:off x="7680288" y="4785805"/>
-              <a:ext cx="198417" cy="189016"/>
-            </a:xfrm>
-            <a:prstGeom prst="ellipse">
-              <a:avLst/>
-            </a:prstGeom>
-            <a:solidFill>
-              <a:srgbClr val="FF0000"/>
-            </a:solidFill>
-            <a:ln>
-              <a:noFill/>
-            </a:ln>
-          </p:spPr>
-          <p:style>
-            <a:lnRef idx="2">
-              <a:schemeClr val="accent1">
-                <a:shade val="50000"/>
-              </a:schemeClr>
-            </a:lnRef>
-            <a:fillRef idx="1">
-              <a:schemeClr val="accent1"/>
-            </a:fillRef>
-            <a:effectRef idx="0">
-              <a:schemeClr val="accent1"/>
-            </a:effectRef>
-            <a:fontRef idx="minor">
-              <a:schemeClr val="lt1"/>
-            </a:fontRef>
-          </p:style>
-          <p:txBody>
-            <a:bodyPr rtlCol="0" anchor="ctr"/>
-            <a:lstStyle/>
-            <a:p>
-              <a:pPr algn="ctr"/>
-              <a:endParaRPr lang="ko-KR" altLang="en-US"/>
-            </a:p>
-          </p:txBody>
-        </p:sp>
-        <p:sp>
-          <p:nvSpPr>
-            <p:cNvPr id="22" name="타원 21">
-              <a:extLst>
-                <a:ext uri="{FF2B5EF4-FFF2-40B4-BE49-F238E27FC236}">
-                  <a16:creationId xmlns:a16="http://schemas.microsoft.com/office/drawing/2014/main" id="{7E6F0EE1-4684-588A-0ED6-6EFA6BBCD43C}"/>
-                </a:ext>
-              </a:extLst>
-            </p:cNvPr>
-            <p:cNvSpPr/>
-            <p:nvPr/>
-          </p:nvSpPr>
-          <p:spPr>
-            <a:xfrm>
-              <a:off x="7675624" y="4408215"/>
-              <a:ext cx="198417" cy="189016"/>
-            </a:xfrm>
-            <a:prstGeom prst="ellipse">
-              <a:avLst/>
-            </a:prstGeom>
-            <a:solidFill>
-              <a:schemeClr val="tx1"/>
-            </a:solidFill>
-            <a:ln>
-              <a:noFill/>
-            </a:ln>
-          </p:spPr>
-          <p:style>
-            <a:lnRef idx="2">
-              <a:schemeClr val="accent1">
-                <a:shade val="50000"/>
-              </a:schemeClr>
-            </a:lnRef>
-            <a:fillRef idx="1">
-              <a:schemeClr val="accent1"/>
-            </a:fillRef>
-            <a:effectRef idx="0">
-              <a:schemeClr val="accent1"/>
-            </a:effectRef>
-            <a:fontRef idx="minor">
-              <a:schemeClr val="lt1"/>
-            </a:fontRef>
-          </p:style>
-          <p:txBody>
-            <a:bodyPr rtlCol="0" anchor="ctr"/>
-            <a:lstStyle/>
-            <a:p>
-              <a:pPr algn="ctr"/>
-              <a:endParaRPr lang="ko-KR" altLang="en-US"/>
-            </a:p>
-          </p:txBody>
-        </p:sp>
-        <p:sp>
-          <p:nvSpPr>
-            <p:cNvPr id="23" name="타원 22">
-              <a:extLst>
-                <a:ext uri="{FF2B5EF4-FFF2-40B4-BE49-F238E27FC236}">
-                  <a16:creationId xmlns:a16="http://schemas.microsoft.com/office/drawing/2014/main" id="{2F7A7010-F206-5F48-5933-7D34EDC6F801}"/>
-                </a:ext>
-              </a:extLst>
-            </p:cNvPr>
-            <p:cNvSpPr/>
-            <p:nvPr/>
-          </p:nvSpPr>
-          <p:spPr>
-            <a:xfrm>
-              <a:off x="7685609" y="3986527"/>
-              <a:ext cx="198417" cy="189016"/>
-            </a:xfrm>
-            <a:prstGeom prst="ellipse">
-              <a:avLst/>
-            </a:prstGeom>
-            <a:solidFill>
-              <a:srgbClr val="FFFF00"/>
-            </a:solidFill>
-            <a:ln>
-              <a:noFill/>
-            </a:ln>
-          </p:spPr>
-          <p:style>
-            <a:lnRef idx="2">
-              <a:schemeClr val="accent1">
-                <a:shade val="50000"/>
-              </a:schemeClr>
-            </a:lnRef>
-            <a:fillRef idx="1">
-              <a:schemeClr val="accent1"/>
-            </a:fillRef>
-            <a:effectRef idx="0">
-              <a:schemeClr val="accent1"/>
-            </a:effectRef>
-            <a:fontRef idx="minor">
-              <a:schemeClr val="lt1"/>
-            </a:fontRef>
-          </p:style>
-          <p:txBody>
-            <a:bodyPr rtlCol="0" anchor="ctr"/>
-            <a:lstStyle/>
-            <a:p>
-              <a:pPr algn="ctr"/>
-              <a:endParaRPr lang="ko-KR" altLang="en-US" dirty="0"/>
-            </a:p>
-          </p:txBody>
-        </p:sp>
-        <p:sp>
-          <p:nvSpPr>
-            <p:cNvPr id="24" name="타원 23">
-              <a:extLst>
-                <a:ext uri="{FF2B5EF4-FFF2-40B4-BE49-F238E27FC236}">
-                  <a16:creationId xmlns:a16="http://schemas.microsoft.com/office/drawing/2014/main" id="{8C6628DC-3C88-E5C8-4B7E-FE8CD52CA769}"/>
-                </a:ext>
-              </a:extLst>
-            </p:cNvPr>
-            <p:cNvSpPr/>
-            <p:nvPr/>
-          </p:nvSpPr>
-          <p:spPr>
-            <a:xfrm>
-              <a:off x="7685609" y="3576865"/>
-              <a:ext cx="198417" cy="189016"/>
-            </a:xfrm>
-            <a:prstGeom prst="ellipse">
-              <a:avLst/>
-            </a:prstGeom>
-            <a:solidFill>
-              <a:schemeClr val="bg1"/>
-            </a:solidFill>
-            <a:ln>
-              <a:noFill/>
-            </a:ln>
-          </p:spPr>
-          <p:style>
-            <a:lnRef idx="2">
-              <a:schemeClr val="accent1">
-                <a:shade val="50000"/>
-              </a:schemeClr>
-            </a:lnRef>
-            <a:fillRef idx="1">
-              <a:schemeClr val="accent1"/>
-            </a:fillRef>
-            <a:effectRef idx="0">
-              <a:schemeClr val="accent1"/>
-            </a:effectRef>
-            <a:fontRef idx="minor">
-              <a:schemeClr val="lt1"/>
-            </a:fontRef>
-          </p:style>
-          <p:txBody>
-            <a:bodyPr rtlCol="0" anchor="ctr"/>
-            <a:lstStyle/>
-            <a:p>
-              <a:pPr algn="ctr"/>
-              <a:endParaRPr lang="ko-KR" altLang="en-US"/>
-            </a:p>
-          </p:txBody>
-        </p:sp>
-      </p:grpSp>
-      <p:grpSp>
-        <p:nvGrpSpPr>
-          <p:cNvPr id="32" name="그룹 31">
-            <a:extLst>
-              <a:ext uri="{FF2B5EF4-FFF2-40B4-BE49-F238E27FC236}">
-                <a16:creationId xmlns:a16="http://schemas.microsoft.com/office/drawing/2014/main" id="{AF2FF064-4948-5DC9-7170-F1F8B84C310B}"/>
-              </a:ext>
-            </a:extLst>
-          </p:cNvPr>
-          <p:cNvGrpSpPr/>
-          <p:nvPr/>
-        </p:nvGrpSpPr>
-        <p:grpSpPr>
-          <a:xfrm>
-            <a:off x="4121711" y="2153424"/>
-            <a:ext cx="1446018" cy="1689661"/>
-            <a:chOff x="4432066" y="3309851"/>
-            <a:chExt cx="1446018" cy="1689661"/>
+            <a:off x="2671798" y="3404797"/>
+            <a:ext cx="1469132" cy="1684582"/>
+            <a:chOff x="1596531" y="3396331"/>
+            <a:chExt cx="1469132" cy="1684582"/>
           </a:xfrm>
         </p:grpSpPr>
         <p:sp>
@@ -10937,7 +10541,7 @@
           </p:nvSpPr>
           <p:spPr>
             <a:xfrm>
-              <a:off x="4432066" y="3325091"/>
+              <a:off x="2623110" y="3396331"/>
               <a:ext cx="442553" cy="1674421"/>
             </a:xfrm>
             <a:prstGeom prst="rect">
@@ -10994,7 +10598,7 @@
           </p:nvSpPr>
           <p:spPr>
             <a:xfrm>
-              <a:off x="4861753" y="3309851"/>
+              <a:off x="1596531" y="3406492"/>
               <a:ext cx="1016331" cy="1674421"/>
             </a:xfrm>
             <a:prstGeom prst="rect">
@@ -11042,7 +10646,7 @@
                   <a:ea typeface="Calibri" panose="020F0502020204030204" pitchFamily="34" charset="0"/>
                   <a:cs typeface="Calibri" panose="020F0502020204030204" pitchFamily="34" charset="0"/>
                 </a:rPr>
-                <a:t>Sensors</a:t>
+                <a:t>Sensor</a:t>
               </a:r>
               <a:endParaRPr lang="fr-FR" altLang="ko-KR" sz="2000" b="1" dirty="0">
                 <a:solidFill>
@@ -11064,7 +10668,7 @@
                   <a:ea typeface="Calibri" panose="020F0502020204030204" pitchFamily="34" charset="0"/>
                   <a:cs typeface="Calibri" panose="020F0502020204030204" pitchFamily="34" charset="0"/>
                 </a:rPr>
-                <a:t>1AB</a:t>
+                <a:t>1A</a:t>
               </a:r>
             </a:p>
             <a:p>
@@ -11104,7 +10708,7 @@
           </p:nvSpPr>
           <p:spPr>
             <a:xfrm>
-              <a:off x="4533306" y="4262139"/>
+              <a:off x="2741284" y="4367246"/>
               <a:ext cx="198417" cy="189016"/>
             </a:xfrm>
             <a:prstGeom prst="ellipse">
@@ -11156,7 +10760,7 @@
           </p:nvSpPr>
           <p:spPr>
             <a:xfrm>
-              <a:off x="4546182" y="4707408"/>
+              <a:off x="2754160" y="4812515"/>
               <a:ext cx="198417" cy="189016"/>
             </a:xfrm>
             <a:prstGeom prst="ellipse">
@@ -11208,7 +10812,7 @@
           </p:nvSpPr>
           <p:spPr>
             <a:xfrm>
-              <a:off x="4522553" y="3858340"/>
+              <a:off x="2730531" y="3963447"/>
               <a:ext cx="198417" cy="189016"/>
             </a:xfrm>
             <a:prstGeom prst="ellipse">
@@ -11260,7 +10864,7 @@
           </p:nvSpPr>
           <p:spPr>
             <a:xfrm>
-              <a:off x="4527489" y="3431994"/>
+              <a:off x="2735467" y="3537101"/>
               <a:ext cx="198417" cy="189016"/>
             </a:xfrm>
             <a:prstGeom prst="ellipse">
@@ -11329,113 +10933,9 @@
           <a:p>
             <a:r>
               <a:rPr lang="fr-FR" dirty="0"/>
-              <a:t>New Box</a:t>
+              <a:t>New Box (V3)</a:t>
             </a:r>
             <a:endParaRPr lang="en-US" dirty="0"/>
-          </a:p>
-        </p:txBody>
-      </p:sp>
-      <p:sp>
-        <p:nvSpPr>
-          <p:cNvPr id="4" name="타원 3">
-            <a:extLst>
-              <a:ext uri="{FF2B5EF4-FFF2-40B4-BE49-F238E27FC236}">
-                <a16:creationId xmlns:a16="http://schemas.microsoft.com/office/drawing/2014/main" id="{67865430-81A8-13DE-7892-24CD95E7D38E}"/>
-              </a:ext>
-            </a:extLst>
-          </p:cNvPr>
-          <p:cNvSpPr/>
-          <p:nvPr/>
-        </p:nvSpPr>
-        <p:spPr>
-          <a:xfrm>
-            <a:off x="4235827" y="4414581"/>
-            <a:ext cx="198417" cy="648000"/>
-          </a:xfrm>
-          <a:prstGeom prst="ellipse">
-            <a:avLst/>
-          </a:prstGeom>
-          <a:solidFill>
-            <a:srgbClr val="FF0000"/>
-          </a:solidFill>
-          <a:ln>
-            <a:noFill/>
-          </a:ln>
-        </p:spPr>
-        <p:style>
-          <a:lnRef idx="2">
-            <a:schemeClr val="accent1">
-              <a:shade val="50000"/>
-            </a:schemeClr>
-          </a:lnRef>
-          <a:fillRef idx="1">
-            <a:schemeClr val="accent1"/>
-          </a:fillRef>
-          <a:effectRef idx="0">
-            <a:schemeClr val="accent1"/>
-          </a:effectRef>
-          <a:fontRef idx="minor">
-            <a:schemeClr val="lt1"/>
-          </a:fontRef>
-        </p:style>
-        <p:txBody>
-          <a:bodyPr rtlCol="0" anchor="ctr"/>
-          <a:lstStyle/>
-          <a:p>
-            <a:pPr algn="ctr"/>
-            <a:endParaRPr lang="ko-KR" altLang="en-US"/>
-          </a:p>
-        </p:txBody>
-      </p:sp>
-      <p:sp>
-        <p:nvSpPr>
-          <p:cNvPr id="5" name="타원 4">
-            <a:extLst>
-              <a:ext uri="{FF2B5EF4-FFF2-40B4-BE49-F238E27FC236}">
-                <a16:creationId xmlns:a16="http://schemas.microsoft.com/office/drawing/2014/main" id="{2AA29267-F607-91AF-1032-AC3801DCDB52}"/>
-              </a:ext>
-            </a:extLst>
-          </p:cNvPr>
-          <p:cNvSpPr/>
-          <p:nvPr/>
-        </p:nvSpPr>
-        <p:spPr>
-          <a:xfrm>
-            <a:off x="8132500" y="3961761"/>
-            <a:ext cx="198417" cy="648000"/>
-          </a:xfrm>
-          <a:prstGeom prst="ellipse">
-            <a:avLst/>
-          </a:prstGeom>
-          <a:solidFill>
-            <a:schemeClr val="tx1"/>
-          </a:solidFill>
-          <a:ln>
-            <a:noFill/>
-          </a:ln>
-        </p:spPr>
-        <p:style>
-          <a:lnRef idx="2">
-            <a:schemeClr val="accent1">
-              <a:shade val="50000"/>
-            </a:schemeClr>
-          </a:lnRef>
-          <a:fillRef idx="1">
-            <a:schemeClr val="accent1"/>
-          </a:fillRef>
-          <a:effectRef idx="0">
-            <a:schemeClr val="accent1"/>
-          </a:effectRef>
-          <a:fontRef idx="minor">
-            <a:schemeClr val="lt1"/>
-          </a:fontRef>
-        </p:style>
-        <p:txBody>
-          <a:bodyPr rtlCol="0" anchor="ctr"/>
-          <a:lstStyle/>
-          <a:p>
-            <a:pPr algn="ctr"/>
-            <a:endParaRPr lang="ko-KR" altLang="en-US"/>
           </a:p>
         </p:txBody>
       </p:sp>

--- a/Wirings.pptx
+++ b/Wirings.pptx
@@ -10939,6 +10939,80 @@
           </a:p>
         </p:txBody>
       </p:sp>
+      <p:sp>
+        <p:nvSpPr>
+          <p:cNvPr id="3" name="직사각형 2">
+            <a:extLst>
+              <a:ext uri="{FF2B5EF4-FFF2-40B4-BE49-F238E27FC236}">
+                <a16:creationId xmlns:a16="http://schemas.microsoft.com/office/drawing/2014/main" id="{C7520CF6-AD4D-24D9-B4D8-FD2847F95516}"/>
+              </a:ext>
+            </a:extLst>
+          </p:cNvPr>
+          <p:cNvSpPr/>
+          <p:nvPr/>
+        </p:nvSpPr>
+        <p:spPr>
+          <a:xfrm>
+            <a:off x="8631555" y="3335576"/>
+            <a:ext cx="1651289" cy="1674421"/>
+          </a:xfrm>
+          <a:prstGeom prst="rect">
+            <a:avLst/>
+          </a:prstGeom>
+          <a:pattFill prst="wdUpDiag">
+            <a:fgClr>
+              <a:schemeClr val="accent4"/>
+            </a:fgClr>
+            <a:bgClr>
+              <a:srgbClr val="FFFF00"/>
+            </a:bgClr>
+          </a:pattFill>
+          <a:ln>
+            <a:noFill/>
+          </a:ln>
+        </p:spPr>
+        <p:style>
+          <a:lnRef idx="2">
+            <a:schemeClr val="accent1">
+              <a:shade val="50000"/>
+            </a:schemeClr>
+          </a:lnRef>
+          <a:fillRef idx="1">
+            <a:schemeClr val="accent1"/>
+          </a:fillRef>
+          <a:effectRef idx="0">
+            <a:schemeClr val="accent1"/>
+          </a:effectRef>
+          <a:fontRef idx="minor">
+            <a:schemeClr val="lt1"/>
+          </a:fontRef>
+        </p:style>
+        <p:txBody>
+          <a:bodyPr rtlCol="0" anchor="ctr"/>
+          <a:lstStyle/>
+          <a:p>
+            <a:pPr algn="ctr"/>
+            <a:r>
+              <a:rPr lang="fr-FR" altLang="ko-KR" sz="2000" b="1" dirty="0">
+                <a:solidFill>
+                  <a:schemeClr val="tx1"/>
+                </a:solidFill>
+                <a:latin typeface="Calibri" panose="020F0502020204030204" pitchFamily="34" charset="0"/>
+                <a:ea typeface="Calibri" panose="020F0502020204030204" pitchFamily="34" charset="0"/>
+                <a:cs typeface="Calibri" panose="020F0502020204030204" pitchFamily="34" charset="0"/>
+              </a:rPr>
+              <a:t>Pin 16 pull low if MPU6500</a:t>
+            </a:r>
+            <a:endParaRPr lang="ko-KR" altLang="en-US" sz="2000" b="1" dirty="0">
+              <a:solidFill>
+                <a:schemeClr val="tx1"/>
+              </a:solidFill>
+              <a:latin typeface="Calibri" panose="020F0502020204030204" pitchFamily="34" charset="0"/>
+              <a:cs typeface="Calibri" panose="020F0502020204030204" pitchFamily="34" charset="0"/>
+            </a:endParaRPr>
+          </a:p>
+        </p:txBody>
+      </p:sp>
     </p:spTree>
     <p:extLst>
       <p:ext uri="{BB962C8B-B14F-4D97-AF65-F5344CB8AC3E}">

--- a/Wirings.pptx
+++ b/Wirings.pptx
@@ -12,6 +12,7 @@
     <p:sldId id="258" r:id="rId6"/>
     <p:sldId id="259" r:id="rId7"/>
     <p:sldId id="262" r:id="rId8"/>
+    <p:sldId id="263" r:id="rId9"/>
   </p:sldIdLst>
   <p:sldSz cx="12192000" cy="6858000"/>
   <p:notesSz cx="6858000" cy="9144000"/>
@@ -265,7 +266,7 @@
           <a:p>
             <a:fld id="{9D7138D6-EFB1-44D5-B851-4BE87A9A34FC}" type="datetimeFigureOut">
               <a:rPr lang="ko-KR" altLang="en-US" smtClean="0"/>
-              <a:t>2024-03-22</a:t>
+              <a:t>2024-03-24</a:t>
             </a:fld>
             <a:endParaRPr lang="ko-KR" altLang="en-US"/>
           </a:p>
@@ -463,7 +464,7 @@
           <a:p>
             <a:fld id="{9D7138D6-EFB1-44D5-B851-4BE87A9A34FC}" type="datetimeFigureOut">
               <a:rPr lang="ko-KR" altLang="en-US" smtClean="0"/>
-              <a:t>2024-03-22</a:t>
+              <a:t>2024-03-24</a:t>
             </a:fld>
             <a:endParaRPr lang="ko-KR" altLang="en-US"/>
           </a:p>
@@ -671,7 +672,7 @@
           <a:p>
             <a:fld id="{9D7138D6-EFB1-44D5-B851-4BE87A9A34FC}" type="datetimeFigureOut">
               <a:rPr lang="ko-KR" altLang="en-US" smtClean="0"/>
-              <a:t>2024-03-22</a:t>
+              <a:t>2024-03-24</a:t>
             </a:fld>
             <a:endParaRPr lang="ko-KR" altLang="en-US"/>
           </a:p>
@@ -869,7 +870,7 @@
           <a:p>
             <a:fld id="{9D7138D6-EFB1-44D5-B851-4BE87A9A34FC}" type="datetimeFigureOut">
               <a:rPr lang="ko-KR" altLang="en-US" smtClean="0"/>
-              <a:t>2024-03-22</a:t>
+              <a:t>2024-03-24</a:t>
             </a:fld>
             <a:endParaRPr lang="ko-KR" altLang="en-US"/>
           </a:p>
@@ -1144,7 +1145,7 @@
           <a:p>
             <a:fld id="{9D7138D6-EFB1-44D5-B851-4BE87A9A34FC}" type="datetimeFigureOut">
               <a:rPr lang="ko-KR" altLang="en-US" smtClean="0"/>
-              <a:t>2024-03-22</a:t>
+              <a:t>2024-03-24</a:t>
             </a:fld>
             <a:endParaRPr lang="ko-KR" altLang="en-US"/>
           </a:p>
@@ -1409,7 +1410,7 @@
           <a:p>
             <a:fld id="{9D7138D6-EFB1-44D5-B851-4BE87A9A34FC}" type="datetimeFigureOut">
               <a:rPr lang="ko-KR" altLang="en-US" smtClean="0"/>
-              <a:t>2024-03-22</a:t>
+              <a:t>2024-03-24</a:t>
             </a:fld>
             <a:endParaRPr lang="ko-KR" altLang="en-US"/>
           </a:p>
@@ -1821,7 +1822,7 @@
           <a:p>
             <a:fld id="{9D7138D6-EFB1-44D5-B851-4BE87A9A34FC}" type="datetimeFigureOut">
               <a:rPr lang="ko-KR" altLang="en-US" smtClean="0"/>
-              <a:t>2024-03-22</a:t>
+              <a:t>2024-03-24</a:t>
             </a:fld>
             <a:endParaRPr lang="ko-KR" altLang="en-US"/>
           </a:p>
@@ -1962,7 +1963,7 @@
           <a:p>
             <a:fld id="{9D7138D6-EFB1-44D5-B851-4BE87A9A34FC}" type="datetimeFigureOut">
               <a:rPr lang="ko-KR" altLang="en-US" smtClean="0"/>
-              <a:t>2024-03-22</a:t>
+              <a:t>2024-03-24</a:t>
             </a:fld>
             <a:endParaRPr lang="ko-KR" altLang="en-US"/>
           </a:p>
@@ -2075,7 +2076,7 @@
           <a:p>
             <a:fld id="{9D7138D6-EFB1-44D5-B851-4BE87A9A34FC}" type="datetimeFigureOut">
               <a:rPr lang="ko-KR" altLang="en-US" smtClean="0"/>
-              <a:t>2024-03-22</a:t>
+              <a:t>2024-03-24</a:t>
             </a:fld>
             <a:endParaRPr lang="ko-KR" altLang="en-US"/>
           </a:p>
@@ -2386,7 +2387,7 @@
           <a:p>
             <a:fld id="{9D7138D6-EFB1-44D5-B851-4BE87A9A34FC}" type="datetimeFigureOut">
               <a:rPr lang="ko-KR" altLang="en-US" smtClean="0"/>
-              <a:t>2024-03-22</a:t>
+              <a:t>2024-03-24</a:t>
             </a:fld>
             <a:endParaRPr lang="ko-KR" altLang="en-US"/>
           </a:p>
@@ -2674,7 +2675,7 @@
           <a:p>
             <a:fld id="{9D7138D6-EFB1-44D5-B851-4BE87A9A34FC}" type="datetimeFigureOut">
               <a:rPr lang="ko-KR" altLang="en-US" smtClean="0"/>
-              <a:t>2024-03-22</a:t>
+              <a:t>2024-03-24</a:t>
             </a:fld>
             <a:endParaRPr lang="ko-KR" altLang="en-US"/>
           </a:p>
@@ -2915,7 +2916,7 @@
           <a:p>
             <a:fld id="{9D7138D6-EFB1-44D5-B851-4BE87A9A34FC}" type="datetimeFigureOut">
               <a:rPr lang="ko-KR" altLang="en-US" smtClean="0"/>
-              <a:t>2024-03-22</a:t>
+              <a:t>2024-03-24</a:t>
             </a:fld>
             <a:endParaRPr lang="ko-KR" altLang="en-US"/>
           </a:p>
@@ -11026,6 +11027,620 @@
 </p:sld>
 </file>
 
+<file path=ppt/slides/slide8.xml><?xml version="1.0" encoding="utf-8"?>
+<p:sld xmlns:a="http://schemas.openxmlformats.org/drawingml/2006/main" xmlns:r="http://schemas.openxmlformats.org/officeDocument/2006/relationships" xmlns:p="http://schemas.openxmlformats.org/presentationml/2006/main">
+  <p:cSld>
+    <p:spTree>
+      <p:nvGrpSpPr>
+        <p:cNvPr id="1" name="">
+          <a:extLst>
+            <a:ext uri="{FF2B5EF4-FFF2-40B4-BE49-F238E27FC236}">
+              <a16:creationId xmlns:a16="http://schemas.microsoft.com/office/drawing/2014/main" id="{F21F22E9-4C72-A54C-A1F8-B8D46516C5E8}"/>
+            </a:ext>
+          </a:extLst>
+        </p:cNvPr>
+        <p:cNvGrpSpPr/>
+        <p:nvPr/>
+      </p:nvGrpSpPr>
+      <p:grpSpPr>
+        <a:xfrm>
+          <a:off x="0" y="0"/>
+          <a:ext cx="0" cy="0"/>
+          <a:chOff x="0" y="0"/>
+          <a:chExt cx="0" cy="0"/>
+        </a:xfrm>
+      </p:grpSpPr>
+      <p:sp>
+        <p:nvSpPr>
+          <p:cNvPr id="26" name="직사각형 25">
+            <a:extLst>
+              <a:ext uri="{FF2B5EF4-FFF2-40B4-BE49-F238E27FC236}">
+                <a16:creationId xmlns:a16="http://schemas.microsoft.com/office/drawing/2014/main" id="{399F3A84-F916-8CAE-3A5E-CD0829429F3A}"/>
+              </a:ext>
+            </a:extLst>
+          </p:cNvPr>
+          <p:cNvSpPr/>
+          <p:nvPr/>
+        </p:nvSpPr>
+        <p:spPr>
+          <a:xfrm>
+            <a:off x="3698377" y="3845065"/>
+            <a:ext cx="442553" cy="1674421"/>
+          </a:xfrm>
+          <a:prstGeom prst="rect">
+            <a:avLst/>
+          </a:prstGeom>
+          <a:solidFill>
+            <a:srgbClr val="FFC000"/>
+          </a:solidFill>
+          <a:ln w="88900">
+            <a:solidFill>
+              <a:srgbClr val="FFFF00"/>
+            </a:solidFill>
+          </a:ln>
+        </p:spPr>
+        <p:style>
+          <a:lnRef idx="2">
+            <a:schemeClr val="accent1">
+              <a:shade val="50000"/>
+            </a:schemeClr>
+          </a:lnRef>
+          <a:fillRef idx="1">
+            <a:schemeClr val="accent1"/>
+          </a:fillRef>
+          <a:effectRef idx="0">
+            <a:schemeClr val="accent1"/>
+          </a:effectRef>
+          <a:fontRef idx="minor">
+            <a:schemeClr val="lt1"/>
+          </a:fontRef>
+        </p:style>
+        <p:txBody>
+          <a:bodyPr rtlCol="0" anchor="ctr"/>
+          <a:lstStyle/>
+          <a:p>
+            <a:pPr algn="ctr"/>
+            <a:endParaRPr lang="ko-KR" altLang="en-US" sz="2000" b="1">
+              <a:latin typeface="Calibri" panose="020F0502020204030204" pitchFamily="34" charset="0"/>
+              <a:cs typeface="Calibri" panose="020F0502020204030204" pitchFamily="34" charset="0"/>
+            </a:endParaRPr>
+          </a:p>
+        </p:txBody>
+      </p:sp>
+      <p:sp>
+        <p:nvSpPr>
+          <p:cNvPr id="27" name="직사각형 26">
+            <a:extLst>
+              <a:ext uri="{FF2B5EF4-FFF2-40B4-BE49-F238E27FC236}">
+                <a16:creationId xmlns:a16="http://schemas.microsoft.com/office/drawing/2014/main" id="{8DACD109-4032-9769-03D9-F722EC6F637D}"/>
+              </a:ext>
+            </a:extLst>
+          </p:cNvPr>
+          <p:cNvSpPr/>
+          <p:nvPr/>
+        </p:nvSpPr>
+        <p:spPr>
+          <a:xfrm>
+            <a:off x="2654865" y="3863691"/>
+            <a:ext cx="1016331" cy="1674421"/>
+          </a:xfrm>
+          <a:prstGeom prst="rect">
+            <a:avLst/>
+          </a:prstGeom>
+          <a:pattFill prst="wdUpDiag">
+            <a:fgClr>
+              <a:schemeClr val="accent4"/>
+            </a:fgClr>
+            <a:bgClr>
+              <a:srgbClr val="FFFF00"/>
+            </a:bgClr>
+          </a:pattFill>
+          <a:ln>
+            <a:noFill/>
+          </a:ln>
+        </p:spPr>
+        <p:style>
+          <a:lnRef idx="2">
+            <a:schemeClr val="accent1">
+              <a:shade val="50000"/>
+            </a:schemeClr>
+          </a:lnRef>
+          <a:fillRef idx="1">
+            <a:schemeClr val="accent1"/>
+          </a:fillRef>
+          <a:effectRef idx="0">
+            <a:schemeClr val="accent1"/>
+          </a:effectRef>
+          <a:fontRef idx="minor">
+            <a:schemeClr val="lt1"/>
+          </a:fontRef>
+        </p:style>
+        <p:txBody>
+          <a:bodyPr rtlCol="0" anchor="ctr"/>
+          <a:lstStyle/>
+          <a:p>
+            <a:pPr algn="ctr"/>
+            <a:r>
+              <a:rPr lang="fr-FR" altLang="ko-KR" sz="2000" b="1" dirty="0" err="1">
+                <a:solidFill>
+                  <a:schemeClr val="tx1"/>
+                </a:solidFill>
+                <a:latin typeface="Calibri" panose="020F0502020204030204" pitchFamily="34" charset="0"/>
+                <a:ea typeface="Calibri" panose="020F0502020204030204" pitchFamily="34" charset="0"/>
+                <a:cs typeface="Calibri" panose="020F0502020204030204" pitchFamily="34" charset="0"/>
+              </a:rPr>
+              <a:t>Sensor</a:t>
+            </a:r>
+            <a:endParaRPr lang="fr-FR" altLang="ko-KR" sz="2000" b="1" dirty="0">
+              <a:solidFill>
+                <a:schemeClr val="tx1"/>
+              </a:solidFill>
+              <a:latin typeface="Calibri" panose="020F0502020204030204" pitchFamily="34" charset="0"/>
+              <a:ea typeface="Calibri" panose="020F0502020204030204" pitchFamily="34" charset="0"/>
+              <a:cs typeface="Calibri" panose="020F0502020204030204" pitchFamily="34" charset="0"/>
+            </a:endParaRPr>
+          </a:p>
+          <a:p>
+            <a:pPr algn="ctr"/>
+            <a:r>
+              <a:rPr lang="fr-FR" altLang="ko-KR" sz="2000" b="1" dirty="0">
+                <a:solidFill>
+                  <a:schemeClr val="tx1"/>
+                </a:solidFill>
+                <a:latin typeface="Calibri" panose="020F0502020204030204" pitchFamily="34" charset="0"/>
+                <a:ea typeface="Calibri" panose="020F0502020204030204" pitchFamily="34" charset="0"/>
+                <a:cs typeface="Calibri" panose="020F0502020204030204" pitchFamily="34" charset="0"/>
+              </a:rPr>
+              <a:t>1A</a:t>
+            </a:r>
+          </a:p>
+          <a:p>
+            <a:pPr algn="ctr"/>
+            <a:r>
+              <a:rPr lang="fr-FR" altLang="ko-KR" sz="2000" b="1" dirty="0">
+                <a:solidFill>
+                  <a:schemeClr val="tx1"/>
+                </a:solidFill>
+                <a:latin typeface="Calibri" panose="020F0502020204030204" pitchFamily="34" charset="0"/>
+                <a:ea typeface="Calibri" panose="020F0502020204030204" pitchFamily="34" charset="0"/>
+                <a:cs typeface="Calibri" panose="020F0502020204030204" pitchFamily="34" charset="0"/>
+              </a:rPr>
+              <a:t>(I2C)</a:t>
+            </a:r>
+            <a:endParaRPr lang="ko-KR" altLang="en-US" sz="2000" b="1" dirty="0">
+              <a:solidFill>
+                <a:schemeClr val="tx1"/>
+              </a:solidFill>
+              <a:latin typeface="Calibri" panose="020F0502020204030204" pitchFamily="34" charset="0"/>
+              <a:cs typeface="Calibri" panose="020F0502020204030204" pitchFamily="34" charset="0"/>
+            </a:endParaRPr>
+          </a:p>
+        </p:txBody>
+      </p:sp>
+      <p:sp>
+        <p:nvSpPr>
+          <p:cNvPr id="28" name="타원 27">
+            <a:extLst>
+              <a:ext uri="{FF2B5EF4-FFF2-40B4-BE49-F238E27FC236}">
+                <a16:creationId xmlns:a16="http://schemas.microsoft.com/office/drawing/2014/main" id="{C33F63A5-4760-7446-7716-CA495B1756C5}"/>
+              </a:ext>
+            </a:extLst>
+          </p:cNvPr>
+          <p:cNvSpPr/>
+          <p:nvPr/>
+        </p:nvSpPr>
+        <p:spPr>
+          <a:xfrm>
+            <a:off x="3816551" y="4815980"/>
+            <a:ext cx="198417" cy="189016"/>
+          </a:xfrm>
+          <a:prstGeom prst="ellipse">
+            <a:avLst/>
+          </a:prstGeom>
+          <a:solidFill>
+            <a:schemeClr val="tx1"/>
+          </a:solidFill>
+          <a:ln>
+            <a:noFill/>
+          </a:ln>
+        </p:spPr>
+        <p:style>
+          <a:lnRef idx="2">
+            <a:schemeClr val="accent1">
+              <a:shade val="50000"/>
+            </a:schemeClr>
+          </a:lnRef>
+          <a:fillRef idx="1">
+            <a:schemeClr val="accent1"/>
+          </a:fillRef>
+          <a:effectRef idx="0">
+            <a:schemeClr val="accent1"/>
+          </a:effectRef>
+          <a:fontRef idx="minor">
+            <a:schemeClr val="lt1"/>
+          </a:fontRef>
+        </p:style>
+        <p:txBody>
+          <a:bodyPr rtlCol="0" anchor="ctr"/>
+          <a:lstStyle/>
+          <a:p>
+            <a:pPr algn="ctr"/>
+            <a:endParaRPr lang="ko-KR" altLang="en-US"/>
+          </a:p>
+        </p:txBody>
+      </p:sp>
+      <p:sp>
+        <p:nvSpPr>
+          <p:cNvPr id="29" name="타원 28">
+            <a:extLst>
+              <a:ext uri="{FF2B5EF4-FFF2-40B4-BE49-F238E27FC236}">
+                <a16:creationId xmlns:a16="http://schemas.microsoft.com/office/drawing/2014/main" id="{FB83C0BF-F47B-C04F-ADAB-E1373B59B85C}"/>
+              </a:ext>
+            </a:extLst>
+          </p:cNvPr>
+          <p:cNvSpPr/>
+          <p:nvPr/>
+        </p:nvSpPr>
+        <p:spPr>
+          <a:xfrm>
+            <a:off x="3829427" y="5261249"/>
+            <a:ext cx="198417" cy="189016"/>
+          </a:xfrm>
+          <a:prstGeom prst="ellipse">
+            <a:avLst/>
+          </a:prstGeom>
+          <a:solidFill>
+            <a:srgbClr val="FF0000"/>
+          </a:solidFill>
+          <a:ln>
+            <a:noFill/>
+          </a:ln>
+        </p:spPr>
+        <p:style>
+          <a:lnRef idx="2">
+            <a:schemeClr val="accent1">
+              <a:shade val="50000"/>
+            </a:schemeClr>
+          </a:lnRef>
+          <a:fillRef idx="1">
+            <a:schemeClr val="accent1"/>
+          </a:fillRef>
+          <a:effectRef idx="0">
+            <a:schemeClr val="accent1"/>
+          </a:effectRef>
+          <a:fontRef idx="minor">
+            <a:schemeClr val="lt1"/>
+          </a:fontRef>
+        </p:style>
+        <p:txBody>
+          <a:bodyPr rtlCol="0" anchor="ctr"/>
+          <a:lstStyle/>
+          <a:p>
+            <a:pPr algn="ctr"/>
+            <a:endParaRPr lang="ko-KR" altLang="en-US"/>
+          </a:p>
+        </p:txBody>
+      </p:sp>
+      <p:sp>
+        <p:nvSpPr>
+          <p:cNvPr id="30" name="타원 29">
+            <a:extLst>
+              <a:ext uri="{FF2B5EF4-FFF2-40B4-BE49-F238E27FC236}">
+                <a16:creationId xmlns:a16="http://schemas.microsoft.com/office/drawing/2014/main" id="{91D8096E-80D3-BEC7-1E41-2738649C805F}"/>
+              </a:ext>
+            </a:extLst>
+          </p:cNvPr>
+          <p:cNvSpPr/>
+          <p:nvPr/>
+        </p:nvSpPr>
+        <p:spPr>
+          <a:xfrm>
+            <a:off x="3805798" y="4412181"/>
+            <a:ext cx="198417" cy="189016"/>
+          </a:xfrm>
+          <a:prstGeom prst="ellipse">
+            <a:avLst/>
+          </a:prstGeom>
+          <a:solidFill>
+            <a:srgbClr val="FFFF00"/>
+          </a:solidFill>
+          <a:ln>
+            <a:noFill/>
+          </a:ln>
+        </p:spPr>
+        <p:style>
+          <a:lnRef idx="2">
+            <a:schemeClr val="accent1">
+              <a:shade val="50000"/>
+            </a:schemeClr>
+          </a:lnRef>
+          <a:fillRef idx="1">
+            <a:schemeClr val="accent1"/>
+          </a:fillRef>
+          <a:effectRef idx="0">
+            <a:schemeClr val="accent1"/>
+          </a:effectRef>
+          <a:fontRef idx="minor">
+            <a:schemeClr val="lt1"/>
+          </a:fontRef>
+        </p:style>
+        <p:txBody>
+          <a:bodyPr rtlCol="0" anchor="ctr"/>
+          <a:lstStyle/>
+          <a:p>
+            <a:pPr algn="ctr"/>
+            <a:endParaRPr lang="ko-KR" altLang="en-US" dirty="0"/>
+          </a:p>
+        </p:txBody>
+      </p:sp>
+      <p:sp>
+        <p:nvSpPr>
+          <p:cNvPr id="31" name="타원 30">
+            <a:extLst>
+              <a:ext uri="{FF2B5EF4-FFF2-40B4-BE49-F238E27FC236}">
+                <a16:creationId xmlns:a16="http://schemas.microsoft.com/office/drawing/2014/main" id="{D252CB5F-42C4-1B51-AD6D-8688E77FE1EE}"/>
+              </a:ext>
+            </a:extLst>
+          </p:cNvPr>
+          <p:cNvSpPr/>
+          <p:nvPr/>
+        </p:nvSpPr>
+        <p:spPr>
+          <a:xfrm>
+            <a:off x="3810734" y="3985835"/>
+            <a:ext cx="198417" cy="189016"/>
+          </a:xfrm>
+          <a:prstGeom prst="ellipse">
+            <a:avLst/>
+          </a:prstGeom>
+          <a:solidFill>
+            <a:schemeClr val="bg1"/>
+          </a:solidFill>
+          <a:ln>
+            <a:noFill/>
+          </a:ln>
+        </p:spPr>
+        <p:style>
+          <a:lnRef idx="2">
+            <a:schemeClr val="accent1">
+              <a:shade val="50000"/>
+            </a:schemeClr>
+          </a:lnRef>
+          <a:fillRef idx="1">
+            <a:schemeClr val="accent1"/>
+          </a:fillRef>
+          <a:effectRef idx="0">
+            <a:schemeClr val="accent1"/>
+          </a:effectRef>
+          <a:fontRef idx="minor">
+            <a:schemeClr val="lt1"/>
+          </a:fontRef>
+        </p:style>
+        <p:txBody>
+          <a:bodyPr rtlCol="0" anchor="ctr"/>
+          <a:lstStyle/>
+          <a:p>
+            <a:pPr algn="ctr"/>
+            <a:endParaRPr lang="ko-KR" altLang="en-US"/>
+          </a:p>
+        </p:txBody>
+      </p:sp>
+      <p:sp>
+        <p:nvSpPr>
+          <p:cNvPr id="2" name="TextBox 1">
+            <a:extLst>
+              <a:ext uri="{FF2B5EF4-FFF2-40B4-BE49-F238E27FC236}">
+                <a16:creationId xmlns:a16="http://schemas.microsoft.com/office/drawing/2014/main" id="{2EA4E76F-DFE7-3FA3-C4B1-A7C4AF2F8B9F}"/>
+              </a:ext>
+            </a:extLst>
+          </p:cNvPr>
+          <p:cNvSpPr txBox="1"/>
+          <p:nvPr/>
+        </p:nvSpPr>
+        <p:spPr>
+          <a:xfrm>
+            <a:off x="923192" y="509954"/>
+            <a:ext cx="1820008" cy="646331"/>
+          </a:xfrm>
+          <a:prstGeom prst="rect">
+            <a:avLst/>
+          </a:prstGeom>
+          <a:noFill/>
+        </p:spPr>
+        <p:txBody>
+          <a:bodyPr wrap="square" rtlCol="0">
+            <a:spAutoFit/>
+          </a:bodyPr>
+          <a:lstStyle/>
+          <a:p>
+            <a:r>
+              <a:rPr lang="fr-FR" dirty="0"/>
+              <a:t>S3 </a:t>
+            </a:r>
+            <a:r>
+              <a:rPr lang="fr-FR" dirty="0" err="1"/>
+              <a:t>supermini</a:t>
+            </a:r>
+            <a:endParaRPr lang="fr-FR" dirty="0"/>
+          </a:p>
+          <a:p>
+            <a:r>
+              <a:rPr lang="fr-FR" dirty="0"/>
+              <a:t>(V3)</a:t>
+            </a:r>
+            <a:endParaRPr lang="en-US" dirty="0"/>
+          </a:p>
+        </p:txBody>
+      </p:sp>
+      <p:sp>
+        <p:nvSpPr>
+          <p:cNvPr id="3" name="직사각형 2">
+            <a:extLst>
+              <a:ext uri="{FF2B5EF4-FFF2-40B4-BE49-F238E27FC236}">
+                <a16:creationId xmlns:a16="http://schemas.microsoft.com/office/drawing/2014/main" id="{C7520CF6-AD4D-24D9-B4D8-FD2847F95516}"/>
+              </a:ext>
+            </a:extLst>
+          </p:cNvPr>
+          <p:cNvSpPr/>
+          <p:nvPr/>
+        </p:nvSpPr>
+        <p:spPr>
+          <a:xfrm>
+            <a:off x="2383155" y="2006309"/>
+            <a:ext cx="1651289" cy="1674421"/>
+          </a:xfrm>
+          <a:prstGeom prst="rect">
+            <a:avLst/>
+          </a:prstGeom>
+          <a:pattFill prst="wdUpDiag">
+            <a:fgClr>
+              <a:schemeClr val="accent4"/>
+            </a:fgClr>
+            <a:bgClr>
+              <a:srgbClr val="FFFF00"/>
+            </a:bgClr>
+          </a:pattFill>
+          <a:ln>
+            <a:noFill/>
+          </a:ln>
+        </p:spPr>
+        <p:style>
+          <a:lnRef idx="2">
+            <a:schemeClr val="accent1">
+              <a:shade val="50000"/>
+            </a:schemeClr>
+          </a:lnRef>
+          <a:fillRef idx="1">
+            <a:schemeClr val="accent1"/>
+          </a:fillRef>
+          <a:effectRef idx="0">
+            <a:schemeClr val="accent1"/>
+          </a:effectRef>
+          <a:fontRef idx="minor">
+            <a:schemeClr val="lt1"/>
+          </a:fontRef>
+        </p:style>
+        <p:txBody>
+          <a:bodyPr rtlCol="0" anchor="ctr"/>
+          <a:lstStyle/>
+          <a:p>
+            <a:pPr algn="ctr"/>
+            <a:r>
+              <a:rPr lang="fr-FR" altLang="ko-KR" sz="2000" b="1" dirty="0">
+                <a:solidFill>
+                  <a:schemeClr val="tx1"/>
+                </a:solidFill>
+                <a:latin typeface="Calibri" panose="020F0502020204030204" pitchFamily="34" charset="0"/>
+                <a:ea typeface="Calibri" panose="020F0502020204030204" pitchFamily="34" charset="0"/>
+                <a:cs typeface="Calibri" panose="020F0502020204030204" pitchFamily="34" charset="0"/>
+              </a:rPr>
+              <a:t>Pin 1 pull high</a:t>
+            </a:r>
+            <a:endParaRPr lang="ko-KR" altLang="en-US" sz="2000" b="1" dirty="0">
+              <a:solidFill>
+                <a:schemeClr val="tx1"/>
+              </a:solidFill>
+              <a:latin typeface="Calibri" panose="020F0502020204030204" pitchFamily="34" charset="0"/>
+              <a:cs typeface="Calibri" panose="020F0502020204030204" pitchFamily="34" charset="0"/>
+            </a:endParaRPr>
+          </a:p>
+        </p:txBody>
+      </p:sp>
+      <p:pic>
+        <p:nvPicPr>
+          <p:cNvPr id="5" name="그림 4">
+            <a:extLst>
+              <a:ext uri="{FF2B5EF4-FFF2-40B4-BE49-F238E27FC236}">
+                <a16:creationId xmlns:a16="http://schemas.microsoft.com/office/drawing/2014/main" id="{F63E7354-ED57-8997-9367-1AE352301C71}"/>
+              </a:ext>
+            </a:extLst>
+          </p:cNvPr>
+          <p:cNvPicPr>
+            <a:picLocks noChangeAspect="1"/>
+          </p:cNvPicPr>
+          <p:nvPr/>
+        </p:nvPicPr>
+        <p:blipFill>
+          <a:blip r:embed="rId2"/>
+          <a:stretch>
+            <a:fillRect/>
+          </a:stretch>
+        </p:blipFill>
+        <p:spPr>
+          <a:xfrm>
+            <a:off x="4067702" y="1367367"/>
+            <a:ext cx="3264430" cy="4379608"/>
+          </a:xfrm>
+          <a:prstGeom prst="rect">
+            <a:avLst/>
+          </a:prstGeom>
+        </p:spPr>
+      </p:pic>
+      <p:sp>
+        <p:nvSpPr>
+          <p:cNvPr id="7" name="타원 6">
+            <a:extLst>
+              <a:ext uri="{FF2B5EF4-FFF2-40B4-BE49-F238E27FC236}">
+                <a16:creationId xmlns:a16="http://schemas.microsoft.com/office/drawing/2014/main" id="{2815B7B4-8764-A1AA-58F8-16970540F2B8}"/>
+              </a:ext>
+            </a:extLst>
+          </p:cNvPr>
+          <p:cNvSpPr/>
+          <p:nvPr/>
+        </p:nvSpPr>
+        <p:spPr>
+          <a:xfrm>
+            <a:off x="4320494" y="2738182"/>
+            <a:ext cx="183773" cy="640018"/>
+          </a:xfrm>
+          <a:prstGeom prst="ellipse">
+            <a:avLst/>
+          </a:prstGeom>
+          <a:solidFill>
+            <a:srgbClr val="FF0000"/>
+          </a:solidFill>
+          <a:ln>
+            <a:noFill/>
+          </a:ln>
+        </p:spPr>
+        <p:style>
+          <a:lnRef idx="2">
+            <a:schemeClr val="accent1">
+              <a:shade val="50000"/>
+            </a:schemeClr>
+          </a:lnRef>
+          <a:fillRef idx="1">
+            <a:schemeClr val="accent1"/>
+          </a:fillRef>
+          <a:effectRef idx="0">
+            <a:schemeClr val="accent1"/>
+          </a:effectRef>
+          <a:fontRef idx="minor">
+            <a:schemeClr val="lt1"/>
+          </a:fontRef>
+        </p:style>
+        <p:txBody>
+          <a:bodyPr rtlCol="0" anchor="ctr"/>
+          <a:lstStyle/>
+          <a:p>
+            <a:pPr algn="ctr"/>
+            <a:endParaRPr lang="ko-KR" altLang="en-US"/>
+          </a:p>
+        </p:txBody>
+      </p:sp>
+    </p:spTree>
+    <p:extLst>
+      <p:ext uri="{BB962C8B-B14F-4D97-AF65-F5344CB8AC3E}">
+        <p14:creationId xmlns:p14="http://schemas.microsoft.com/office/powerpoint/2010/main" val="2555535500"/>
+      </p:ext>
+    </p:extLst>
+  </p:cSld>
+  <p:clrMapOvr>
+    <a:masterClrMapping/>
+  </p:clrMapOvr>
+</p:sld>
+</file>
+
 <file path=ppt/theme/theme1.xml><?xml version="1.0" encoding="utf-8"?>
 <a:theme xmlns:a="http://schemas.openxmlformats.org/drawingml/2006/main" name="Office 테마">
   <a:themeElements>

--- a/Wirings.pptx
+++ b/Wirings.pptx
@@ -266,7 +266,7 @@
           <a:p>
             <a:fld id="{9D7138D6-EFB1-44D5-B851-4BE87A9A34FC}" type="datetimeFigureOut">
               <a:rPr lang="ko-KR" altLang="en-US" smtClean="0"/>
-              <a:t>2024-03-24</a:t>
+              <a:t>2024-03-28</a:t>
             </a:fld>
             <a:endParaRPr lang="ko-KR" altLang="en-US"/>
           </a:p>
@@ -464,7 +464,7 @@
           <a:p>
             <a:fld id="{9D7138D6-EFB1-44D5-B851-4BE87A9A34FC}" type="datetimeFigureOut">
               <a:rPr lang="ko-KR" altLang="en-US" smtClean="0"/>
-              <a:t>2024-03-24</a:t>
+              <a:t>2024-03-28</a:t>
             </a:fld>
             <a:endParaRPr lang="ko-KR" altLang="en-US"/>
           </a:p>
@@ -672,7 +672,7 @@
           <a:p>
             <a:fld id="{9D7138D6-EFB1-44D5-B851-4BE87A9A34FC}" type="datetimeFigureOut">
               <a:rPr lang="ko-KR" altLang="en-US" smtClean="0"/>
-              <a:t>2024-03-24</a:t>
+              <a:t>2024-03-28</a:t>
             </a:fld>
             <a:endParaRPr lang="ko-KR" altLang="en-US"/>
           </a:p>
@@ -870,7 +870,7 @@
           <a:p>
             <a:fld id="{9D7138D6-EFB1-44D5-B851-4BE87A9A34FC}" type="datetimeFigureOut">
               <a:rPr lang="ko-KR" altLang="en-US" smtClean="0"/>
-              <a:t>2024-03-24</a:t>
+              <a:t>2024-03-28</a:t>
             </a:fld>
             <a:endParaRPr lang="ko-KR" altLang="en-US"/>
           </a:p>
@@ -1145,7 +1145,7 @@
           <a:p>
             <a:fld id="{9D7138D6-EFB1-44D5-B851-4BE87A9A34FC}" type="datetimeFigureOut">
               <a:rPr lang="ko-KR" altLang="en-US" smtClean="0"/>
-              <a:t>2024-03-24</a:t>
+              <a:t>2024-03-28</a:t>
             </a:fld>
             <a:endParaRPr lang="ko-KR" altLang="en-US"/>
           </a:p>
@@ -1410,7 +1410,7 @@
           <a:p>
             <a:fld id="{9D7138D6-EFB1-44D5-B851-4BE87A9A34FC}" type="datetimeFigureOut">
               <a:rPr lang="ko-KR" altLang="en-US" smtClean="0"/>
-              <a:t>2024-03-24</a:t>
+              <a:t>2024-03-28</a:t>
             </a:fld>
             <a:endParaRPr lang="ko-KR" altLang="en-US"/>
           </a:p>
@@ -1822,7 +1822,7 @@
           <a:p>
             <a:fld id="{9D7138D6-EFB1-44D5-B851-4BE87A9A34FC}" type="datetimeFigureOut">
               <a:rPr lang="ko-KR" altLang="en-US" smtClean="0"/>
-              <a:t>2024-03-24</a:t>
+              <a:t>2024-03-28</a:t>
             </a:fld>
             <a:endParaRPr lang="ko-KR" altLang="en-US"/>
           </a:p>
@@ -1963,7 +1963,7 @@
           <a:p>
             <a:fld id="{9D7138D6-EFB1-44D5-B851-4BE87A9A34FC}" type="datetimeFigureOut">
               <a:rPr lang="ko-KR" altLang="en-US" smtClean="0"/>
-              <a:t>2024-03-24</a:t>
+              <a:t>2024-03-28</a:t>
             </a:fld>
             <a:endParaRPr lang="ko-KR" altLang="en-US"/>
           </a:p>
@@ -2076,7 +2076,7 @@
           <a:p>
             <a:fld id="{9D7138D6-EFB1-44D5-B851-4BE87A9A34FC}" type="datetimeFigureOut">
               <a:rPr lang="ko-KR" altLang="en-US" smtClean="0"/>
-              <a:t>2024-03-24</a:t>
+              <a:t>2024-03-28</a:t>
             </a:fld>
             <a:endParaRPr lang="ko-KR" altLang="en-US"/>
           </a:p>
@@ -2387,7 +2387,7 @@
           <a:p>
             <a:fld id="{9D7138D6-EFB1-44D5-B851-4BE87A9A34FC}" type="datetimeFigureOut">
               <a:rPr lang="ko-KR" altLang="en-US" smtClean="0"/>
-              <a:t>2024-03-24</a:t>
+              <a:t>2024-03-28</a:t>
             </a:fld>
             <a:endParaRPr lang="ko-KR" altLang="en-US"/>
           </a:p>
@@ -2675,7 +2675,7 @@
           <a:p>
             <a:fld id="{9D7138D6-EFB1-44D5-B851-4BE87A9A34FC}" type="datetimeFigureOut">
               <a:rPr lang="ko-KR" altLang="en-US" smtClean="0"/>
-              <a:t>2024-03-24</a:t>
+              <a:t>2024-03-28</a:t>
             </a:fld>
             <a:endParaRPr lang="ko-KR" altLang="en-US"/>
           </a:p>
@@ -2916,7 +2916,7 @@
           <a:p>
             <a:fld id="{9D7138D6-EFB1-44D5-B851-4BE87A9A34FC}" type="datetimeFigureOut">
               <a:rPr lang="ko-KR" altLang="en-US" smtClean="0"/>
-              <a:t>2024-03-24</a:t>
+              <a:t>2024-03-28</a:t>
             </a:fld>
             <a:endParaRPr lang="ko-KR" altLang="en-US"/>
           </a:p>
@@ -10669,7 +10669,7 @@
                   <a:ea typeface="Calibri" panose="020F0502020204030204" pitchFamily="34" charset="0"/>
                   <a:cs typeface="Calibri" panose="020F0502020204030204" pitchFamily="34" charset="0"/>
                 </a:rPr>
-                <a:t>1A</a:t>
+                <a:t>1AB</a:t>
               </a:r>
             </a:p>
             <a:p>
@@ -10942,10 +10942,10 @@
       </p:sp>
       <p:sp>
         <p:nvSpPr>
-          <p:cNvPr id="3" name="직사각형 2">
-            <a:extLst>
-              <a:ext uri="{FF2B5EF4-FFF2-40B4-BE49-F238E27FC236}">
-                <a16:creationId xmlns:a16="http://schemas.microsoft.com/office/drawing/2014/main" id="{C7520CF6-AD4D-24D9-B4D8-FD2847F95516}"/>
+          <p:cNvPr id="5" name="직사각형 4">
+            <a:extLst>
+              <a:ext uri="{FF2B5EF4-FFF2-40B4-BE49-F238E27FC236}">
+                <a16:creationId xmlns:a16="http://schemas.microsoft.com/office/drawing/2014/main" id="{0DCA7E9F-CD5E-9DF5-4EBF-21101A27248B}"/>
               </a:ext>
             </a:extLst>
           </p:cNvPr>
@@ -10954,8 +10954,65 @@
         </p:nvSpPr>
         <p:spPr>
           <a:xfrm>
-            <a:off x="8631555" y="3335576"/>
-            <a:ext cx="1651289" cy="1674421"/>
+            <a:off x="8490510" y="2219463"/>
+            <a:ext cx="442553" cy="1674421"/>
+          </a:xfrm>
+          <a:prstGeom prst="rect">
+            <a:avLst/>
+          </a:prstGeom>
+          <a:solidFill>
+            <a:srgbClr val="FFC000"/>
+          </a:solidFill>
+          <a:ln w="88900">
+            <a:solidFill>
+              <a:srgbClr val="FFFF00"/>
+            </a:solidFill>
+          </a:ln>
+        </p:spPr>
+        <p:style>
+          <a:lnRef idx="2">
+            <a:schemeClr val="accent1">
+              <a:shade val="50000"/>
+            </a:schemeClr>
+          </a:lnRef>
+          <a:fillRef idx="1">
+            <a:schemeClr val="accent1"/>
+          </a:fillRef>
+          <a:effectRef idx="0">
+            <a:schemeClr val="accent1"/>
+          </a:effectRef>
+          <a:fontRef idx="minor">
+            <a:schemeClr val="lt1"/>
+          </a:fontRef>
+        </p:style>
+        <p:txBody>
+          <a:bodyPr rtlCol="0" anchor="ctr"/>
+          <a:lstStyle/>
+          <a:p>
+            <a:pPr algn="ctr"/>
+            <a:endParaRPr lang="ko-KR" altLang="en-US" sz="2000" b="1">
+              <a:latin typeface="Calibri" panose="020F0502020204030204" pitchFamily="34" charset="0"/>
+              <a:cs typeface="Calibri" panose="020F0502020204030204" pitchFamily="34" charset="0"/>
+            </a:endParaRPr>
+          </a:p>
+        </p:txBody>
+      </p:sp>
+      <p:sp>
+        <p:nvSpPr>
+          <p:cNvPr id="7" name="직사각형 6">
+            <a:extLst>
+              <a:ext uri="{FF2B5EF4-FFF2-40B4-BE49-F238E27FC236}">
+                <a16:creationId xmlns:a16="http://schemas.microsoft.com/office/drawing/2014/main" id="{A3FAC684-CF07-FCB6-4A49-37C133BC3B74}"/>
+              </a:ext>
+            </a:extLst>
+          </p:cNvPr>
+          <p:cNvSpPr/>
+          <p:nvPr/>
+        </p:nvSpPr>
+        <p:spPr>
+          <a:xfrm>
+            <a:off x="9030265" y="2238091"/>
+            <a:ext cx="1016331" cy="1674421"/>
           </a:xfrm>
           <a:prstGeom prst="rect">
             <a:avLst/>
@@ -10994,6 +11051,28 @@
           <a:p>
             <a:pPr algn="ctr"/>
             <a:r>
+              <a:rPr lang="fr-FR" altLang="ko-KR" sz="2000" b="1" dirty="0" err="1">
+                <a:solidFill>
+                  <a:schemeClr val="tx1"/>
+                </a:solidFill>
+                <a:latin typeface="Calibri" panose="020F0502020204030204" pitchFamily="34" charset="0"/>
+                <a:ea typeface="Calibri" panose="020F0502020204030204" pitchFamily="34" charset="0"/>
+                <a:cs typeface="Calibri" panose="020F0502020204030204" pitchFamily="34" charset="0"/>
+              </a:rPr>
+              <a:t>Sensor</a:t>
+            </a:r>
+            <a:endParaRPr lang="fr-FR" altLang="ko-KR" sz="2000" b="1" dirty="0">
+              <a:solidFill>
+                <a:schemeClr val="tx1"/>
+              </a:solidFill>
+              <a:latin typeface="Calibri" panose="020F0502020204030204" pitchFamily="34" charset="0"/>
+              <a:ea typeface="Calibri" panose="020F0502020204030204" pitchFamily="34" charset="0"/>
+              <a:cs typeface="Calibri" panose="020F0502020204030204" pitchFamily="34" charset="0"/>
+            </a:endParaRPr>
+          </a:p>
+          <a:p>
+            <a:pPr algn="ctr"/>
+            <a:r>
               <a:rPr lang="fr-FR" altLang="ko-KR" sz="2000" b="1" dirty="0">
                 <a:solidFill>
                   <a:schemeClr val="tx1"/>
@@ -11002,7 +11081,21 @@
                 <a:ea typeface="Calibri" panose="020F0502020204030204" pitchFamily="34" charset="0"/>
                 <a:cs typeface="Calibri" panose="020F0502020204030204" pitchFamily="34" charset="0"/>
               </a:rPr>
-              <a:t>Pin 16 pull low if MPU6500</a:t>
+              <a:t>2AB</a:t>
+            </a:r>
+          </a:p>
+          <a:p>
+            <a:pPr algn="ctr"/>
+            <a:r>
+              <a:rPr lang="fr-FR" altLang="ko-KR" sz="2000" b="1" dirty="0">
+                <a:solidFill>
+                  <a:schemeClr val="tx1"/>
+                </a:solidFill>
+                <a:latin typeface="Calibri" panose="020F0502020204030204" pitchFamily="34" charset="0"/>
+                <a:ea typeface="Calibri" panose="020F0502020204030204" pitchFamily="34" charset="0"/>
+                <a:cs typeface="Calibri" panose="020F0502020204030204" pitchFamily="34" charset="0"/>
+              </a:rPr>
+              <a:t>(I2C)</a:t>
             </a:r>
             <a:endParaRPr lang="ko-KR" altLang="en-US" sz="2000" b="1" dirty="0">
               <a:solidFill>
@@ -11011,6 +11104,214 @@
               <a:latin typeface="Calibri" panose="020F0502020204030204" pitchFamily="34" charset="0"/>
               <a:cs typeface="Calibri" panose="020F0502020204030204" pitchFamily="34" charset="0"/>
             </a:endParaRPr>
+          </a:p>
+        </p:txBody>
+      </p:sp>
+      <p:sp>
+        <p:nvSpPr>
+          <p:cNvPr id="8" name="타원 7">
+            <a:extLst>
+              <a:ext uri="{FF2B5EF4-FFF2-40B4-BE49-F238E27FC236}">
+                <a16:creationId xmlns:a16="http://schemas.microsoft.com/office/drawing/2014/main" id="{2A10F5A3-2549-E835-7C9D-C7BD72B0ACA3}"/>
+              </a:ext>
+            </a:extLst>
+          </p:cNvPr>
+          <p:cNvSpPr/>
+          <p:nvPr/>
+        </p:nvSpPr>
+        <p:spPr>
+          <a:xfrm>
+            <a:off x="8608684" y="3190378"/>
+            <a:ext cx="198417" cy="189016"/>
+          </a:xfrm>
+          <a:prstGeom prst="ellipse">
+            <a:avLst/>
+          </a:prstGeom>
+          <a:solidFill>
+            <a:schemeClr val="tx1"/>
+          </a:solidFill>
+          <a:ln>
+            <a:noFill/>
+          </a:ln>
+        </p:spPr>
+        <p:style>
+          <a:lnRef idx="2">
+            <a:schemeClr val="accent1">
+              <a:shade val="50000"/>
+            </a:schemeClr>
+          </a:lnRef>
+          <a:fillRef idx="1">
+            <a:schemeClr val="accent1"/>
+          </a:fillRef>
+          <a:effectRef idx="0">
+            <a:schemeClr val="accent1"/>
+          </a:effectRef>
+          <a:fontRef idx="minor">
+            <a:schemeClr val="lt1"/>
+          </a:fontRef>
+        </p:style>
+        <p:txBody>
+          <a:bodyPr rtlCol="0" anchor="ctr"/>
+          <a:lstStyle/>
+          <a:p>
+            <a:pPr algn="ctr"/>
+            <a:endParaRPr lang="ko-KR" altLang="en-US"/>
+          </a:p>
+        </p:txBody>
+      </p:sp>
+      <p:sp>
+        <p:nvSpPr>
+          <p:cNvPr id="9" name="타원 8">
+            <a:extLst>
+              <a:ext uri="{FF2B5EF4-FFF2-40B4-BE49-F238E27FC236}">
+                <a16:creationId xmlns:a16="http://schemas.microsoft.com/office/drawing/2014/main" id="{46E4096B-9783-8EE6-5B65-8D9FCC4D04C4}"/>
+              </a:ext>
+            </a:extLst>
+          </p:cNvPr>
+          <p:cNvSpPr/>
+          <p:nvPr/>
+        </p:nvSpPr>
+        <p:spPr>
+          <a:xfrm>
+            <a:off x="8621560" y="3635647"/>
+            <a:ext cx="198417" cy="189016"/>
+          </a:xfrm>
+          <a:prstGeom prst="ellipse">
+            <a:avLst/>
+          </a:prstGeom>
+          <a:solidFill>
+            <a:srgbClr val="FF0000"/>
+          </a:solidFill>
+          <a:ln>
+            <a:noFill/>
+          </a:ln>
+        </p:spPr>
+        <p:style>
+          <a:lnRef idx="2">
+            <a:schemeClr val="accent1">
+              <a:shade val="50000"/>
+            </a:schemeClr>
+          </a:lnRef>
+          <a:fillRef idx="1">
+            <a:schemeClr val="accent1"/>
+          </a:fillRef>
+          <a:effectRef idx="0">
+            <a:schemeClr val="accent1"/>
+          </a:effectRef>
+          <a:fontRef idx="minor">
+            <a:schemeClr val="lt1"/>
+          </a:fontRef>
+        </p:style>
+        <p:txBody>
+          <a:bodyPr rtlCol="0" anchor="ctr"/>
+          <a:lstStyle/>
+          <a:p>
+            <a:pPr algn="ctr"/>
+            <a:endParaRPr lang="ko-KR" altLang="en-US"/>
+          </a:p>
+        </p:txBody>
+      </p:sp>
+      <p:sp>
+        <p:nvSpPr>
+          <p:cNvPr id="10" name="타원 9">
+            <a:extLst>
+              <a:ext uri="{FF2B5EF4-FFF2-40B4-BE49-F238E27FC236}">
+                <a16:creationId xmlns:a16="http://schemas.microsoft.com/office/drawing/2014/main" id="{C2D70E7F-38B1-C875-1069-F59873054BA3}"/>
+              </a:ext>
+            </a:extLst>
+          </p:cNvPr>
+          <p:cNvSpPr/>
+          <p:nvPr/>
+        </p:nvSpPr>
+        <p:spPr>
+          <a:xfrm>
+            <a:off x="8597931" y="2786579"/>
+            <a:ext cx="198417" cy="189016"/>
+          </a:xfrm>
+          <a:prstGeom prst="ellipse">
+            <a:avLst/>
+          </a:prstGeom>
+          <a:solidFill>
+            <a:srgbClr val="FFFF00"/>
+          </a:solidFill>
+          <a:ln>
+            <a:noFill/>
+          </a:ln>
+        </p:spPr>
+        <p:style>
+          <a:lnRef idx="2">
+            <a:schemeClr val="accent1">
+              <a:shade val="50000"/>
+            </a:schemeClr>
+          </a:lnRef>
+          <a:fillRef idx="1">
+            <a:schemeClr val="accent1"/>
+          </a:fillRef>
+          <a:effectRef idx="0">
+            <a:schemeClr val="accent1"/>
+          </a:effectRef>
+          <a:fontRef idx="minor">
+            <a:schemeClr val="lt1"/>
+          </a:fontRef>
+        </p:style>
+        <p:txBody>
+          <a:bodyPr rtlCol="0" anchor="ctr"/>
+          <a:lstStyle/>
+          <a:p>
+            <a:pPr algn="ctr"/>
+            <a:endParaRPr lang="ko-KR" altLang="en-US" dirty="0"/>
+          </a:p>
+        </p:txBody>
+      </p:sp>
+      <p:sp>
+        <p:nvSpPr>
+          <p:cNvPr id="11" name="타원 10">
+            <a:extLst>
+              <a:ext uri="{FF2B5EF4-FFF2-40B4-BE49-F238E27FC236}">
+                <a16:creationId xmlns:a16="http://schemas.microsoft.com/office/drawing/2014/main" id="{427DB905-EAD2-150F-B0E1-866804E5426B}"/>
+              </a:ext>
+            </a:extLst>
+          </p:cNvPr>
+          <p:cNvSpPr/>
+          <p:nvPr/>
+        </p:nvSpPr>
+        <p:spPr>
+          <a:xfrm>
+            <a:off x="8602867" y="2360233"/>
+            <a:ext cx="198417" cy="189016"/>
+          </a:xfrm>
+          <a:prstGeom prst="ellipse">
+            <a:avLst/>
+          </a:prstGeom>
+          <a:solidFill>
+            <a:schemeClr val="bg1"/>
+          </a:solidFill>
+          <a:ln>
+            <a:noFill/>
+          </a:ln>
+        </p:spPr>
+        <p:style>
+          <a:lnRef idx="2">
+            <a:schemeClr val="accent1">
+              <a:shade val="50000"/>
+            </a:schemeClr>
+          </a:lnRef>
+          <a:fillRef idx="1">
+            <a:schemeClr val="accent1"/>
+          </a:fillRef>
+          <a:effectRef idx="0">
+            <a:schemeClr val="accent1"/>
+          </a:effectRef>
+          <a:fontRef idx="minor">
+            <a:schemeClr val="lt1"/>
+          </a:fontRef>
+        </p:style>
+        <p:txBody>
+          <a:bodyPr rtlCol="0" anchor="ctr"/>
+          <a:lstStyle/>
+          <a:p>
+            <a:pPr algn="ctr"/>
+            <a:endParaRPr lang="ko-KR" altLang="en-US"/>
           </a:p>
         </p:txBody>
       </p:sp>
@@ -11191,7 +11492,7 @@
                 <a:ea typeface="Calibri" panose="020F0502020204030204" pitchFamily="34" charset="0"/>
                 <a:cs typeface="Calibri" panose="020F0502020204030204" pitchFamily="34" charset="0"/>
               </a:rPr>
-              <a:t>1A</a:t>
+              <a:t>1AB</a:t>
             </a:r>
           </a:p>
           <a:p>
@@ -11598,6 +11899,381 @@
           </a:prstGeom>
           <a:solidFill>
             <a:srgbClr val="FF0000"/>
+          </a:solidFill>
+          <a:ln>
+            <a:noFill/>
+          </a:ln>
+        </p:spPr>
+        <p:style>
+          <a:lnRef idx="2">
+            <a:schemeClr val="accent1">
+              <a:shade val="50000"/>
+            </a:schemeClr>
+          </a:lnRef>
+          <a:fillRef idx="1">
+            <a:schemeClr val="accent1"/>
+          </a:fillRef>
+          <a:effectRef idx="0">
+            <a:schemeClr val="accent1"/>
+          </a:effectRef>
+          <a:fontRef idx="minor">
+            <a:schemeClr val="lt1"/>
+          </a:fontRef>
+        </p:style>
+        <p:txBody>
+          <a:bodyPr rtlCol="0" anchor="ctr"/>
+          <a:lstStyle/>
+          <a:p>
+            <a:pPr algn="ctr"/>
+            <a:endParaRPr lang="ko-KR" altLang="en-US"/>
+          </a:p>
+        </p:txBody>
+      </p:sp>
+      <p:sp>
+        <p:nvSpPr>
+          <p:cNvPr id="4" name="직사각형 3">
+            <a:extLst>
+              <a:ext uri="{FF2B5EF4-FFF2-40B4-BE49-F238E27FC236}">
+                <a16:creationId xmlns:a16="http://schemas.microsoft.com/office/drawing/2014/main" id="{69CB6436-F78D-D5F3-51F8-55B74E6EDBB4}"/>
+              </a:ext>
+            </a:extLst>
+          </p:cNvPr>
+          <p:cNvSpPr/>
+          <p:nvPr/>
+        </p:nvSpPr>
+        <p:spPr>
+          <a:xfrm>
+            <a:off x="7339044" y="3904332"/>
+            <a:ext cx="442553" cy="1674421"/>
+          </a:xfrm>
+          <a:prstGeom prst="rect">
+            <a:avLst/>
+          </a:prstGeom>
+          <a:solidFill>
+            <a:srgbClr val="FFC000"/>
+          </a:solidFill>
+          <a:ln w="88900">
+            <a:solidFill>
+              <a:srgbClr val="FFFF00"/>
+            </a:solidFill>
+          </a:ln>
+        </p:spPr>
+        <p:style>
+          <a:lnRef idx="2">
+            <a:schemeClr val="accent1">
+              <a:shade val="50000"/>
+            </a:schemeClr>
+          </a:lnRef>
+          <a:fillRef idx="1">
+            <a:schemeClr val="accent1"/>
+          </a:fillRef>
+          <a:effectRef idx="0">
+            <a:schemeClr val="accent1"/>
+          </a:effectRef>
+          <a:fontRef idx="minor">
+            <a:schemeClr val="lt1"/>
+          </a:fontRef>
+        </p:style>
+        <p:txBody>
+          <a:bodyPr rtlCol="0" anchor="ctr"/>
+          <a:lstStyle/>
+          <a:p>
+            <a:pPr algn="ctr"/>
+            <a:endParaRPr lang="ko-KR" altLang="en-US" sz="2000" b="1">
+              <a:latin typeface="Calibri" panose="020F0502020204030204" pitchFamily="34" charset="0"/>
+              <a:cs typeface="Calibri" panose="020F0502020204030204" pitchFamily="34" charset="0"/>
+            </a:endParaRPr>
+          </a:p>
+        </p:txBody>
+      </p:sp>
+      <p:sp>
+        <p:nvSpPr>
+          <p:cNvPr id="6" name="직사각형 5">
+            <a:extLst>
+              <a:ext uri="{FF2B5EF4-FFF2-40B4-BE49-F238E27FC236}">
+                <a16:creationId xmlns:a16="http://schemas.microsoft.com/office/drawing/2014/main" id="{7CA8DB7E-815B-942F-BD60-DF31F67E054C}"/>
+              </a:ext>
+            </a:extLst>
+          </p:cNvPr>
+          <p:cNvSpPr/>
+          <p:nvPr/>
+        </p:nvSpPr>
+        <p:spPr>
+          <a:xfrm>
+            <a:off x="7836465" y="3906025"/>
+            <a:ext cx="1016331" cy="1674421"/>
+          </a:xfrm>
+          <a:prstGeom prst="rect">
+            <a:avLst/>
+          </a:prstGeom>
+          <a:pattFill prst="wdUpDiag">
+            <a:fgClr>
+              <a:schemeClr val="accent4"/>
+            </a:fgClr>
+            <a:bgClr>
+              <a:srgbClr val="FFFF00"/>
+            </a:bgClr>
+          </a:pattFill>
+          <a:ln>
+            <a:noFill/>
+          </a:ln>
+        </p:spPr>
+        <p:style>
+          <a:lnRef idx="2">
+            <a:schemeClr val="accent1">
+              <a:shade val="50000"/>
+            </a:schemeClr>
+          </a:lnRef>
+          <a:fillRef idx="1">
+            <a:schemeClr val="accent1"/>
+          </a:fillRef>
+          <a:effectRef idx="0">
+            <a:schemeClr val="accent1"/>
+          </a:effectRef>
+          <a:fontRef idx="minor">
+            <a:schemeClr val="lt1"/>
+          </a:fontRef>
+        </p:style>
+        <p:txBody>
+          <a:bodyPr rtlCol="0" anchor="ctr"/>
+          <a:lstStyle/>
+          <a:p>
+            <a:pPr algn="ctr"/>
+            <a:r>
+              <a:rPr lang="fr-FR" altLang="ko-KR" sz="2000" b="1" dirty="0" err="1">
+                <a:solidFill>
+                  <a:schemeClr val="tx1"/>
+                </a:solidFill>
+                <a:latin typeface="Calibri" panose="020F0502020204030204" pitchFamily="34" charset="0"/>
+                <a:ea typeface="Calibri" panose="020F0502020204030204" pitchFamily="34" charset="0"/>
+                <a:cs typeface="Calibri" panose="020F0502020204030204" pitchFamily="34" charset="0"/>
+              </a:rPr>
+              <a:t>Sensor</a:t>
+            </a:r>
+            <a:endParaRPr lang="fr-FR" altLang="ko-KR" sz="2000" b="1" dirty="0">
+              <a:solidFill>
+                <a:schemeClr val="tx1"/>
+              </a:solidFill>
+              <a:latin typeface="Calibri" panose="020F0502020204030204" pitchFamily="34" charset="0"/>
+              <a:ea typeface="Calibri" panose="020F0502020204030204" pitchFamily="34" charset="0"/>
+              <a:cs typeface="Calibri" panose="020F0502020204030204" pitchFamily="34" charset="0"/>
+            </a:endParaRPr>
+          </a:p>
+          <a:p>
+            <a:pPr algn="ctr"/>
+            <a:r>
+              <a:rPr lang="fr-FR" altLang="ko-KR" sz="2000" b="1" dirty="0">
+                <a:solidFill>
+                  <a:schemeClr val="tx1"/>
+                </a:solidFill>
+                <a:latin typeface="Calibri" panose="020F0502020204030204" pitchFamily="34" charset="0"/>
+                <a:ea typeface="Calibri" panose="020F0502020204030204" pitchFamily="34" charset="0"/>
+                <a:cs typeface="Calibri" panose="020F0502020204030204" pitchFamily="34" charset="0"/>
+              </a:rPr>
+              <a:t>2AB</a:t>
+            </a:r>
+          </a:p>
+          <a:p>
+            <a:pPr algn="ctr"/>
+            <a:r>
+              <a:rPr lang="fr-FR" altLang="ko-KR" sz="2000" b="1" dirty="0">
+                <a:solidFill>
+                  <a:schemeClr val="tx1"/>
+                </a:solidFill>
+                <a:latin typeface="Calibri" panose="020F0502020204030204" pitchFamily="34" charset="0"/>
+                <a:ea typeface="Calibri" panose="020F0502020204030204" pitchFamily="34" charset="0"/>
+                <a:cs typeface="Calibri" panose="020F0502020204030204" pitchFamily="34" charset="0"/>
+              </a:rPr>
+              <a:t>(I2C)</a:t>
+            </a:r>
+            <a:endParaRPr lang="ko-KR" altLang="en-US" sz="2000" b="1" dirty="0">
+              <a:solidFill>
+                <a:schemeClr val="tx1"/>
+              </a:solidFill>
+              <a:latin typeface="Calibri" panose="020F0502020204030204" pitchFamily="34" charset="0"/>
+              <a:cs typeface="Calibri" panose="020F0502020204030204" pitchFamily="34" charset="0"/>
+            </a:endParaRPr>
+          </a:p>
+        </p:txBody>
+      </p:sp>
+      <p:sp>
+        <p:nvSpPr>
+          <p:cNvPr id="8" name="타원 7">
+            <a:extLst>
+              <a:ext uri="{FF2B5EF4-FFF2-40B4-BE49-F238E27FC236}">
+                <a16:creationId xmlns:a16="http://schemas.microsoft.com/office/drawing/2014/main" id="{390A6E99-71E2-9E1C-AE51-6462BFD29584}"/>
+              </a:ext>
+            </a:extLst>
+          </p:cNvPr>
+          <p:cNvSpPr/>
+          <p:nvPr/>
+        </p:nvSpPr>
+        <p:spPr>
+          <a:xfrm>
+            <a:off x="7457218" y="4875247"/>
+            <a:ext cx="198417" cy="189016"/>
+          </a:xfrm>
+          <a:prstGeom prst="ellipse">
+            <a:avLst/>
+          </a:prstGeom>
+          <a:solidFill>
+            <a:schemeClr val="tx1"/>
+          </a:solidFill>
+          <a:ln>
+            <a:noFill/>
+          </a:ln>
+        </p:spPr>
+        <p:style>
+          <a:lnRef idx="2">
+            <a:schemeClr val="accent1">
+              <a:shade val="50000"/>
+            </a:schemeClr>
+          </a:lnRef>
+          <a:fillRef idx="1">
+            <a:schemeClr val="accent1"/>
+          </a:fillRef>
+          <a:effectRef idx="0">
+            <a:schemeClr val="accent1"/>
+          </a:effectRef>
+          <a:fontRef idx="minor">
+            <a:schemeClr val="lt1"/>
+          </a:fontRef>
+        </p:style>
+        <p:txBody>
+          <a:bodyPr rtlCol="0" anchor="ctr"/>
+          <a:lstStyle/>
+          <a:p>
+            <a:pPr algn="ctr"/>
+            <a:endParaRPr lang="ko-KR" altLang="en-US"/>
+          </a:p>
+        </p:txBody>
+      </p:sp>
+      <p:sp>
+        <p:nvSpPr>
+          <p:cNvPr id="9" name="타원 8">
+            <a:extLst>
+              <a:ext uri="{FF2B5EF4-FFF2-40B4-BE49-F238E27FC236}">
+                <a16:creationId xmlns:a16="http://schemas.microsoft.com/office/drawing/2014/main" id="{7C93D1D7-F2F7-8112-BF0F-EF3DF38999D9}"/>
+              </a:ext>
+            </a:extLst>
+          </p:cNvPr>
+          <p:cNvSpPr/>
+          <p:nvPr/>
+        </p:nvSpPr>
+        <p:spPr>
+          <a:xfrm>
+            <a:off x="7470094" y="5320516"/>
+            <a:ext cx="198417" cy="189016"/>
+          </a:xfrm>
+          <a:prstGeom prst="ellipse">
+            <a:avLst/>
+          </a:prstGeom>
+          <a:solidFill>
+            <a:srgbClr val="FF0000"/>
+          </a:solidFill>
+          <a:ln>
+            <a:noFill/>
+          </a:ln>
+        </p:spPr>
+        <p:style>
+          <a:lnRef idx="2">
+            <a:schemeClr val="accent1">
+              <a:shade val="50000"/>
+            </a:schemeClr>
+          </a:lnRef>
+          <a:fillRef idx="1">
+            <a:schemeClr val="accent1"/>
+          </a:fillRef>
+          <a:effectRef idx="0">
+            <a:schemeClr val="accent1"/>
+          </a:effectRef>
+          <a:fontRef idx="minor">
+            <a:schemeClr val="lt1"/>
+          </a:fontRef>
+        </p:style>
+        <p:txBody>
+          <a:bodyPr rtlCol="0" anchor="ctr"/>
+          <a:lstStyle/>
+          <a:p>
+            <a:pPr algn="ctr"/>
+            <a:endParaRPr lang="ko-KR" altLang="en-US"/>
+          </a:p>
+        </p:txBody>
+      </p:sp>
+      <p:sp>
+        <p:nvSpPr>
+          <p:cNvPr id="10" name="타원 9">
+            <a:extLst>
+              <a:ext uri="{FF2B5EF4-FFF2-40B4-BE49-F238E27FC236}">
+                <a16:creationId xmlns:a16="http://schemas.microsoft.com/office/drawing/2014/main" id="{986243C8-C1AF-0506-E923-B9BDF10F7172}"/>
+              </a:ext>
+            </a:extLst>
+          </p:cNvPr>
+          <p:cNvSpPr/>
+          <p:nvPr/>
+        </p:nvSpPr>
+        <p:spPr>
+          <a:xfrm>
+            <a:off x="7446465" y="4471448"/>
+            <a:ext cx="198417" cy="189016"/>
+          </a:xfrm>
+          <a:prstGeom prst="ellipse">
+            <a:avLst/>
+          </a:prstGeom>
+          <a:solidFill>
+            <a:srgbClr val="FFFF00"/>
+          </a:solidFill>
+          <a:ln>
+            <a:noFill/>
+          </a:ln>
+        </p:spPr>
+        <p:style>
+          <a:lnRef idx="2">
+            <a:schemeClr val="accent1">
+              <a:shade val="50000"/>
+            </a:schemeClr>
+          </a:lnRef>
+          <a:fillRef idx="1">
+            <a:schemeClr val="accent1"/>
+          </a:fillRef>
+          <a:effectRef idx="0">
+            <a:schemeClr val="accent1"/>
+          </a:effectRef>
+          <a:fontRef idx="minor">
+            <a:schemeClr val="lt1"/>
+          </a:fontRef>
+        </p:style>
+        <p:txBody>
+          <a:bodyPr rtlCol="0" anchor="ctr"/>
+          <a:lstStyle/>
+          <a:p>
+            <a:pPr algn="ctr"/>
+            <a:endParaRPr lang="ko-KR" altLang="en-US" dirty="0"/>
+          </a:p>
+        </p:txBody>
+      </p:sp>
+      <p:sp>
+        <p:nvSpPr>
+          <p:cNvPr id="11" name="타원 10">
+            <a:extLst>
+              <a:ext uri="{FF2B5EF4-FFF2-40B4-BE49-F238E27FC236}">
+                <a16:creationId xmlns:a16="http://schemas.microsoft.com/office/drawing/2014/main" id="{16C32675-CA75-55B0-834D-B69A00E53F1A}"/>
+              </a:ext>
+            </a:extLst>
+          </p:cNvPr>
+          <p:cNvSpPr/>
+          <p:nvPr/>
+        </p:nvSpPr>
+        <p:spPr>
+          <a:xfrm>
+            <a:off x="7451401" y="4045102"/>
+            <a:ext cx="198417" cy="189016"/>
+          </a:xfrm>
+          <a:prstGeom prst="ellipse">
+            <a:avLst/>
+          </a:prstGeom>
+          <a:solidFill>
+            <a:schemeClr val="bg1"/>
           </a:solidFill>
           <a:ln>
             <a:noFill/>
